--- a/TeamProjectPPT.pptx
+++ b/TeamProjectPPT.pptx
@@ -10,6 +10,9 @@
     <p:sldId id="259" r:id="rId4"/>
     <p:sldId id="260" r:id="rId5"/>
     <p:sldId id="261" r:id="rId6"/>
+    <p:sldId id="262" r:id="rId7"/>
+    <p:sldId id="263" r:id="rId8"/>
+    <p:sldId id="264" r:id="rId9"/>
   </p:sldIdLst>
   <p:sldSz cx="12192000" cy="6858000"/>
   <p:notesSz cx="6858000" cy="9144000"/>
@@ -281,7 +284,7 @@
             <a:fld id="{276D79ED-3FA7-4EF8-964B-EB8BCFAB02F8}" type="datetimeFigureOut">
               <a:rPr lang="en-US" smtClean="0"/>
               <a:pPr/>
-              <a:t>5/8/2022</a:t>
+              <a:t>5/9/22</a:t>
             </a:fld>
             <a:endParaRPr lang="en-US"/>
           </a:p>
@@ -527,7 +530,7 @@
           <a:p>
             <a:fld id="{276D79ED-3FA7-4EF8-964B-EB8BCFAB02F8}" type="datetimeFigureOut">
               <a:rPr lang="en-US" smtClean="0"/>
-              <a:t>5/8/2022</a:t>
+              <a:t>5/9/22</a:t>
             </a:fld>
             <a:endParaRPr lang="en-US"/>
           </a:p>
@@ -804,7 +807,7 @@
           <a:p>
             <a:fld id="{276D79ED-3FA7-4EF8-964B-EB8BCFAB02F8}" type="datetimeFigureOut">
               <a:rPr lang="en-US" smtClean="0"/>
-              <a:t>5/8/2022</a:t>
+              <a:t>5/9/22</a:t>
             </a:fld>
             <a:endParaRPr lang="en-US"/>
           </a:p>
@@ -1045,7 +1048,7 @@
           <a:p>
             <a:fld id="{276D79ED-3FA7-4EF8-964B-EB8BCFAB02F8}" type="datetimeFigureOut">
               <a:rPr lang="en-US" smtClean="0"/>
-              <a:t>5/8/2022</a:t>
+              <a:t>5/9/22</a:t>
             </a:fld>
             <a:endParaRPr lang="en-US"/>
           </a:p>
@@ -1409,7 +1412,7 @@
           <a:p>
             <a:fld id="{276D79ED-3FA7-4EF8-964B-EB8BCFAB02F8}" type="datetimeFigureOut">
               <a:rPr lang="en-US" smtClean="0"/>
-              <a:t>5/8/2022</a:t>
+              <a:t>5/9/22</a:t>
             </a:fld>
             <a:endParaRPr lang="en-US"/>
           </a:p>
@@ -1526,7 +1529,7 @@
           <a:p>
             <a:fld id="{276D79ED-3FA7-4EF8-964B-EB8BCFAB02F8}" type="datetimeFigureOut">
               <a:rPr lang="en-US" smtClean="0"/>
-              <a:t>5/8/2022</a:t>
+              <a:t>5/9/22</a:t>
             </a:fld>
             <a:endParaRPr lang="en-US"/>
           </a:p>
@@ -1621,7 +1624,7 @@
           <a:p>
             <a:fld id="{276D79ED-3FA7-4EF8-964B-EB8BCFAB02F8}" type="datetimeFigureOut">
               <a:rPr lang="en-US" smtClean="0"/>
-              <a:t>5/8/2022</a:t>
+              <a:t>5/9/22</a:t>
             </a:fld>
             <a:endParaRPr lang="en-US"/>
           </a:p>
@@ -1897,7 +1900,7 @@
           <a:p>
             <a:fld id="{276D79ED-3FA7-4EF8-964B-EB8BCFAB02F8}" type="datetimeFigureOut">
               <a:rPr lang="en-US" smtClean="0"/>
-              <a:t>5/8/2022</a:t>
+              <a:t>5/9/22</a:t>
             </a:fld>
             <a:endParaRPr lang="en-US"/>
           </a:p>
@@ -2153,7 +2156,7 @@
           <a:p>
             <a:fld id="{276D79ED-3FA7-4EF8-964B-EB8BCFAB02F8}" type="datetimeFigureOut">
               <a:rPr lang="en-US" smtClean="0"/>
-              <a:t>5/8/2022</a:t>
+              <a:t>5/9/22</a:t>
             </a:fld>
             <a:endParaRPr lang="en-US"/>
           </a:p>
@@ -2377,7 +2380,7 @@
             <a:fld id="{276D79ED-3FA7-4EF8-964B-EB8BCFAB02F8}" type="datetimeFigureOut">
               <a:rPr lang="en-US" smtClean="0"/>
               <a:pPr/>
-              <a:t>5/8/2022</a:t>
+              <a:t>5/9/22</a:t>
             </a:fld>
             <a:endParaRPr lang="en-US"/>
           </a:p>
@@ -2989,7 +2992,7 @@
         </p:spPr>
         <p:txBody>
           <a:bodyPr>
-            <a:normAutofit/>
+            <a:normAutofit fontScale="90000"/>
           </a:bodyPr>
           <a:lstStyle/>
           <a:p>
@@ -4473,6 +4476,204 @@
     <p:extLst>
       <p:ext uri="{BB962C8B-B14F-4D97-AF65-F5344CB8AC3E}">
         <p14:creationId xmlns:p14="http://schemas.microsoft.com/office/powerpoint/2010/main" val="162333437"/>
+      </p:ext>
+    </p:extLst>
+  </p:cSld>
+  <p:clrMapOvr>
+    <a:masterClrMapping/>
+  </p:clrMapOvr>
+</p:sld>
+</file>
+
+<file path=ppt/slides/slide6.xml><?xml version="1.0" encoding="utf-8"?>
+<p:sld xmlns:a="http://schemas.openxmlformats.org/drawingml/2006/main" xmlns:r="http://schemas.openxmlformats.org/officeDocument/2006/relationships" xmlns:p="http://schemas.openxmlformats.org/presentationml/2006/main">
+  <p:cSld>
+    <p:spTree>
+      <p:nvGrpSpPr>
+        <p:cNvPr id="1" name=""/>
+        <p:cNvGrpSpPr/>
+        <p:nvPr/>
+      </p:nvGrpSpPr>
+      <p:grpSpPr>
+        <a:xfrm>
+          <a:off x="0" y="0"/>
+          <a:ext cx="0" cy="0"/>
+          <a:chOff x="0" y="0"/>
+          <a:chExt cx="0" cy="0"/>
+        </a:xfrm>
+      </p:grpSpPr>
+      <p:pic>
+        <p:nvPicPr>
+          <p:cNvPr id="3" name="Picture 2" descr="Chart, pie chart&#10;&#10;Description automatically generated">
+            <a:extLst>
+              <a:ext uri="{FF2B5EF4-FFF2-40B4-BE49-F238E27FC236}">
+                <a16:creationId xmlns:a16="http://schemas.microsoft.com/office/drawing/2014/main" id="{5BF09702-0D9F-0649-9654-FD9D35767E69}"/>
+              </a:ext>
+            </a:extLst>
+          </p:cNvPr>
+          <p:cNvPicPr>
+            <a:picLocks noChangeAspect="1"/>
+          </p:cNvPicPr>
+          <p:nvPr/>
+        </p:nvPicPr>
+        <p:blipFill>
+          <a:blip r:embed="rId2">
+            <a:extLst>
+              <a:ext uri="{28A0092B-C50C-407E-A947-70E740481C1C}">
+                <a14:useLocalDpi xmlns:a14="http://schemas.microsoft.com/office/drawing/2010/main" val="0"/>
+              </a:ext>
+            </a:extLst>
+          </a:blip>
+          <a:stretch>
+            <a:fillRect/>
+          </a:stretch>
+        </p:blipFill>
+        <p:spPr>
+          <a:xfrm>
+            <a:off x="3810000" y="1143000"/>
+            <a:ext cx="4572000" cy="4572000"/>
+          </a:xfrm>
+          <a:prstGeom prst="rect">
+            <a:avLst/>
+          </a:prstGeom>
+        </p:spPr>
+      </p:pic>
+    </p:spTree>
+    <p:extLst>
+      <p:ext uri="{BB962C8B-B14F-4D97-AF65-F5344CB8AC3E}">
+        <p14:creationId xmlns:p14="http://schemas.microsoft.com/office/powerpoint/2010/main" val="560814314"/>
+      </p:ext>
+    </p:extLst>
+  </p:cSld>
+  <p:clrMapOvr>
+    <a:masterClrMapping/>
+  </p:clrMapOvr>
+</p:sld>
+</file>
+
+<file path=ppt/slides/slide7.xml><?xml version="1.0" encoding="utf-8"?>
+<p:sld xmlns:a="http://schemas.openxmlformats.org/drawingml/2006/main" xmlns:r="http://schemas.openxmlformats.org/officeDocument/2006/relationships" xmlns:p="http://schemas.openxmlformats.org/presentationml/2006/main">
+  <p:cSld>
+    <p:spTree>
+      <p:nvGrpSpPr>
+        <p:cNvPr id="1" name=""/>
+        <p:cNvGrpSpPr/>
+        <p:nvPr/>
+      </p:nvGrpSpPr>
+      <p:grpSpPr>
+        <a:xfrm>
+          <a:off x="0" y="0"/>
+          <a:ext cx="0" cy="0"/>
+          <a:chOff x="0" y="0"/>
+          <a:chExt cx="0" cy="0"/>
+        </a:xfrm>
+      </p:grpSpPr>
+      <p:pic>
+        <p:nvPicPr>
+          <p:cNvPr id="3" name="Picture 2" descr="Chart&#10;&#10;Description automatically generated">
+            <a:extLst>
+              <a:ext uri="{FF2B5EF4-FFF2-40B4-BE49-F238E27FC236}">
+                <a16:creationId xmlns:a16="http://schemas.microsoft.com/office/drawing/2014/main" id="{63DB8A51-67B8-3B4B-A4E4-7622641B440C}"/>
+              </a:ext>
+            </a:extLst>
+          </p:cNvPr>
+          <p:cNvPicPr>
+            <a:picLocks noChangeAspect="1"/>
+          </p:cNvPicPr>
+          <p:nvPr/>
+        </p:nvPicPr>
+        <p:blipFill>
+          <a:blip r:embed="rId2">
+            <a:extLst>
+              <a:ext uri="{28A0092B-C50C-407E-A947-70E740481C1C}">
+                <a14:useLocalDpi xmlns:a14="http://schemas.microsoft.com/office/drawing/2010/main" val="0"/>
+              </a:ext>
+            </a:extLst>
+          </a:blip>
+          <a:stretch>
+            <a:fillRect/>
+          </a:stretch>
+        </p:blipFill>
+        <p:spPr>
+          <a:xfrm>
+            <a:off x="1005078" y="0"/>
+            <a:ext cx="8572500" cy="6858000"/>
+          </a:xfrm>
+          <a:prstGeom prst="rect">
+            <a:avLst/>
+          </a:prstGeom>
+        </p:spPr>
+      </p:pic>
+    </p:spTree>
+    <p:extLst>
+      <p:ext uri="{BB962C8B-B14F-4D97-AF65-F5344CB8AC3E}">
+        <p14:creationId xmlns:p14="http://schemas.microsoft.com/office/powerpoint/2010/main" val="324053139"/>
+      </p:ext>
+    </p:extLst>
+  </p:cSld>
+  <p:clrMapOvr>
+    <a:masterClrMapping/>
+  </p:clrMapOvr>
+</p:sld>
+</file>
+
+<file path=ppt/slides/slide8.xml><?xml version="1.0" encoding="utf-8"?>
+<p:sld xmlns:a="http://schemas.openxmlformats.org/drawingml/2006/main" xmlns:r="http://schemas.openxmlformats.org/officeDocument/2006/relationships" xmlns:p="http://schemas.openxmlformats.org/presentationml/2006/main">
+  <p:cSld>
+    <p:spTree>
+      <p:nvGrpSpPr>
+        <p:cNvPr id="1" name=""/>
+        <p:cNvGrpSpPr/>
+        <p:nvPr/>
+      </p:nvGrpSpPr>
+      <p:grpSpPr>
+        <a:xfrm>
+          <a:off x="0" y="0"/>
+          <a:ext cx="0" cy="0"/>
+          <a:chOff x="0" y="0"/>
+          <a:chExt cx="0" cy="0"/>
+        </a:xfrm>
+      </p:grpSpPr>
+      <p:pic>
+        <p:nvPicPr>
+          <p:cNvPr id="3" name="Picture 2" descr="A picture containing shape&#10;&#10;Description automatically generated">
+            <a:extLst>
+              <a:ext uri="{FF2B5EF4-FFF2-40B4-BE49-F238E27FC236}">
+                <a16:creationId xmlns:a16="http://schemas.microsoft.com/office/drawing/2014/main" id="{E38BE383-6013-D340-A653-E8566E2E0B5B}"/>
+              </a:ext>
+            </a:extLst>
+          </p:cNvPr>
+          <p:cNvPicPr>
+            <a:picLocks noChangeAspect="1"/>
+          </p:cNvPicPr>
+          <p:nvPr/>
+        </p:nvPicPr>
+        <p:blipFill>
+          <a:blip r:embed="rId2">
+            <a:extLst>
+              <a:ext uri="{28A0092B-C50C-407E-A947-70E740481C1C}">
+                <a14:useLocalDpi xmlns:a14="http://schemas.microsoft.com/office/drawing/2010/main" val="0"/>
+              </a:ext>
+            </a:extLst>
+          </a:blip>
+          <a:stretch>
+            <a:fillRect/>
+          </a:stretch>
+        </p:blipFill>
+        <p:spPr>
+          <a:xfrm>
+            <a:off x="1139190" y="0"/>
+            <a:ext cx="8572500" cy="6858000"/>
+          </a:xfrm>
+          <a:prstGeom prst="rect">
+            <a:avLst/>
+          </a:prstGeom>
+        </p:spPr>
+      </p:pic>
+    </p:spTree>
+    <p:extLst>
+      <p:ext uri="{BB962C8B-B14F-4D97-AF65-F5344CB8AC3E}">
+        <p14:creationId xmlns:p14="http://schemas.microsoft.com/office/powerpoint/2010/main" val="2803995205"/>
       </p:ext>
     </p:extLst>
   </p:cSld>

--- a/TeamProjectPPT.pptx
+++ b/TeamProjectPPT.pptx
@@ -13,6 +13,8 @@
     <p:sldId id="262" r:id="rId7"/>
     <p:sldId id="263" r:id="rId8"/>
     <p:sldId id="264" r:id="rId9"/>
+    <p:sldId id="265" r:id="rId10"/>
+    <p:sldId id="266" r:id="rId11"/>
   </p:sldIdLst>
   <p:sldSz cx="12192000" cy="6858000"/>
   <p:notesSz cx="6858000" cy="9144000"/>
@@ -284,7 +286,7 @@
             <a:fld id="{276D79ED-3FA7-4EF8-964B-EB8BCFAB02F8}" type="datetimeFigureOut">
               <a:rPr lang="en-US" smtClean="0"/>
               <a:pPr/>
-              <a:t>5/9/22</a:t>
+              <a:t>5/9/2022</a:t>
             </a:fld>
             <a:endParaRPr lang="en-US"/>
           </a:p>
@@ -530,7 +532,7 @@
           <a:p>
             <a:fld id="{276D79ED-3FA7-4EF8-964B-EB8BCFAB02F8}" type="datetimeFigureOut">
               <a:rPr lang="en-US" smtClean="0"/>
-              <a:t>5/9/22</a:t>
+              <a:t>5/9/2022</a:t>
             </a:fld>
             <a:endParaRPr lang="en-US"/>
           </a:p>
@@ -807,7 +809,7 @@
           <a:p>
             <a:fld id="{276D79ED-3FA7-4EF8-964B-EB8BCFAB02F8}" type="datetimeFigureOut">
               <a:rPr lang="en-US" smtClean="0"/>
-              <a:t>5/9/22</a:t>
+              <a:t>5/9/2022</a:t>
             </a:fld>
             <a:endParaRPr lang="en-US"/>
           </a:p>
@@ -1048,7 +1050,7 @@
           <a:p>
             <a:fld id="{276D79ED-3FA7-4EF8-964B-EB8BCFAB02F8}" type="datetimeFigureOut">
               <a:rPr lang="en-US" smtClean="0"/>
-              <a:t>5/9/22</a:t>
+              <a:t>5/9/2022</a:t>
             </a:fld>
             <a:endParaRPr lang="en-US"/>
           </a:p>
@@ -1412,7 +1414,7 @@
           <a:p>
             <a:fld id="{276D79ED-3FA7-4EF8-964B-EB8BCFAB02F8}" type="datetimeFigureOut">
               <a:rPr lang="en-US" smtClean="0"/>
-              <a:t>5/9/22</a:t>
+              <a:t>5/9/2022</a:t>
             </a:fld>
             <a:endParaRPr lang="en-US"/>
           </a:p>
@@ -1529,7 +1531,7 @@
           <a:p>
             <a:fld id="{276D79ED-3FA7-4EF8-964B-EB8BCFAB02F8}" type="datetimeFigureOut">
               <a:rPr lang="en-US" smtClean="0"/>
-              <a:t>5/9/22</a:t>
+              <a:t>5/9/2022</a:t>
             </a:fld>
             <a:endParaRPr lang="en-US"/>
           </a:p>
@@ -1624,7 +1626,7 @@
           <a:p>
             <a:fld id="{276D79ED-3FA7-4EF8-964B-EB8BCFAB02F8}" type="datetimeFigureOut">
               <a:rPr lang="en-US" smtClean="0"/>
-              <a:t>5/9/22</a:t>
+              <a:t>5/9/2022</a:t>
             </a:fld>
             <a:endParaRPr lang="en-US"/>
           </a:p>
@@ -1900,7 +1902,7 @@
           <a:p>
             <a:fld id="{276D79ED-3FA7-4EF8-964B-EB8BCFAB02F8}" type="datetimeFigureOut">
               <a:rPr lang="en-US" smtClean="0"/>
-              <a:t>5/9/22</a:t>
+              <a:t>5/9/2022</a:t>
             </a:fld>
             <a:endParaRPr lang="en-US"/>
           </a:p>
@@ -2156,7 +2158,7 @@
           <a:p>
             <a:fld id="{276D79ED-3FA7-4EF8-964B-EB8BCFAB02F8}" type="datetimeFigureOut">
               <a:rPr lang="en-US" smtClean="0"/>
-              <a:t>5/9/22</a:t>
+              <a:t>5/9/2022</a:t>
             </a:fld>
             <a:endParaRPr lang="en-US"/>
           </a:p>
@@ -2380,7 +2382,7 @@
             <a:fld id="{276D79ED-3FA7-4EF8-964B-EB8BCFAB02F8}" type="datetimeFigureOut">
               <a:rPr lang="en-US" smtClean="0"/>
               <a:pPr/>
-              <a:t>5/9/22</a:t>
+              <a:t>5/9/2022</a:t>
             </a:fld>
             <a:endParaRPr lang="en-US"/>
           </a:p>
@@ -3128,6 +3130,96 @@
 </p:sld>
 </file>
 
+<file path=ppt/slides/slide10.xml><?xml version="1.0" encoding="utf-8"?>
+<p:sld xmlns:a="http://schemas.openxmlformats.org/drawingml/2006/main" xmlns:r="http://schemas.openxmlformats.org/officeDocument/2006/relationships" xmlns:p="http://schemas.openxmlformats.org/presentationml/2006/main">
+  <p:cSld>
+    <p:spTree>
+      <p:nvGrpSpPr>
+        <p:cNvPr id="1" name=""/>
+        <p:cNvGrpSpPr/>
+        <p:nvPr/>
+      </p:nvGrpSpPr>
+      <p:grpSpPr>
+        <a:xfrm>
+          <a:off x="0" y="0"/>
+          <a:ext cx="0" cy="0"/>
+          <a:chOff x="0" y="0"/>
+          <a:chExt cx="0" cy="0"/>
+        </a:xfrm>
+      </p:grpSpPr>
+      <p:pic>
+        <p:nvPicPr>
+          <p:cNvPr id="2" name="Picture 1"/>
+          <p:cNvPicPr>
+            <a:picLocks noChangeAspect="1"/>
+          </p:cNvPicPr>
+          <p:nvPr/>
+        </p:nvPicPr>
+        <p:blipFill>
+          <a:blip r:embed="rId2">
+            <a:extLst>
+              <a:ext uri="{28A0092B-C50C-407E-A947-70E740481C1C}">
+                <a14:useLocalDpi xmlns:a14="http://schemas.microsoft.com/office/drawing/2010/main" val="0"/>
+              </a:ext>
+            </a:extLst>
+          </a:blip>
+          <a:stretch>
+            <a:fillRect/>
+          </a:stretch>
+        </p:blipFill>
+        <p:spPr>
+          <a:xfrm>
+            <a:off x="1064398" y="0"/>
+            <a:ext cx="8025397" cy="3136508"/>
+          </a:xfrm>
+          <a:prstGeom prst="rect">
+            <a:avLst/>
+          </a:prstGeom>
+        </p:spPr>
+      </p:pic>
+      <p:pic>
+        <p:nvPicPr>
+          <p:cNvPr id="3" name="Picture 2"/>
+          <p:cNvPicPr>
+            <a:picLocks noChangeAspect="1"/>
+          </p:cNvPicPr>
+          <p:nvPr/>
+        </p:nvPicPr>
+        <p:blipFill>
+          <a:blip r:embed="rId3">
+            <a:extLst>
+              <a:ext uri="{28A0092B-C50C-407E-A947-70E740481C1C}">
+                <a14:useLocalDpi xmlns:a14="http://schemas.microsoft.com/office/drawing/2010/main" val="0"/>
+              </a:ext>
+            </a:extLst>
+          </a:blip>
+          <a:stretch>
+            <a:fillRect/>
+          </a:stretch>
+        </p:blipFill>
+        <p:spPr>
+          <a:xfrm>
+            <a:off x="1064398" y="3402893"/>
+            <a:ext cx="7873016" cy="3187301"/>
+          </a:xfrm>
+          <a:prstGeom prst="rect">
+            <a:avLst/>
+          </a:prstGeom>
+        </p:spPr>
+      </p:pic>
+    </p:spTree>
+    <p:extLst>
+      <p:ext uri="{BB962C8B-B14F-4D97-AF65-F5344CB8AC3E}">
+        <p14:creationId xmlns:p14="http://schemas.microsoft.com/office/powerpoint/2010/main" val="792271978"/>
+      </p:ext>
+    </p:extLst>
+  </p:cSld>
+  <p:clrMapOvr>
+    <a:masterClrMapping/>
+  </p:clrMapOvr>
+</p:sld>
+</file>
+
 <file path=ppt/slides/slide2.xml><?xml version="1.0" encoding="utf-8"?>
 <p:sld xmlns:a="http://schemas.openxmlformats.org/drawingml/2006/main" xmlns:r="http://schemas.openxmlformats.org/officeDocument/2006/relationships" xmlns:p="http://schemas.openxmlformats.org/presentationml/2006/main">
   <p:cSld>
@@ -4674,6 +4766,96 @@
     <p:extLst>
       <p:ext uri="{BB962C8B-B14F-4D97-AF65-F5344CB8AC3E}">
         <p14:creationId xmlns:p14="http://schemas.microsoft.com/office/powerpoint/2010/main" val="2803995205"/>
+      </p:ext>
+    </p:extLst>
+  </p:cSld>
+  <p:clrMapOvr>
+    <a:masterClrMapping/>
+  </p:clrMapOvr>
+</p:sld>
+</file>
+
+<file path=ppt/slides/slide9.xml><?xml version="1.0" encoding="utf-8"?>
+<p:sld xmlns:a="http://schemas.openxmlformats.org/drawingml/2006/main" xmlns:r="http://schemas.openxmlformats.org/officeDocument/2006/relationships" xmlns:p="http://schemas.openxmlformats.org/presentationml/2006/main">
+  <p:cSld>
+    <p:spTree>
+      <p:nvGrpSpPr>
+        <p:cNvPr id="1" name=""/>
+        <p:cNvGrpSpPr/>
+        <p:nvPr/>
+      </p:nvGrpSpPr>
+      <p:grpSpPr>
+        <a:xfrm>
+          <a:off x="0" y="0"/>
+          <a:ext cx="0" cy="0"/>
+          <a:chOff x="0" y="0"/>
+          <a:chExt cx="0" cy="0"/>
+        </a:xfrm>
+      </p:grpSpPr>
+      <p:pic>
+        <p:nvPicPr>
+          <p:cNvPr id="2" name="Picture 1"/>
+          <p:cNvPicPr>
+            <a:picLocks noChangeAspect="1"/>
+          </p:cNvPicPr>
+          <p:nvPr/>
+        </p:nvPicPr>
+        <p:blipFill>
+          <a:blip r:embed="rId2">
+            <a:extLst>
+              <a:ext uri="{28A0092B-C50C-407E-A947-70E740481C1C}">
+                <a14:useLocalDpi xmlns:a14="http://schemas.microsoft.com/office/drawing/2010/main" val="0"/>
+              </a:ext>
+            </a:extLst>
+          </a:blip>
+          <a:stretch>
+            <a:fillRect/>
+          </a:stretch>
+        </p:blipFill>
+        <p:spPr>
+          <a:xfrm>
+            <a:off x="1280160" y="228618"/>
+            <a:ext cx="6888797" cy="3115473"/>
+          </a:xfrm>
+          <a:prstGeom prst="rect">
+            <a:avLst/>
+          </a:prstGeom>
+        </p:spPr>
+      </p:pic>
+      <p:pic>
+        <p:nvPicPr>
+          <p:cNvPr id="3" name="Picture 2"/>
+          <p:cNvPicPr>
+            <a:picLocks noChangeAspect="1"/>
+          </p:cNvPicPr>
+          <p:nvPr/>
+        </p:nvPicPr>
+        <p:blipFill>
+          <a:blip r:embed="rId3">
+            <a:extLst>
+              <a:ext uri="{28A0092B-C50C-407E-A947-70E740481C1C}">
+                <a14:useLocalDpi xmlns:a14="http://schemas.microsoft.com/office/drawing/2010/main" val="0"/>
+              </a:ext>
+            </a:extLst>
+          </a:blip>
+          <a:stretch>
+            <a:fillRect/>
+          </a:stretch>
+        </p:blipFill>
+        <p:spPr>
+          <a:xfrm>
+            <a:off x="809896" y="3344091"/>
+            <a:ext cx="8576373" cy="3357154"/>
+          </a:xfrm>
+          <a:prstGeom prst="rect">
+            <a:avLst/>
+          </a:prstGeom>
+        </p:spPr>
+      </p:pic>
+    </p:spTree>
+    <p:extLst>
+      <p:ext uri="{BB962C8B-B14F-4D97-AF65-F5344CB8AC3E}">
+        <p14:creationId xmlns:p14="http://schemas.microsoft.com/office/powerpoint/2010/main" val="475535063"/>
       </p:ext>
     </p:extLst>
   </p:cSld>

--- a/TeamProjectPPT.pptx
+++ b/TeamProjectPPT.pptx
@@ -9,7 +9,18 @@
     <p:sldId id="258" r:id="rId3"/>
     <p:sldId id="259" r:id="rId4"/>
     <p:sldId id="260" r:id="rId5"/>
-    <p:sldId id="261" r:id="rId6"/>
+    <p:sldId id="272" r:id="rId6"/>
+    <p:sldId id="261" r:id="rId7"/>
+    <p:sldId id="267" r:id="rId8"/>
+    <p:sldId id="262" r:id="rId9"/>
+    <p:sldId id="264" r:id="rId10"/>
+    <p:sldId id="265" r:id="rId11"/>
+    <p:sldId id="266" r:id="rId12"/>
+    <p:sldId id="271" r:id="rId13"/>
+    <p:sldId id="268" r:id="rId14"/>
+    <p:sldId id="273" r:id="rId15"/>
+    <p:sldId id="274" r:id="rId16"/>
+    <p:sldId id="275" r:id="rId17"/>
   </p:sldIdLst>
   <p:sldSz cx="12192000" cy="6858000"/>
   <p:notesSz cx="6858000" cy="9144000"/>
@@ -281,7 +292,7 @@
             <a:fld id="{276D79ED-3FA7-4EF8-964B-EB8BCFAB02F8}" type="datetimeFigureOut">
               <a:rPr lang="en-US" smtClean="0"/>
               <a:pPr/>
-              <a:t>5/8/2022</a:t>
+              <a:t>5/9/2022</a:t>
             </a:fld>
             <a:endParaRPr lang="en-US"/>
           </a:p>
@@ -527,7 +538,7 @@
           <a:p>
             <a:fld id="{276D79ED-3FA7-4EF8-964B-EB8BCFAB02F8}" type="datetimeFigureOut">
               <a:rPr lang="en-US" smtClean="0"/>
-              <a:t>5/8/2022</a:t>
+              <a:t>5/9/2022</a:t>
             </a:fld>
             <a:endParaRPr lang="en-US"/>
           </a:p>
@@ -804,7 +815,7 @@
           <a:p>
             <a:fld id="{276D79ED-3FA7-4EF8-964B-EB8BCFAB02F8}" type="datetimeFigureOut">
               <a:rPr lang="en-US" smtClean="0"/>
-              <a:t>5/8/2022</a:t>
+              <a:t>5/9/2022</a:t>
             </a:fld>
             <a:endParaRPr lang="en-US"/>
           </a:p>
@@ -1045,7 +1056,7 @@
           <a:p>
             <a:fld id="{276D79ED-3FA7-4EF8-964B-EB8BCFAB02F8}" type="datetimeFigureOut">
               <a:rPr lang="en-US" smtClean="0"/>
-              <a:t>5/8/2022</a:t>
+              <a:t>5/9/2022</a:t>
             </a:fld>
             <a:endParaRPr lang="en-US"/>
           </a:p>
@@ -1409,7 +1420,7 @@
           <a:p>
             <a:fld id="{276D79ED-3FA7-4EF8-964B-EB8BCFAB02F8}" type="datetimeFigureOut">
               <a:rPr lang="en-US" smtClean="0"/>
-              <a:t>5/8/2022</a:t>
+              <a:t>5/9/2022</a:t>
             </a:fld>
             <a:endParaRPr lang="en-US"/>
           </a:p>
@@ -1526,7 +1537,7 @@
           <a:p>
             <a:fld id="{276D79ED-3FA7-4EF8-964B-EB8BCFAB02F8}" type="datetimeFigureOut">
               <a:rPr lang="en-US" smtClean="0"/>
-              <a:t>5/8/2022</a:t>
+              <a:t>5/9/2022</a:t>
             </a:fld>
             <a:endParaRPr lang="en-US"/>
           </a:p>
@@ -1621,7 +1632,7 @@
           <a:p>
             <a:fld id="{276D79ED-3FA7-4EF8-964B-EB8BCFAB02F8}" type="datetimeFigureOut">
               <a:rPr lang="en-US" smtClean="0"/>
-              <a:t>5/8/2022</a:t>
+              <a:t>5/9/2022</a:t>
             </a:fld>
             <a:endParaRPr lang="en-US"/>
           </a:p>
@@ -1897,7 +1908,7 @@
           <a:p>
             <a:fld id="{276D79ED-3FA7-4EF8-964B-EB8BCFAB02F8}" type="datetimeFigureOut">
               <a:rPr lang="en-US" smtClean="0"/>
-              <a:t>5/8/2022</a:t>
+              <a:t>5/9/2022</a:t>
             </a:fld>
             <a:endParaRPr lang="en-US"/>
           </a:p>
@@ -2153,7 +2164,7 @@
           <a:p>
             <a:fld id="{276D79ED-3FA7-4EF8-964B-EB8BCFAB02F8}" type="datetimeFigureOut">
               <a:rPr lang="en-US" smtClean="0"/>
-              <a:t>5/8/2022</a:t>
+              <a:t>5/9/2022</a:t>
             </a:fld>
             <a:endParaRPr lang="en-US"/>
           </a:p>
@@ -2377,7 +2388,7 @@
             <a:fld id="{276D79ED-3FA7-4EF8-964B-EB8BCFAB02F8}" type="datetimeFigureOut">
               <a:rPr lang="en-US" smtClean="0"/>
               <a:pPr/>
-              <a:t>5/8/2022</a:t>
+              <a:t>5/9/2022</a:t>
             </a:fld>
             <a:endParaRPr lang="en-US"/>
           </a:p>
@@ -3056,21 +3067,7 @@
                 <a:latin typeface="Arial" panose="020B0604020202020204" pitchFamily="34" charset="0"/>
                 <a:cs typeface="Arial" panose="020B0604020202020204" pitchFamily="34" charset="0"/>
               </a:rPr>
-              <a:t>, Derek Mast, </a:t>
-            </a:r>
-            <a:r>
-              <a:rPr lang="en-US" sz="3200" dirty="0" err="1">
-                <a:latin typeface="Arial" panose="020B0604020202020204" pitchFamily="34" charset="0"/>
-                <a:cs typeface="Arial" panose="020B0604020202020204" pitchFamily="34" charset="0"/>
-              </a:rPr>
-              <a:t>Kemly</a:t>
-            </a:r>
-            <a:r>
-              <a:rPr lang="en-US" sz="3200" dirty="0">
-                <a:latin typeface="Arial" panose="020B0604020202020204" pitchFamily="34" charset="0"/>
-                <a:cs typeface="Arial" panose="020B0604020202020204" pitchFamily="34" charset="0"/>
-              </a:rPr>
-              <a:t> Adebisi</a:t>
+              <a:t>, Derek Mast,</a:t>
             </a:r>
           </a:p>
           <a:p>
@@ -3116,6 +3113,1574 @@
     <p:extLst>
       <p:ext uri="{BB962C8B-B14F-4D97-AF65-F5344CB8AC3E}">
         <p14:creationId xmlns:p14="http://schemas.microsoft.com/office/powerpoint/2010/main" val="720928810"/>
+      </p:ext>
+    </p:extLst>
+  </p:cSld>
+  <p:clrMapOvr>
+    <a:masterClrMapping/>
+  </p:clrMapOvr>
+</p:sld>
+</file>
+
+<file path=ppt/slides/slide10.xml><?xml version="1.0" encoding="utf-8"?>
+<p:sld xmlns:a="http://schemas.openxmlformats.org/drawingml/2006/main" xmlns:r="http://schemas.openxmlformats.org/officeDocument/2006/relationships" xmlns:p="http://schemas.openxmlformats.org/presentationml/2006/main">
+  <p:cSld>
+    <p:spTree>
+      <p:nvGrpSpPr>
+        <p:cNvPr id="1" name=""/>
+        <p:cNvGrpSpPr/>
+        <p:nvPr/>
+      </p:nvGrpSpPr>
+      <p:grpSpPr>
+        <a:xfrm>
+          <a:off x="0" y="0"/>
+          <a:ext cx="0" cy="0"/>
+          <a:chOff x="0" y="0"/>
+          <a:chExt cx="0" cy="0"/>
+        </a:xfrm>
+      </p:grpSpPr>
+      <p:pic>
+        <p:nvPicPr>
+          <p:cNvPr id="5" name="Picture 4"/>
+          <p:cNvPicPr>
+            <a:picLocks noChangeAspect="1"/>
+          </p:cNvPicPr>
+          <p:nvPr/>
+        </p:nvPicPr>
+        <p:blipFill>
+          <a:blip r:embed="rId2">
+            <a:extLst>
+              <a:ext uri="{28A0092B-C50C-407E-A947-70E740481C1C}">
+                <a14:useLocalDpi xmlns:a14="http://schemas.microsoft.com/office/drawing/2010/main" val="0"/>
+              </a:ext>
+            </a:extLst>
+          </a:blip>
+          <a:stretch>
+            <a:fillRect/>
+          </a:stretch>
+        </p:blipFill>
+        <p:spPr>
+          <a:xfrm>
+            <a:off x="332642" y="1035656"/>
+            <a:ext cx="6426654" cy="2906468"/>
+          </a:xfrm>
+          <a:prstGeom prst="rect">
+            <a:avLst/>
+          </a:prstGeom>
+        </p:spPr>
+      </p:pic>
+      <p:pic>
+        <p:nvPicPr>
+          <p:cNvPr id="6" name="Picture 5"/>
+          <p:cNvPicPr>
+            <a:picLocks noChangeAspect="1"/>
+          </p:cNvPicPr>
+          <p:nvPr/>
+        </p:nvPicPr>
+        <p:blipFill>
+          <a:blip r:embed="rId3">
+            <a:extLst>
+              <a:ext uri="{28A0092B-C50C-407E-A947-70E740481C1C}">
+                <a14:useLocalDpi xmlns:a14="http://schemas.microsoft.com/office/drawing/2010/main" val="0"/>
+              </a:ext>
+            </a:extLst>
+          </a:blip>
+          <a:stretch>
+            <a:fillRect/>
+          </a:stretch>
+        </p:blipFill>
+        <p:spPr>
+          <a:xfrm>
+            <a:off x="545718" y="4062309"/>
+            <a:ext cx="6338408" cy="2795691"/>
+          </a:xfrm>
+          <a:prstGeom prst="rect">
+            <a:avLst/>
+          </a:prstGeom>
+        </p:spPr>
+      </p:pic>
+      <p:sp>
+        <p:nvSpPr>
+          <p:cNvPr id="9" name="TextBox 8"/>
+          <p:cNvSpPr txBox="1"/>
+          <p:nvPr/>
+        </p:nvSpPr>
+        <p:spPr>
+          <a:xfrm>
+            <a:off x="7235107" y="1568727"/>
+            <a:ext cx="4624251" cy="3139321"/>
+          </a:xfrm>
+          <a:prstGeom prst="rect">
+            <a:avLst/>
+          </a:prstGeom>
+          <a:noFill/>
+        </p:spPr>
+        <p:txBody>
+          <a:bodyPr wrap="square" rtlCol="0">
+            <a:spAutoFit/>
+          </a:bodyPr>
+          <a:lstStyle/>
+          <a:p>
+            <a:r>
+              <a:rPr lang="en-US" b="1" dirty="0"/>
+              <a:t>Popularity by Type During the Pandemic-Q2/2020 vs. Q2/2021</a:t>
+            </a:r>
+          </a:p>
+          <a:p>
+            <a:pPr marL="285750" indent="-285750">
+              <a:buFont typeface="Arial" panose="020B0604020202020204" pitchFamily="34" charset="0"/>
+              <a:buChar char="•"/>
+            </a:pPr>
+            <a:r>
+              <a:rPr lang="en-US" dirty="0"/>
+              <a:t>Compare the results between the two quarters</a:t>
+            </a:r>
+          </a:p>
+          <a:p>
+            <a:pPr marL="285750" indent="-285750">
+              <a:buFont typeface="Arial" panose="020B0604020202020204" pitchFamily="34" charset="0"/>
+              <a:buChar char="•"/>
+            </a:pPr>
+            <a:r>
+              <a:rPr lang="en-US" dirty="0"/>
+              <a:t>Netflix Exclusive TV shows and Non-Exclusive Movies-both dropped in popularity.</a:t>
+            </a:r>
+          </a:p>
+          <a:p>
+            <a:pPr marL="285750" indent="-285750">
+              <a:buFont typeface="Arial" panose="020B0604020202020204" pitchFamily="34" charset="0"/>
+              <a:buChar char="•"/>
+            </a:pPr>
+            <a:r>
+              <a:rPr lang="en-US" dirty="0"/>
+              <a:t>We could see that Netflix Exclusive movies increased over the same time period along with Non-Exclusive TV shows.</a:t>
+            </a:r>
+          </a:p>
+        </p:txBody>
+      </p:sp>
+      <p:sp>
+        <p:nvSpPr>
+          <p:cNvPr id="11" name="TextBox 10"/>
+          <p:cNvSpPr txBox="1"/>
+          <p:nvPr/>
+        </p:nvSpPr>
+        <p:spPr>
+          <a:xfrm>
+            <a:off x="207812" y="155333"/>
+            <a:ext cx="6426654" cy="707886"/>
+          </a:xfrm>
+          <a:prstGeom prst="rect">
+            <a:avLst/>
+          </a:prstGeom>
+          <a:noFill/>
+        </p:spPr>
+        <p:txBody>
+          <a:bodyPr wrap="square" rtlCol="0">
+            <a:spAutoFit/>
+          </a:bodyPr>
+          <a:lstStyle/>
+          <a:p>
+            <a:r>
+              <a:rPr lang="en-US" sz="2000" b="1" dirty="0"/>
+              <a:t>What was the popular type of entertainment on Netflix during the pandemic?</a:t>
+            </a:r>
+          </a:p>
+        </p:txBody>
+      </p:sp>
+    </p:spTree>
+    <p:extLst>
+      <p:ext uri="{BB962C8B-B14F-4D97-AF65-F5344CB8AC3E}">
+        <p14:creationId xmlns:p14="http://schemas.microsoft.com/office/powerpoint/2010/main" val="475535063"/>
+      </p:ext>
+    </p:extLst>
+  </p:cSld>
+  <p:clrMapOvr>
+    <a:masterClrMapping/>
+  </p:clrMapOvr>
+</p:sld>
+</file>
+
+<file path=ppt/slides/slide11.xml><?xml version="1.0" encoding="utf-8"?>
+<p:sld xmlns:a="http://schemas.openxmlformats.org/drawingml/2006/main" xmlns:r="http://schemas.openxmlformats.org/officeDocument/2006/relationships" xmlns:p="http://schemas.openxmlformats.org/presentationml/2006/main">
+  <p:cSld>
+    <p:spTree>
+      <p:nvGrpSpPr>
+        <p:cNvPr id="1" name=""/>
+        <p:cNvGrpSpPr/>
+        <p:nvPr/>
+      </p:nvGrpSpPr>
+      <p:grpSpPr>
+        <a:xfrm>
+          <a:off x="0" y="0"/>
+          <a:ext cx="0" cy="0"/>
+          <a:chOff x="0" y="0"/>
+          <a:chExt cx="0" cy="0"/>
+        </a:xfrm>
+      </p:grpSpPr>
+      <p:pic>
+        <p:nvPicPr>
+          <p:cNvPr id="5" name="Picture 4"/>
+          <p:cNvPicPr>
+            <a:picLocks noChangeAspect="1"/>
+          </p:cNvPicPr>
+          <p:nvPr/>
+        </p:nvPicPr>
+        <p:blipFill>
+          <a:blip r:embed="rId2">
+            <a:extLst>
+              <a:ext uri="{28A0092B-C50C-407E-A947-70E740481C1C}">
+                <a14:useLocalDpi xmlns:a14="http://schemas.microsoft.com/office/drawing/2010/main" val="0"/>
+              </a:ext>
+            </a:extLst>
+          </a:blip>
+          <a:stretch>
+            <a:fillRect/>
+          </a:stretch>
+        </p:blipFill>
+        <p:spPr>
+          <a:xfrm>
+            <a:off x="103409" y="1007659"/>
+            <a:ext cx="6767655" cy="3030583"/>
+          </a:xfrm>
+          <a:prstGeom prst="rect">
+            <a:avLst/>
+          </a:prstGeom>
+        </p:spPr>
+      </p:pic>
+      <p:pic>
+        <p:nvPicPr>
+          <p:cNvPr id="8" name="Picture 7"/>
+          <p:cNvPicPr>
+            <a:picLocks noChangeAspect="1"/>
+          </p:cNvPicPr>
+          <p:nvPr/>
+        </p:nvPicPr>
+        <p:blipFill>
+          <a:blip r:embed="rId3">
+            <a:extLst>
+              <a:ext uri="{28A0092B-C50C-407E-A947-70E740481C1C}">
+                <a14:useLocalDpi xmlns:a14="http://schemas.microsoft.com/office/drawing/2010/main" val="0"/>
+              </a:ext>
+            </a:extLst>
+          </a:blip>
+          <a:stretch>
+            <a:fillRect/>
+          </a:stretch>
+        </p:blipFill>
+        <p:spPr>
+          <a:xfrm>
+            <a:off x="369507" y="4101738"/>
+            <a:ext cx="6028637" cy="2756262"/>
+          </a:xfrm>
+          <a:prstGeom prst="rect">
+            <a:avLst/>
+          </a:prstGeom>
+        </p:spPr>
+      </p:pic>
+      <p:sp>
+        <p:nvSpPr>
+          <p:cNvPr id="9" name="TextBox 8"/>
+          <p:cNvSpPr txBox="1"/>
+          <p:nvPr/>
+        </p:nvSpPr>
+        <p:spPr>
+          <a:xfrm>
+            <a:off x="7026047" y="509276"/>
+            <a:ext cx="4624251" cy="4801314"/>
+          </a:xfrm>
+          <a:prstGeom prst="rect">
+            <a:avLst/>
+          </a:prstGeom>
+          <a:noFill/>
+        </p:spPr>
+        <p:txBody>
+          <a:bodyPr wrap="square" rtlCol="0">
+            <a:spAutoFit/>
+          </a:bodyPr>
+          <a:lstStyle/>
+          <a:p>
+            <a:r>
+              <a:rPr lang="en-US" b="1" dirty="0"/>
+              <a:t>Popularity by Type During the Pandemic-Q4/2020 vs. Q4/2021</a:t>
+            </a:r>
+            <a:endParaRPr lang="en-US" dirty="0"/>
+          </a:p>
+          <a:p>
+            <a:pPr marL="285750" indent="-285750">
+              <a:buFont typeface="Arial" panose="020B0604020202020204" pitchFamily="34" charset="0"/>
+              <a:buChar char="•"/>
+            </a:pPr>
+            <a:r>
+              <a:rPr lang="en-US" dirty="0"/>
+              <a:t>Compare the results between the two quarters.</a:t>
+            </a:r>
+          </a:p>
+          <a:p>
+            <a:pPr marL="285750" indent="-285750">
+              <a:buFont typeface="Arial" panose="020B0604020202020204" pitchFamily="34" charset="0"/>
+              <a:buChar char="•"/>
+            </a:pPr>
+            <a:r>
+              <a:rPr lang="en-US" dirty="0"/>
+              <a:t>Netflix Exclusive TV shows increased a lot bringing it back to the around the same level as the 2</a:t>
+            </a:r>
+            <a:r>
+              <a:rPr lang="en-US" baseline="30000" dirty="0"/>
+              <a:t>nd</a:t>
+            </a:r>
+            <a:r>
+              <a:rPr lang="en-US" dirty="0"/>
+              <a:t> quarter of 2020. </a:t>
+            </a:r>
+          </a:p>
+          <a:p>
+            <a:pPr marL="285750" indent="-285750">
+              <a:buFont typeface="Arial" panose="020B0604020202020204" pitchFamily="34" charset="0"/>
+              <a:buChar char="•"/>
+            </a:pPr>
+            <a:r>
+              <a:rPr lang="en-US" dirty="0"/>
+              <a:t>We could see that Netflix Exclusive movies actually increased slightly over the same time period but the non-exclusive movies and TV shows remained around the same or decreased.</a:t>
+            </a:r>
+          </a:p>
+          <a:p>
+            <a:pPr marL="285750" indent="-285750">
+              <a:buFont typeface="Arial" panose="020B0604020202020204" pitchFamily="34" charset="0"/>
+              <a:buChar char="•"/>
+            </a:pPr>
+            <a:r>
+              <a:rPr lang="en-US" dirty="0"/>
+              <a:t>Throughout the timeframe, we could see a small number of comedy specials in the daily Top 10 that resulted no more than 1-2% per quarter.</a:t>
+            </a:r>
+          </a:p>
+        </p:txBody>
+      </p:sp>
+      <p:sp>
+        <p:nvSpPr>
+          <p:cNvPr id="10" name="TextBox 9"/>
+          <p:cNvSpPr txBox="1"/>
+          <p:nvPr/>
+        </p:nvSpPr>
+        <p:spPr>
+          <a:xfrm>
+            <a:off x="207812" y="155333"/>
+            <a:ext cx="6426654" cy="707886"/>
+          </a:xfrm>
+          <a:prstGeom prst="rect">
+            <a:avLst/>
+          </a:prstGeom>
+          <a:noFill/>
+        </p:spPr>
+        <p:txBody>
+          <a:bodyPr wrap="square" rtlCol="0">
+            <a:spAutoFit/>
+          </a:bodyPr>
+          <a:lstStyle/>
+          <a:p>
+            <a:r>
+              <a:rPr lang="en-US" sz="2000" b="1" dirty="0"/>
+              <a:t>What was the popular type of entertainment on Netflix during the pandemic?</a:t>
+            </a:r>
+          </a:p>
+        </p:txBody>
+      </p:sp>
+    </p:spTree>
+    <p:extLst>
+      <p:ext uri="{BB962C8B-B14F-4D97-AF65-F5344CB8AC3E}">
+        <p14:creationId xmlns:p14="http://schemas.microsoft.com/office/powerpoint/2010/main" val="792271978"/>
+      </p:ext>
+    </p:extLst>
+  </p:cSld>
+  <p:clrMapOvr>
+    <a:masterClrMapping/>
+  </p:clrMapOvr>
+</p:sld>
+</file>
+
+<file path=ppt/slides/slide12.xml><?xml version="1.0" encoding="utf-8"?>
+<p:sld xmlns:a="http://schemas.openxmlformats.org/drawingml/2006/main" xmlns:r="http://schemas.openxmlformats.org/officeDocument/2006/relationships" xmlns:p="http://schemas.openxmlformats.org/presentationml/2006/main">
+  <p:cSld>
+    <p:spTree>
+      <p:nvGrpSpPr>
+        <p:cNvPr id="1" name=""/>
+        <p:cNvGrpSpPr/>
+        <p:nvPr/>
+      </p:nvGrpSpPr>
+      <p:grpSpPr>
+        <a:xfrm>
+          <a:off x="0" y="0"/>
+          <a:ext cx="0" cy="0"/>
+          <a:chOff x="0" y="0"/>
+          <a:chExt cx="0" cy="0"/>
+        </a:xfrm>
+      </p:grpSpPr>
+      <p:sp>
+        <p:nvSpPr>
+          <p:cNvPr id="2" name="TextBox 1"/>
+          <p:cNvSpPr txBox="1"/>
+          <p:nvPr/>
+        </p:nvSpPr>
+        <p:spPr>
+          <a:xfrm>
+            <a:off x="362439" y="1899649"/>
+            <a:ext cx="10659291" cy="2585323"/>
+          </a:xfrm>
+          <a:prstGeom prst="rect">
+            <a:avLst/>
+          </a:prstGeom>
+          <a:noFill/>
+        </p:spPr>
+        <p:txBody>
+          <a:bodyPr wrap="square" rtlCol="0">
+            <a:spAutoFit/>
+          </a:bodyPr>
+          <a:lstStyle/>
+          <a:p>
+            <a:pPr marL="342900" indent="-342900">
+              <a:buAutoNum type="arabicPeriod"/>
+            </a:pPr>
+            <a:r>
+              <a:rPr lang="en-US" dirty="0"/>
+              <a:t>Based on the results from the pandemic, we can see that most people preferred to watch TV shows. This is likely to have been a result of the lockdowns and people had more time to watch TV shows. Also, the popularity of certain TV shows (example-Tiger King) resulted in more people watching specifically Netflix exclusive TV shows. We could see decreases amongst the Netflix exclusive TV shows over the course of the pandemic but the comparison between the 2</a:t>
+            </a:r>
+            <a:r>
+              <a:rPr lang="en-US" baseline="30000" dirty="0"/>
+              <a:t>nd</a:t>
+            </a:r>
+            <a:r>
+              <a:rPr lang="en-US" dirty="0"/>
+              <a:t> quarter of 2020 and the 4</a:t>
+            </a:r>
+            <a:r>
+              <a:rPr lang="en-US" baseline="30000" dirty="0"/>
+              <a:t>th</a:t>
+            </a:r>
+            <a:r>
+              <a:rPr lang="en-US" dirty="0"/>
+              <a:t> quarter of 2021, we could see that there was little change to the popularity of Netflix exclusives.</a:t>
+            </a:r>
+          </a:p>
+          <a:p>
+            <a:pPr marL="342900" indent="-342900">
+              <a:buAutoNum type="arabicPeriod"/>
+            </a:pPr>
+            <a:endParaRPr lang="en-US" dirty="0"/>
+          </a:p>
+          <a:p>
+            <a:pPr marL="342900" indent="-342900">
+              <a:buAutoNum type="arabicPeriod"/>
+            </a:pPr>
+            <a:r>
+              <a:rPr lang="en-US" dirty="0"/>
+              <a:t>Netflix is likely capable of being able to produce TV shows at a faster rate than movies which is likely the reason why there are a lot of options for users to watch new TV shows.</a:t>
+            </a:r>
+          </a:p>
+        </p:txBody>
+      </p:sp>
+      <p:sp>
+        <p:nvSpPr>
+          <p:cNvPr id="3" name="Text Placeholder 2">
+            <a:extLst>
+              <a:ext uri="{FF2B5EF4-FFF2-40B4-BE49-F238E27FC236}">
+                <a16:creationId xmlns:a16="http://schemas.microsoft.com/office/drawing/2014/main" id="{5054D899-C05C-5F87-A7E0-544F9DEF3900}"/>
+              </a:ext>
+            </a:extLst>
+          </p:cNvPr>
+          <p:cNvSpPr txBox="1">
+            <a:spLocks/>
+          </p:cNvSpPr>
+          <p:nvPr/>
+        </p:nvSpPr>
+        <p:spPr>
+          <a:xfrm>
+            <a:off x="333120" y="108617"/>
+            <a:ext cx="5928195" cy="489064"/>
+          </a:xfrm>
+          <a:prstGeom prst="rect">
+            <a:avLst/>
+          </a:prstGeom>
+        </p:spPr>
+        <p:txBody>
+          <a:bodyPr/>
+          <a:lstStyle>
+            <a:lvl1pPr marL="228600" indent="-228600" algn="l" defTabSz="914400" rtl="0" eaLnBrk="1" latinLnBrk="0" hangingPunct="1">
+              <a:lnSpc>
+                <a:spcPct val="90000"/>
+              </a:lnSpc>
+              <a:spcBef>
+                <a:spcPts val="1000"/>
+              </a:spcBef>
+              <a:buFontTx/>
+              <a:buBlip>
+                <a:blip r:embed="rId2"/>
+              </a:buBlip>
+              <a:defRPr sz="2800" b="0" i="0" kern="1200">
+                <a:solidFill>
+                  <a:schemeClr val="tx1"/>
+                </a:solidFill>
+                <a:latin typeface="Open Sans" panose="020B0606030504020204" pitchFamily="34" charset="0"/>
+                <a:ea typeface="Open Sans" panose="020B0606030504020204" pitchFamily="34" charset="0"/>
+                <a:cs typeface="Open Sans" panose="020B0606030504020204" pitchFamily="34" charset="0"/>
+              </a:defRPr>
+            </a:lvl1pPr>
+            <a:lvl2pPr marL="685800" indent="-228600" algn="l" defTabSz="914400" rtl="0" eaLnBrk="1" latinLnBrk="0" hangingPunct="1">
+              <a:lnSpc>
+                <a:spcPct val="90000"/>
+              </a:lnSpc>
+              <a:spcBef>
+                <a:spcPts val="500"/>
+              </a:spcBef>
+              <a:buFontTx/>
+              <a:buBlip>
+                <a:blip r:embed="rId2"/>
+              </a:buBlip>
+              <a:defRPr sz="2400" b="0" i="0" kern="1200">
+                <a:solidFill>
+                  <a:schemeClr val="tx1"/>
+                </a:solidFill>
+                <a:latin typeface="Open Sans" panose="020B0606030504020204" pitchFamily="34" charset="0"/>
+                <a:ea typeface="Open Sans" panose="020B0606030504020204" pitchFamily="34" charset="0"/>
+                <a:cs typeface="Open Sans" panose="020B0606030504020204" pitchFamily="34" charset="0"/>
+              </a:defRPr>
+            </a:lvl2pPr>
+            <a:lvl3pPr marL="1143000" indent="-228600" algn="l" defTabSz="914400" rtl="0" eaLnBrk="1" latinLnBrk="0" hangingPunct="1">
+              <a:lnSpc>
+                <a:spcPct val="90000"/>
+              </a:lnSpc>
+              <a:spcBef>
+                <a:spcPts val="500"/>
+              </a:spcBef>
+              <a:buFontTx/>
+              <a:buBlip>
+                <a:blip r:embed="rId2"/>
+              </a:buBlip>
+              <a:defRPr sz="2000" b="0" i="0" kern="1200">
+                <a:solidFill>
+                  <a:schemeClr val="tx1"/>
+                </a:solidFill>
+                <a:latin typeface="Open Sans" panose="020B0606030504020204" pitchFamily="34" charset="0"/>
+                <a:ea typeface="Open Sans" panose="020B0606030504020204" pitchFamily="34" charset="0"/>
+                <a:cs typeface="Open Sans" panose="020B0606030504020204" pitchFamily="34" charset="0"/>
+              </a:defRPr>
+            </a:lvl3pPr>
+            <a:lvl4pPr marL="1600200" indent="-228600" algn="l" defTabSz="914400" rtl="0" eaLnBrk="1" latinLnBrk="0" hangingPunct="1">
+              <a:lnSpc>
+                <a:spcPct val="90000"/>
+              </a:lnSpc>
+              <a:spcBef>
+                <a:spcPts val="500"/>
+              </a:spcBef>
+              <a:buFontTx/>
+              <a:buBlip>
+                <a:blip r:embed="rId2"/>
+              </a:buBlip>
+              <a:defRPr sz="1800" b="0" i="0" kern="1200">
+                <a:solidFill>
+                  <a:schemeClr val="tx1"/>
+                </a:solidFill>
+                <a:latin typeface="Open Sans" panose="020B0606030504020204" pitchFamily="34" charset="0"/>
+                <a:ea typeface="Open Sans" panose="020B0606030504020204" pitchFamily="34" charset="0"/>
+                <a:cs typeface="Open Sans" panose="020B0606030504020204" pitchFamily="34" charset="0"/>
+              </a:defRPr>
+            </a:lvl4pPr>
+            <a:lvl5pPr marL="2057400" indent="-228600" algn="l" defTabSz="914400" rtl="0" eaLnBrk="1" latinLnBrk="0" hangingPunct="1">
+              <a:lnSpc>
+                <a:spcPct val="90000"/>
+              </a:lnSpc>
+              <a:spcBef>
+                <a:spcPts val="500"/>
+              </a:spcBef>
+              <a:buFontTx/>
+              <a:buBlip>
+                <a:blip r:embed="rId2"/>
+              </a:buBlip>
+              <a:defRPr sz="1800" b="0" i="0" kern="1200">
+                <a:solidFill>
+                  <a:schemeClr val="tx1"/>
+                </a:solidFill>
+                <a:latin typeface="Open Sans" panose="020B0606030504020204" pitchFamily="34" charset="0"/>
+                <a:ea typeface="Open Sans" panose="020B0606030504020204" pitchFamily="34" charset="0"/>
+                <a:cs typeface="Open Sans" panose="020B0606030504020204" pitchFamily="34" charset="0"/>
+              </a:defRPr>
+            </a:lvl5pPr>
+            <a:lvl6pPr marL="2514600" indent="-228600" algn="l" defTabSz="914400" rtl="0" eaLnBrk="1" latinLnBrk="0" hangingPunct="1">
+              <a:lnSpc>
+                <a:spcPct val="90000"/>
+              </a:lnSpc>
+              <a:spcBef>
+                <a:spcPts val="500"/>
+              </a:spcBef>
+              <a:buFont typeface="Arial" panose="020B0604020202020204" pitchFamily="34" charset="0"/>
+              <a:buChar char="•"/>
+              <a:defRPr sz="1800" kern="1200">
+                <a:solidFill>
+                  <a:schemeClr val="tx1"/>
+                </a:solidFill>
+                <a:latin typeface="+mn-lt"/>
+                <a:ea typeface="+mn-ea"/>
+                <a:cs typeface="+mn-cs"/>
+              </a:defRPr>
+            </a:lvl6pPr>
+            <a:lvl7pPr marL="2971800" indent="-228600" algn="l" defTabSz="914400" rtl="0" eaLnBrk="1" latinLnBrk="0" hangingPunct="1">
+              <a:lnSpc>
+                <a:spcPct val="90000"/>
+              </a:lnSpc>
+              <a:spcBef>
+                <a:spcPts val="500"/>
+              </a:spcBef>
+              <a:buFont typeface="Arial" panose="020B0604020202020204" pitchFamily="34" charset="0"/>
+              <a:buChar char="•"/>
+              <a:defRPr sz="1800" kern="1200">
+                <a:solidFill>
+                  <a:schemeClr val="tx1"/>
+                </a:solidFill>
+                <a:latin typeface="+mn-lt"/>
+                <a:ea typeface="+mn-ea"/>
+                <a:cs typeface="+mn-cs"/>
+              </a:defRPr>
+            </a:lvl7pPr>
+            <a:lvl8pPr marL="3429000" indent="-228600" algn="l" defTabSz="914400" rtl="0" eaLnBrk="1" latinLnBrk="0" hangingPunct="1">
+              <a:lnSpc>
+                <a:spcPct val="90000"/>
+              </a:lnSpc>
+              <a:spcBef>
+                <a:spcPts val="500"/>
+              </a:spcBef>
+              <a:buFont typeface="Arial" panose="020B0604020202020204" pitchFamily="34" charset="0"/>
+              <a:buChar char="•"/>
+              <a:defRPr sz="1800" kern="1200">
+                <a:solidFill>
+                  <a:schemeClr val="tx1"/>
+                </a:solidFill>
+                <a:latin typeface="+mn-lt"/>
+                <a:ea typeface="+mn-ea"/>
+                <a:cs typeface="+mn-cs"/>
+              </a:defRPr>
+            </a:lvl8pPr>
+            <a:lvl9pPr marL="3886200" indent="-228600" algn="l" defTabSz="914400" rtl="0" eaLnBrk="1" latinLnBrk="0" hangingPunct="1">
+              <a:lnSpc>
+                <a:spcPct val="90000"/>
+              </a:lnSpc>
+              <a:spcBef>
+                <a:spcPts val="500"/>
+              </a:spcBef>
+              <a:buFont typeface="Arial" panose="020B0604020202020204" pitchFamily="34" charset="0"/>
+              <a:buChar char="•"/>
+              <a:defRPr sz="1800" kern="1200">
+                <a:solidFill>
+                  <a:schemeClr val="tx1"/>
+                </a:solidFill>
+                <a:latin typeface="+mn-lt"/>
+                <a:ea typeface="+mn-ea"/>
+                <a:cs typeface="+mn-cs"/>
+              </a:defRPr>
+            </a:lvl9pPr>
+          </a:lstStyle>
+          <a:p>
+            <a:pPr marL="0" indent="0">
+              <a:buNone/>
+            </a:pPr>
+            <a:r>
+              <a:rPr lang="en-GB" sz="3200" b="1" dirty="0"/>
+              <a:t>Discussion and Conclusion</a:t>
+            </a:r>
+          </a:p>
+        </p:txBody>
+      </p:sp>
+    </p:spTree>
+    <p:extLst>
+      <p:ext uri="{BB962C8B-B14F-4D97-AF65-F5344CB8AC3E}">
+        <p14:creationId xmlns:p14="http://schemas.microsoft.com/office/powerpoint/2010/main" val="2473088299"/>
+      </p:ext>
+    </p:extLst>
+  </p:cSld>
+  <p:clrMapOvr>
+    <a:masterClrMapping/>
+  </p:clrMapOvr>
+</p:sld>
+</file>
+
+<file path=ppt/slides/slide13.xml><?xml version="1.0" encoding="utf-8"?>
+<p:sld xmlns:a="http://schemas.openxmlformats.org/drawingml/2006/main" xmlns:r="http://schemas.openxmlformats.org/officeDocument/2006/relationships" xmlns:p="http://schemas.openxmlformats.org/presentationml/2006/main">
+  <p:cSld>
+    <p:spTree>
+      <p:nvGrpSpPr>
+        <p:cNvPr id="1" name=""/>
+        <p:cNvGrpSpPr/>
+        <p:nvPr/>
+      </p:nvGrpSpPr>
+      <p:grpSpPr>
+        <a:xfrm>
+          <a:off x="0" y="0"/>
+          <a:ext cx="0" cy="0"/>
+          <a:chOff x="0" y="0"/>
+          <a:chExt cx="0" cy="0"/>
+        </a:xfrm>
+      </p:grpSpPr>
+      <p:pic>
+        <p:nvPicPr>
+          <p:cNvPr id="11" name="Picture 10" descr="Chart, box and whisker chart&#10;&#10;Description automatically generated">
+            <a:extLst>
+              <a:ext uri="{FF2B5EF4-FFF2-40B4-BE49-F238E27FC236}">
+                <a16:creationId xmlns:a16="http://schemas.microsoft.com/office/drawing/2014/main" id="{AB4C5956-CBA8-1B11-4B8F-EA53AAF9D20D}"/>
+              </a:ext>
+            </a:extLst>
+          </p:cNvPr>
+          <p:cNvPicPr>
+            <a:picLocks noChangeAspect="1"/>
+          </p:cNvPicPr>
+          <p:nvPr/>
+        </p:nvPicPr>
+        <p:blipFill>
+          <a:blip r:embed="rId2">
+            <a:extLst>
+              <a:ext uri="{28A0092B-C50C-407E-A947-70E740481C1C}">
+                <a14:useLocalDpi xmlns:a14="http://schemas.microsoft.com/office/drawing/2010/main" val="0"/>
+              </a:ext>
+            </a:extLst>
+          </a:blip>
+          <a:stretch>
+            <a:fillRect/>
+          </a:stretch>
+        </p:blipFill>
+        <p:spPr>
+          <a:xfrm>
+            <a:off x="4304858" y="1560284"/>
+            <a:ext cx="6620871" cy="3485243"/>
+          </a:xfrm>
+          <a:prstGeom prst="rect">
+            <a:avLst/>
+          </a:prstGeom>
+        </p:spPr>
+      </p:pic>
+      <p:sp>
+        <p:nvSpPr>
+          <p:cNvPr id="2" name="TextBox 1">
+            <a:extLst>
+              <a:ext uri="{FF2B5EF4-FFF2-40B4-BE49-F238E27FC236}">
+                <a16:creationId xmlns:a16="http://schemas.microsoft.com/office/drawing/2014/main" id="{7374CFB8-748E-8E29-4A37-D0F91B4884B9}"/>
+              </a:ext>
+            </a:extLst>
+          </p:cNvPr>
+          <p:cNvSpPr txBox="1"/>
+          <p:nvPr/>
+        </p:nvSpPr>
+        <p:spPr>
+          <a:xfrm>
+            <a:off x="326572" y="2175327"/>
+            <a:ext cx="3978286" cy="2062103"/>
+          </a:xfrm>
+          <a:prstGeom prst="rect">
+            <a:avLst/>
+          </a:prstGeom>
+          <a:noFill/>
+        </p:spPr>
+        <p:txBody>
+          <a:bodyPr wrap="square" rtlCol="0">
+            <a:spAutoFit/>
+          </a:bodyPr>
+          <a:lstStyle/>
+          <a:p>
+            <a:r>
+              <a:rPr lang="en-US" sz="1600" dirty="0"/>
+              <a:t>Using the ranking in the Daily Top 10 as a metric for popularity: </a:t>
+            </a:r>
+          </a:p>
+          <a:p>
+            <a:endParaRPr lang="en-US" sz="1600" dirty="0"/>
+          </a:p>
+          <a:p>
+            <a:r>
+              <a:rPr lang="en-US" sz="1600" dirty="0"/>
+              <a:t>It appears that Netflix produced content ranked higher on average</a:t>
+            </a:r>
+          </a:p>
+          <a:p>
+            <a:endParaRPr lang="en-US" sz="1600" dirty="0"/>
+          </a:p>
+          <a:p>
+            <a:r>
+              <a:rPr lang="en-US" sz="1600" dirty="0"/>
+              <a:t>Shows tended  to do slightly better than movies</a:t>
+            </a:r>
+          </a:p>
+        </p:txBody>
+      </p:sp>
+      <p:sp>
+        <p:nvSpPr>
+          <p:cNvPr id="4" name="TextBox 3">
+            <a:extLst>
+              <a:ext uri="{FF2B5EF4-FFF2-40B4-BE49-F238E27FC236}">
+                <a16:creationId xmlns:a16="http://schemas.microsoft.com/office/drawing/2014/main" id="{1D2B55F2-D572-81CE-F488-2E69D07CBF0D}"/>
+              </a:ext>
+            </a:extLst>
+          </p:cNvPr>
+          <p:cNvSpPr txBox="1"/>
+          <p:nvPr/>
+        </p:nvSpPr>
+        <p:spPr>
+          <a:xfrm>
+            <a:off x="468085" y="6373586"/>
+            <a:ext cx="7184571" cy="369332"/>
+          </a:xfrm>
+          <a:prstGeom prst="rect">
+            <a:avLst/>
+          </a:prstGeom>
+          <a:noFill/>
+        </p:spPr>
+        <p:txBody>
+          <a:bodyPr wrap="square" rtlCol="0">
+            <a:spAutoFit/>
+          </a:bodyPr>
+          <a:lstStyle/>
+          <a:p>
+            <a:r>
+              <a:rPr lang="en-US" sz="1800" b="0" i="0" u="sng" strike="noStrike" dirty="0">
+                <a:solidFill>
+                  <a:srgbClr val="1155CC"/>
+                </a:solidFill>
+                <a:effectLst/>
+                <a:latin typeface="Arial" panose="020B0604020202020204" pitchFamily="34" charset="0"/>
+                <a:hlinkClick r:id="rId3"/>
+              </a:rPr>
+              <a:t>https://www.kaggle.com/datasets/prasertk/netflix-daily-top-10-in-us</a:t>
+            </a:r>
+            <a:endParaRPr lang="en-US" dirty="0"/>
+          </a:p>
+        </p:txBody>
+      </p:sp>
+    </p:spTree>
+    <p:extLst>
+      <p:ext uri="{BB962C8B-B14F-4D97-AF65-F5344CB8AC3E}">
+        <p14:creationId xmlns:p14="http://schemas.microsoft.com/office/powerpoint/2010/main" val="1361819096"/>
+      </p:ext>
+    </p:extLst>
+  </p:cSld>
+  <p:clrMapOvr>
+    <a:masterClrMapping/>
+  </p:clrMapOvr>
+</p:sld>
+</file>
+
+<file path=ppt/slides/slide14.xml><?xml version="1.0" encoding="utf-8"?>
+<p:sld xmlns:a="http://schemas.openxmlformats.org/drawingml/2006/main" xmlns:r="http://schemas.openxmlformats.org/officeDocument/2006/relationships" xmlns:p="http://schemas.openxmlformats.org/presentationml/2006/main">
+  <p:cSld>
+    <p:spTree>
+      <p:nvGrpSpPr>
+        <p:cNvPr id="1" name=""/>
+        <p:cNvGrpSpPr/>
+        <p:nvPr/>
+      </p:nvGrpSpPr>
+      <p:grpSpPr>
+        <a:xfrm>
+          <a:off x="0" y="0"/>
+          <a:ext cx="0" cy="0"/>
+          <a:chOff x="0" y="0"/>
+          <a:chExt cx="0" cy="0"/>
+        </a:xfrm>
+      </p:grpSpPr>
+      <p:sp>
+        <p:nvSpPr>
+          <p:cNvPr id="4" name="TextBox 3">
+            <a:extLst>
+              <a:ext uri="{FF2B5EF4-FFF2-40B4-BE49-F238E27FC236}">
+                <a16:creationId xmlns:a16="http://schemas.microsoft.com/office/drawing/2014/main" id="{A71F38C3-DD64-BDAD-213B-791299597A12}"/>
+              </a:ext>
+            </a:extLst>
+          </p:cNvPr>
+          <p:cNvSpPr txBox="1"/>
+          <p:nvPr/>
+        </p:nvSpPr>
+        <p:spPr>
+          <a:xfrm>
+            <a:off x="6971864" y="888179"/>
+            <a:ext cx="2921533" cy="369332"/>
+          </a:xfrm>
+          <a:prstGeom prst="rect">
+            <a:avLst/>
+          </a:prstGeom>
+          <a:noFill/>
+        </p:spPr>
+        <p:txBody>
+          <a:bodyPr wrap="square" rtlCol="0">
+            <a:spAutoFit/>
+          </a:bodyPr>
+          <a:lstStyle/>
+          <a:p>
+            <a:pPr algn="ctr"/>
+            <a:r>
+              <a:rPr lang="en-US" dirty="0"/>
+              <a:t>Median</a:t>
+            </a:r>
+          </a:p>
+        </p:txBody>
+      </p:sp>
+      <p:sp>
+        <p:nvSpPr>
+          <p:cNvPr id="7" name="TextBox 6">
+            <a:extLst>
+              <a:ext uri="{FF2B5EF4-FFF2-40B4-BE49-F238E27FC236}">
+                <a16:creationId xmlns:a16="http://schemas.microsoft.com/office/drawing/2014/main" id="{7E2F618E-C0B2-9FFA-E33F-7EA213A1CB2F}"/>
+              </a:ext>
+            </a:extLst>
+          </p:cNvPr>
+          <p:cNvSpPr txBox="1"/>
+          <p:nvPr/>
+        </p:nvSpPr>
+        <p:spPr>
+          <a:xfrm>
+            <a:off x="7930526" y="3429000"/>
+            <a:ext cx="1004207" cy="369332"/>
+          </a:xfrm>
+          <a:prstGeom prst="rect">
+            <a:avLst/>
+          </a:prstGeom>
+          <a:noFill/>
+        </p:spPr>
+        <p:txBody>
+          <a:bodyPr wrap="square" rtlCol="0">
+            <a:spAutoFit/>
+          </a:bodyPr>
+          <a:lstStyle/>
+          <a:p>
+            <a:pPr algn="ctr"/>
+            <a:r>
+              <a:rPr lang="en-US" dirty="0"/>
+              <a:t>Mean</a:t>
+            </a:r>
+          </a:p>
+        </p:txBody>
+      </p:sp>
+      <p:sp>
+        <p:nvSpPr>
+          <p:cNvPr id="8" name="TextBox 7">
+            <a:extLst>
+              <a:ext uri="{FF2B5EF4-FFF2-40B4-BE49-F238E27FC236}">
+                <a16:creationId xmlns:a16="http://schemas.microsoft.com/office/drawing/2014/main" id="{20598850-A815-7384-64A5-1CCCEA9F6BE9}"/>
+              </a:ext>
+            </a:extLst>
+          </p:cNvPr>
+          <p:cNvSpPr txBox="1"/>
+          <p:nvPr/>
+        </p:nvSpPr>
+        <p:spPr>
+          <a:xfrm>
+            <a:off x="107143" y="1828058"/>
+            <a:ext cx="6369856" cy="1323439"/>
+          </a:xfrm>
+          <a:prstGeom prst="rect">
+            <a:avLst/>
+          </a:prstGeom>
+          <a:noFill/>
+        </p:spPr>
+        <p:txBody>
+          <a:bodyPr wrap="square" rtlCol="0">
+            <a:spAutoFit/>
+          </a:bodyPr>
+          <a:lstStyle/>
+          <a:p>
+            <a:r>
+              <a:rPr lang="en-US" sz="1600" dirty="0"/>
+              <a:t>Now let’s look at how many days something spent in the top 10</a:t>
+            </a:r>
+          </a:p>
+          <a:p>
+            <a:endParaRPr lang="en-US" sz="1600" dirty="0"/>
+          </a:p>
+          <a:p>
+            <a:r>
+              <a:rPr lang="en-US" sz="1600" dirty="0"/>
+              <a:t>Shows spent more time in the Top 10 than movies</a:t>
+            </a:r>
+          </a:p>
+          <a:p>
+            <a:endParaRPr lang="en-US" sz="1600" dirty="0"/>
+          </a:p>
+          <a:p>
+            <a:r>
+              <a:rPr lang="en-US" sz="1600" dirty="0"/>
+              <a:t>Little difference between Netflix and non-Netflix content</a:t>
+            </a:r>
+          </a:p>
+        </p:txBody>
+      </p:sp>
+      <p:pic>
+        <p:nvPicPr>
+          <p:cNvPr id="10" name="Picture 9" descr="Table&#10;&#10;Description automatically generated">
+            <a:extLst>
+              <a:ext uri="{FF2B5EF4-FFF2-40B4-BE49-F238E27FC236}">
+                <a16:creationId xmlns:a16="http://schemas.microsoft.com/office/drawing/2014/main" id="{4C7A2C7D-7727-B9A5-9359-01F1179671B3}"/>
+              </a:ext>
+            </a:extLst>
+          </p:cNvPr>
+          <p:cNvPicPr>
+            <a:picLocks noChangeAspect="1"/>
+          </p:cNvPicPr>
+          <p:nvPr/>
+        </p:nvPicPr>
+        <p:blipFill>
+          <a:blip r:embed="rId2">
+            <a:extLst>
+              <a:ext uri="{28A0092B-C50C-407E-A947-70E740481C1C}">
+                <a14:useLocalDpi xmlns:a14="http://schemas.microsoft.com/office/drawing/2010/main" val="0"/>
+              </a:ext>
+            </a:extLst>
+          </a:blip>
+          <a:stretch>
+            <a:fillRect/>
+          </a:stretch>
+        </p:blipFill>
+        <p:spPr>
+          <a:xfrm>
+            <a:off x="6769199" y="1320577"/>
+            <a:ext cx="3326865" cy="1816115"/>
+          </a:xfrm>
+          <a:prstGeom prst="rect">
+            <a:avLst/>
+          </a:prstGeom>
+        </p:spPr>
+      </p:pic>
+      <p:pic>
+        <p:nvPicPr>
+          <p:cNvPr id="12" name="Picture 11" descr="Table&#10;&#10;Description automatically generated">
+            <a:extLst>
+              <a:ext uri="{FF2B5EF4-FFF2-40B4-BE49-F238E27FC236}">
+                <a16:creationId xmlns:a16="http://schemas.microsoft.com/office/drawing/2014/main" id="{3993D35F-3EAF-4F65-4CCE-C253B30E407B}"/>
+              </a:ext>
+            </a:extLst>
+          </p:cNvPr>
+          <p:cNvPicPr>
+            <a:picLocks noChangeAspect="1"/>
+          </p:cNvPicPr>
+          <p:nvPr/>
+        </p:nvPicPr>
+        <p:blipFill>
+          <a:blip r:embed="rId3">
+            <a:extLst>
+              <a:ext uri="{28A0092B-C50C-407E-A947-70E740481C1C}">
+                <a14:useLocalDpi xmlns:a14="http://schemas.microsoft.com/office/drawing/2010/main" val="0"/>
+              </a:ext>
+            </a:extLst>
+          </a:blip>
+          <a:stretch>
+            <a:fillRect/>
+          </a:stretch>
+        </p:blipFill>
+        <p:spPr>
+          <a:xfrm>
+            <a:off x="6651147" y="4090640"/>
+            <a:ext cx="3444917" cy="1816115"/>
+          </a:xfrm>
+          <a:prstGeom prst="rect">
+            <a:avLst/>
+          </a:prstGeom>
+        </p:spPr>
+      </p:pic>
+      <p:sp>
+        <p:nvSpPr>
+          <p:cNvPr id="13" name="TextBox 12">
+            <a:extLst>
+              <a:ext uri="{FF2B5EF4-FFF2-40B4-BE49-F238E27FC236}">
+                <a16:creationId xmlns:a16="http://schemas.microsoft.com/office/drawing/2014/main" id="{B2190AF8-AD38-EFE8-2E37-94CA263580E4}"/>
+              </a:ext>
+            </a:extLst>
+          </p:cNvPr>
+          <p:cNvSpPr txBox="1"/>
+          <p:nvPr/>
+        </p:nvSpPr>
+        <p:spPr>
+          <a:xfrm>
+            <a:off x="107142" y="4292323"/>
+            <a:ext cx="6369857" cy="584775"/>
+          </a:xfrm>
+          <a:prstGeom prst="rect">
+            <a:avLst/>
+          </a:prstGeom>
+          <a:noFill/>
+        </p:spPr>
+        <p:txBody>
+          <a:bodyPr wrap="square" rtlCol="0">
+            <a:spAutoFit/>
+          </a:bodyPr>
+          <a:lstStyle/>
+          <a:p>
+            <a:r>
+              <a:rPr lang="en-US" sz="1600" dirty="0"/>
+              <a:t>Mean time in the Top 10 shows a much stronger lean towards shows, indicating the presence of outliers</a:t>
+            </a:r>
+          </a:p>
+        </p:txBody>
+      </p:sp>
+      <p:sp>
+        <p:nvSpPr>
+          <p:cNvPr id="14" name="TextBox 13">
+            <a:extLst>
+              <a:ext uri="{FF2B5EF4-FFF2-40B4-BE49-F238E27FC236}">
+                <a16:creationId xmlns:a16="http://schemas.microsoft.com/office/drawing/2014/main" id="{D1AA46A3-F116-7E1E-7EF9-BD4A6F08C8CB}"/>
+              </a:ext>
+            </a:extLst>
+          </p:cNvPr>
+          <p:cNvSpPr txBox="1"/>
+          <p:nvPr/>
+        </p:nvSpPr>
+        <p:spPr>
+          <a:xfrm>
+            <a:off x="468085" y="6373586"/>
+            <a:ext cx="7184571" cy="369332"/>
+          </a:xfrm>
+          <a:prstGeom prst="rect">
+            <a:avLst/>
+          </a:prstGeom>
+          <a:noFill/>
+        </p:spPr>
+        <p:txBody>
+          <a:bodyPr wrap="square" rtlCol="0">
+            <a:spAutoFit/>
+          </a:bodyPr>
+          <a:lstStyle/>
+          <a:p>
+            <a:r>
+              <a:rPr lang="en-US" sz="1800" b="0" i="0" u="sng" strike="noStrike" dirty="0">
+                <a:solidFill>
+                  <a:srgbClr val="1155CC"/>
+                </a:solidFill>
+                <a:effectLst/>
+                <a:latin typeface="Arial" panose="020B0604020202020204" pitchFamily="34" charset="0"/>
+                <a:hlinkClick r:id="rId4"/>
+              </a:rPr>
+              <a:t>https://www.kaggle.com/datasets/prasertk/netflix-daily-top-10-in-us</a:t>
+            </a:r>
+            <a:endParaRPr lang="en-US" dirty="0"/>
+          </a:p>
+        </p:txBody>
+      </p:sp>
+    </p:spTree>
+    <p:extLst>
+      <p:ext uri="{BB962C8B-B14F-4D97-AF65-F5344CB8AC3E}">
+        <p14:creationId xmlns:p14="http://schemas.microsoft.com/office/powerpoint/2010/main" val="1479579144"/>
+      </p:ext>
+    </p:extLst>
+  </p:cSld>
+  <p:clrMapOvr>
+    <a:masterClrMapping/>
+  </p:clrMapOvr>
+</p:sld>
+</file>
+
+<file path=ppt/slides/slide15.xml><?xml version="1.0" encoding="utf-8"?>
+<p:sld xmlns:a="http://schemas.openxmlformats.org/drawingml/2006/main" xmlns:r="http://schemas.openxmlformats.org/officeDocument/2006/relationships" xmlns:p="http://schemas.openxmlformats.org/presentationml/2006/main">
+  <p:cSld>
+    <p:spTree>
+      <p:nvGrpSpPr>
+        <p:cNvPr id="1" name=""/>
+        <p:cNvGrpSpPr/>
+        <p:nvPr/>
+      </p:nvGrpSpPr>
+      <p:grpSpPr>
+        <a:xfrm>
+          <a:off x="0" y="0"/>
+          <a:ext cx="0" cy="0"/>
+          <a:chOff x="0" y="0"/>
+          <a:chExt cx="0" cy="0"/>
+        </a:xfrm>
+      </p:grpSpPr>
+      <p:pic>
+        <p:nvPicPr>
+          <p:cNvPr id="7" name="Picture 6" descr="Chart, box and whisker chart&#10;&#10;Description automatically generated">
+            <a:extLst>
+              <a:ext uri="{FF2B5EF4-FFF2-40B4-BE49-F238E27FC236}">
+                <a16:creationId xmlns:a16="http://schemas.microsoft.com/office/drawing/2014/main" id="{FA259FC7-1A83-4F9A-5BF3-2C1DB82E228A}"/>
+              </a:ext>
+            </a:extLst>
+          </p:cNvPr>
+          <p:cNvPicPr>
+            <a:picLocks noChangeAspect="1"/>
+          </p:cNvPicPr>
+          <p:nvPr/>
+        </p:nvPicPr>
+        <p:blipFill>
+          <a:blip r:embed="rId2">
+            <a:extLst>
+              <a:ext uri="{28A0092B-C50C-407E-A947-70E740481C1C}">
+                <a14:useLocalDpi xmlns:a14="http://schemas.microsoft.com/office/drawing/2010/main" val="0"/>
+              </a:ext>
+            </a:extLst>
+          </a:blip>
+          <a:stretch>
+            <a:fillRect/>
+          </a:stretch>
+        </p:blipFill>
+        <p:spPr>
+          <a:xfrm>
+            <a:off x="3796393" y="622637"/>
+            <a:ext cx="6480581" cy="4612235"/>
+          </a:xfrm>
+          <a:prstGeom prst="rect">
+            <a:avLst/>
+          </a:prstGeom>
+        </p:spPr>
+      </p:pic>
+      <p:sp>
+        <p:nvSpPr>
+          <p:cNvPr id="8" name="TextBox 7">
+            <a:extLst>
+              <a:ext uri="{FF2B5EF4-FFF2-40B4-BE49-F238E27FC236}">
+                <a16:creationId xmlns:a16="http://schemas.microsoft.com/office/drawing/2014/main" id="{F1DF0CE1-BDB7-035E-BBAD-52A05B6CA441}"/>
+              </a:ext>
+            </a:extLst>
+          </p:cNvPr>
+          <p:cNvSpPr txBox="1"/>
+          <p:nvPr/>
+        </p:nvSpPr>
+        <p:spPr>
+          <a:xfrm>
+            <a:off x="2457450" y="5435144"/>
+            <a:ext cx="6480581" cy="800219"/>
+          </a:xfrm>
+          <a:prstGeom prst="rect">
+            <a:avLst/>
+          </a:prstGeom>
+          <a:noFill/>
+        </p:spPr>
+        <p:txBody>
+          <a:bodyPr wrap="square" rtlCol="0">
+            <a:spAutoFit/>
+          </a:bodyPr>
+          <a:lstStyle/>
+          <a:p>
+            <a:r>
+              <a:rPr lang="en-US" sz="1400" dirty="0"/>
+              <a:t>Important to note that “</a:t>
+            </a:r>
+            <a:r>
+              <a:rPr lang="en-US" sz="1400" dirty="0" err="1"/>
+              <a:t>Cocomelon</a:t>
+            </a:r>
+            <a:r>
+              <a:rPr lang="en-US" sz="1400" dirty="0"/>
+              <a:t>” was removed from the data for this graph, it appeared a total of 428 days out of 710. Making the Top 10 list 60% of the time</a:t>
+            </a:r>
+          </a:p>
+          <a:p>
+            <a:endParaRPr lang="en-US" dirty="0"/>
+          </a:p>
+        </p:txBody>
+      </p:sp>
+      <p:sp>
+        <p:nvSpPr>
+          <p:cNvPr id="9" name="TextBox 8">
+            <a:extLst>
+              <a:ext uri="{FF2B5EF4-FFF2-40B4-BE49-F238E27FC236}">
+                <a16:creationId xmlns:a16="http://schemas.microsoft.com/office/drawing/2014/main" id="{4C89E97F-A041-AFDD-52FB-C7A31444457D}"/>
+              </a:ext>
+            </a:extLst>
+          </p:cNvPr>
+          <p:cNvSpPr txBox="1"/>
+          <p:nvPr/>
+        </p:nvSpPr>
+        <p:spPr>
+          <a:xfrm>
+            <a:off x="174171" y="1415143"/>
+            <a:ext cx="3385458" cy="3139321"/>
+          </a:xfrm>
+          <a:prstGeom prst="rect">
+            <a:avLst/>
+          </a:prstGeom>
+          <a:noFill/>
+        </p:spPr>
+        <p:txBody>
+          <a:bodyPr wrap="square" rtlCol="0">
+            <a:spAutoFit/>
+          </a:bodyPr>
+          <a:lstStyle/>
+          <a:p>
+            <a:r>
+              <a:rPr lang="en-US" dirty="0"/>
+              <a:t>The bulk of shows were on the Top 10 list for 5 to 20 days, with frequent outliers staying much longer</a:t>
+            </a:r>
+          </a:p>
+          <a:p>
+            <a:endParaRPr lang="en-US" dirty="0"/>
+          </a:p>
+          <a:p>
+            <a:endParaRPr lang="en-US" dirty="0"/>
+          </a:p>
+          <a:p>
+            <a:endParaRPr lang="en-US" dirty="0"/>
+          </a:p>
+          <a:p>
+            <a:endParaRPr lang="en-US" dirty="0"/>
+          </a:p>
+          <a:p>
+            <a:r>
+              <a:rPr lang="en-US" dirty="0"/>
+              <a:t>Movies stayed on the Top 10 mostly for less than 10 days, and never more than 40</a:t>
+            </a:r>
+          </a:p>
+        </p:txBody>
+      </p:sp>
+      <p:sp>
+        <p:nvSpPr>
+          <p:cNvPr id="10" name="TextBox 9">
+            <a:extLst>
+              <a:ext uri="{FF2B5EF4-FFF2-40B4-BE49-F238E27FC236}">
+                <a16:creationId xmlns:a16="http://schemas.microsoft.com/office/drawing/2014/main" id="{3C404601-FFE3-1EFA-D973-711348F6A319}"/>
+              </a:ext>
+            </a:extLst>
+          </p:cNvPr>
+          <p:cNvSpPr txBox="1"/>
+          <p:nvPr/>
+        </p:nvSpPr>
+        <p:spPr>
+          <a:xfrm>
+            <a:off x="468085" y="6373586"/>
+            <a:ext cx="7184571" cy="369332"/>
+          </a:xfrm>
+          <a:prstGeom prst="rect">
+            <a:avLst/>
+          </a:prstGeom>
+          <a:noFill/>
+        </p:spPr>
+        <p:txBody>
+          <a:bodyPr wrap="square" rtlCol="0">
+            <a:spAutoFit/>
+          </a:bodyPr>
+          <a:lstStyle/>
+          <a:p>
+            <a:r>
+              <a:rPr lang="en-US" sz="1800" b="0" i="0" u="sng" strike="noStrike" dirty="0">
+                <a:solidFill>
+                  <a:srgbClr val="1155CC"/>
+                </a:solidFill>
+                <a:effectLst/>
+                <a:latin typeface="Arial" panose="020B0604020202020204" pitchFamily="34" charset="0"/>
+                <a:hlinkClick r:id="rId3"/>
+              </a:rPr>
+              <a:t>https://www.kaggle.com/datasets/prasertk/netflix-daily-top-10-in-us</a:t>
+            </a:r>
+            <a:endParaRPr lang="en-US" dirty="0"/>
+          </a:p>
+        </p:txBody>
+      </p:sp>
+    </p:spTree>
+    <p:extLst>
+      <p:ext uri="{BB962C8B-B14F-4D97-AF65-F5344CB8AC3E}">
+        <p14:creationId xmlns:p14="http://schemas.microsoft.com/office/powerpoint/2010/main" val="30221457"/>
+      </p:ext>
+    </p:extLst>
+  </p:cSld>
+  <p:clrMapOvr>
+    <a:masterClrMapping/>
+  </p:clrMapOvr>
+</p:sld>
+</file>
+
+<file path=ppt/slides/slide16.xml><?xml version="1.0" encoding="utf-8"?>
+<p:sld xmlns:a="http://schemas.openxmlformats.org/drawingml/2006/main" xmlns:r="http://schemas.openxmlformats.org/officeDocument/2006/relationships" xmlns:p="http://schemas.openxmlformats.org/presentationml/2006/main">
+  <p:cSld>
+    <p:spTree>
+      <p:nvGrpSpPr>
+        <p:cNvPr id="1" name=""/>
+        <p:cNvGrpSpPr/>
+        <p:nvPr/>
+      </p:nvGrpSpPr>
+      <p:grpSpPr>
+        <a:xfrm>
+          <a:off x="0" y="0"/>
+          <a:ext cx="0" cy="0"/>
+          <a:chOff x="0" y="0"/>
+          <a:chExt cx="0" cy="0"/>
+        </a:xfrm>
+      </p:grpSpPr>
+      <p:pic>
+        <p:nvPicPr>
+          <p:cNvPr id="3" name="Picture 2" descr="Chart, pie chart&#10;&#10;Description automatically generated">
+            <a:extLst>
+              <a:ext uri="{FF2B5EF4-FFF2-40B4-BE49-F238E27FC236}">
+                <a16:creationId xmlns:a16="http://schemas.microsoft.com/office/drawing/2014/main" id="{56AB9CCA-3F93-C2EC-1ACC-473A507C10F8}"/>
+              </a:ext>
+            </a:extLst>
+          </p:cNvPr>
+          <p:cNvPicPr>
+            <a:picLocks noChangeAspect="1"/>
+          </p:cNvPicPr>
+          <p:nvPr/>
+        </p:nvPicPr>
+        <p:blipFill>
+          <a:blip r:embed="rId2">
+            <a:extLst>
+              <a:ext uri="{28A0092B-C50C-407E-A947-70E740481C1C}">
+                <a14:useLocalDpi xmlns:a14="http://schemas.microsoft.com/office/drawing/2010/main" val="0"/>
+              </a:ext>
+            </a:extLst>
+          </a:blip>
+          <a:stretch>
+            <a:fillRect/>
+          </a:stretch>
+        </p:blipFill>
+        <p:spPr>
+          <a:xfrm>
+            <a:off x="4466214" y="769386"/>
+            <a:ext cx="4748542" cy="2659614"/>
+          </a:xfrm>
+          <a:prstGeom prst="rect">
+            <a:avLst/>
+          </a:prstGeom>
+        </p:spPr>
+      </p:pic>
+      <p:pic>
+        <p:nvPicPr>
+          <p:cNvPr id="5" name="Picture 4" descr="Chart, pie chart&#10;&#10;Description automatically generated">
+            <a:extLst>
+              <a:ext uri="{FF2B5EF4-FFF2-40B4-BE49-F238E27FC236}">
+                <a16:creationId xmlns:a16="http://schemas.microsoft.com/office/drawing/2014/main" id="{30FB95F4-2D61-02ED-A125-A9EFA458C304}"/>
+              </a:ext>
+            </a:extLst>
+          </p:cNvPr>
+          <p:cNvPicPr>
+            <a:picLocks noChangeAspect="1"/>
+          </p:cNvPicPr>
+          <p:nvPr/>
+        </p:nvPicPr>
+        <p:blipFill>
+          <a:blip r:embed="rId3">
+            <a:extLst>
+              <a:ext uri="{28A0092B-C50C-407E-A947-70E740481C1C}">
+                <a14:useLocalDpi xmlns:a14="http://schemas.microsoft.com/office/drawing/2010/main" val="0"/>
+              </a:ext>
+            </a:extLst>
+          </a:blip>
+          <a:stretch>
+            <a:fillRect/>
+          </a:stretch>
+        </p:blipFill>
+        <p:spPr>
+          <a:xfrm>
+            <a:off x="5169647" y="3520816"/>
+            <a:ext cx="3341676" cy="2751313"/>
+          </a:xfrm>
+          <a:prstGeom prst="rect">
+            <a:avLst/>
+          </a:prstGeom>
+        </p:spPr>
+      </p:pic>
+      <p:sp>
+        <p:nvSpPr>
+          <p:cNvPr id="6" name="TextBox 5">
+            <a:extLst>
+              <a:ext uri="{FF2B5EF4-FFF2-40B4-BE49-F238E27FC236}">
+                <a16:creationId xmlns:a16="http://schemas.microsoft.com/office/drawing/2014/main" id="{BEBBF6E1-E161-A5E0-B9AF-A682776013E4}"/>
+              </a:ext>
+            </a:extLst>
+          </p:cNvPr>
+          <p:cNvSpPr txBox="1"/>
+          <p:nvPr/>
+        </p:nvSpPr>
+        <p:spPr>
+          <a:xfrm>
+            <a:off x="220435" y="1289958"/>
+            <a:ext cx="4520294" cy="830997"/>
+          </a:xfrm>
+          <a:prstGeom prst="rect">
+            <a:avLst/>
+          </a:prstGeom>
+          <a:noFill/>
+        </p:spPr>
+        <p:txBody>
+          <a:bodyPr wrap="square" rtlCol="0">
+            <a:spAutoFit/>
+          </a:bodyPr>
+          <a:lstStyle/>
+          <a:p>
+            <a:r>
+              <a:rPr lang="en-US" sz="1600" dirty="0"/>
+              <a:t>Limiting our view to only those shows and movies that were in the Top 10 for 25 days or more, we see that it is mostly shows</a:t>
+            </a:r>
+          </a:p>
+        </p:txBody>
+      </p:sp>
+      <p:sp>
+        <p:nvSpPr>
+          <p:cNvPr id="7" name="TextBox 6">
+            <a:extLst>
+              <a:ext uri="{FF2B5EF4-FFF2-40B4-BE49-F238E27FC236}">
+                <a16:creationId xmlns:a16="http://schemas.microsoft.com/office/drawing/2014/main" id="{EC5D1444-1437-3048-8A8A-E3A3DC853A37}"/>
+              </a:ext>
+            </a:extLst>
+          </p:cNvPr>
+          <p:cNvSpPr txBox="1"/>
+          <p:nvPr/>
+        </p:nvSpPr>
+        <p:spPr>
+          <a:xfrm>
+            <a:off x="220434" y="3429000"/>
+            <a:ext cx="4316186" cy="584775"/>
+          </a:xfrm>
+          <a:prstGeom prst="rect">
+            <a:avLst/>
+          </a:prstGeom>
+          <a:noFill/>
+        </p:spPr>
+        <p:txBody>
+          <a:bodyPr wrap="square" rtlCol="0">
+            <a:spAutoFit/>
+          </a:bodyPr>
+          <a:lstStyle/>
+          <a:p>
+            <a:r>
+              <a:rPr lang="en-US" sz="1600" dirty="0"/>
+              <a:t> Even though movies appeared more often in the Top 10, shows spent far more time there</a:t>
+            </a:r>
+          </a:p>
+        </p:txBody>
+      </p:sp>
+      <p:sp>
+        <p:nvSpPr>
+          <p:cNvPr id="8" name="TextBox 7">
+            <a:extLst>
+              <a:ext uri="{FF2B5EF4-FFF2-40B4-BE49-F238E27FC236}">
+                <a16:creationId xmlns:a16="http://schemas.microsoft.com/office/drawing/2014/main" id="{7C463C2E-B112-8A40-908C-F6D6F97674C8}"/>
+              </a:ext>
+            </a:extLst>
+          </p:cNvPr>
+          <p:cNvSpPr txBox="1"/>
+          <p:nvPr/>
+        </p:nvSpPr>
+        <p:spPr>
+          <a:xfrm>
+            <a:off x="468085" y="6373586"/>
+            <a:ext cx="7184571" cy="369332"/>
+          </a:xfrm>
+          <a:prstGeom prst="rect">
+            <a:avLst/>
+          </a:prstGeom>
+          <a:noFill/>
+        </p:spPr>
+        <p:txBody>
+          <a:bodyPr wrap="square" rtlCol="0">
+            <a:spAutoFit/>
+          </a:bodyPr>
+          <a:lstStyle/>
+          <a:p>
+            <a:r>
+              <a:rPr lang="en-US" sz="1800" b="0" i="0" u="sng" strike="noStrike" dirty="0">
+                <a:solidFill>
+                  <a:srgbClr val="1155CC"/>
+                </a:solidFill>
+                <a:effectLst/>
+                <a:latin typeface="Arial" panose="020B0604020202020204" pitchFamily="34" charset="0"/>
+                <a:hlinkClick r:id="rId4"/>
+              </a:rPr>
+              <a:t>https://www.kaggle.com/datasets/prasertk/netflix-daily-top-10-in-us</a:t>
+            </a:r>
+            <a:endParaRPr lang="en-US" dirty="0"/>
+          </a:p>
+        </p:txBody>
+      </p:sp>
+    </p:spTree>
+    <p:extLst>
+      <p:ext uri="{BB962C8B-B14F-4D97-AF65-F5344CB8AC3E}">
+        <p14:creationId xmlns:p14="http://schemas.microsoft.com/office/powerpoint/2010/main" val="3172817764"/>
       </p:ext>
     </p:extLst>
   </p:cSld>
@@ -3537,8 +5102,8 @@
         </p:blipFill>
         <p:spPr>
           <a:xfrm>
-            <a:off x="229114" y="2184514"/>
-            <a:ext cx="4762157" cy="3174772"/>
+            <a:off x="368815" y="1409814"/>
+            <a:ext cx="4133678" cy="2755786"/>
           </a:xfrm>
           <a:prstGeom prst="rect">
             <a:avLst/>
@@ -3573,8 +5138,8 @@
         </p:blipFill>
         <p:spPr>
           <a:xfrm>
-            <a:off x="4953171" y="2184514"/>
-            <a:ext cx="4762157" cy="3174772"/>
+            <a:off x="4178472" y="1409815"/>
+            <a:ext cx="4133678" cy="2755786"/>
           </a:xfrm>
           <a:prstGeom prst="rect">
             <a:avLst/>
@@ -3597,7 +5162,7 @@
         </p:nvSpPr>
         <p:spPr>
           <a:xfrm>
-            <a:off x="362378" y="1009650"/>
+            <a:off x="368814" y="96523"/>
             <a:ext cx="9181586" cy="489064"/>
           </a:xfrm>
           <a:prstGeom prst="rect">
@@ -3793,10 +5358,10 @@
       </p:sp>
       <p:sp>
         <p:nvSpPr>
-          <p:cNvPr id="10" name="TextBox 9">
+          <p:cNvPr id="7" name="TextBox 6">
             <a:extLst>
               <a:ext uri="{FF2B5EF4-FFF2-40B4-BE49-F238E27FC236}">
-                <a16:creationId xmlns:a16="http://schemas.microsoft.com/office/drawing/2014/main" id="{5EB28134-3C20-40CB-3130-8C3ABB5F73BE}"/>
+                <a16:creationId xmlns:a16="http://schemas.microsoft.com/office/drawing/2014/main" id="{FB43156E-B22D-D454-7D25-A09A292D2C98}"/>
               </a:ext>
             </a:extLst>
           </p:cNvPr>
@@ -3805,8 +5370,107 @@
         </p:nvSpPr>
         <p:spPr>
           <a:xfrm>
-            <a:off x="362378" y="5911736"/>
-            <a:ext cx="6257924" cy="369332"/>
+            <a:off x="368814" y="585587"/>
+            <a:ext cx="4296176" cy="369332"/>
+          </a:xfrm>
+          <a:prstGeom prst="rect">
+            <a:avLst/>
+          </a:prstGeom>
+          <a:noFill/>
+        </p:spPr>
+        <p:txBody>
+          <a:bodyPr wrap="square">
+            <a:spAutoFit/>
+          </a:bodyPr>
+          <a:lstStyle/>
+          <a:p>
+            <a:r>
+              <a:rPr lang="en-US" sz="1800" i="1" u="sng" dirty="0">
+                <a:solidFill>
+                  <a:srgbClr val="000000"/>
+                </a:solidFill>
+                <a:latin typeface="Helvetica Neue"/>
+              </a:rPr>
+              <a:t>Movies or TV shows Trends in the past?</a:t>
+            </a:r>
+          </a:p>
+        </p:txBody>
+      </p:sp>
+      <p:sp>
+        <p:nvSpPr>
+          <p:cNvPr id="8" name="TextBox 7">
+            <a:extLst>
+              <a:ext uri="{FF2B5EF4-FFF2-40B4-BE49-F238E27FC236}">
+                <a16:creationId xmlns:a16="http://schemas.microsoft.com/office/drawing/2014/main" id="{E45503AA-05BA-4CEC-95AF-7326664F42C4}"/>
+              </a:ext>
+            </a:extLst>
+          </p:cNvPr>
+          <p:cNvSpPr txBox="1"/>
+          <p:nvPr/>
+        </p:nvSpPr>
+        <p:spPr>
+          <a:xfrm>
+            <a:off x="368814" y="4757341"/>
+            <a:ext cx="6171882" cy="923330"/>
+          </a:xfrm>
+          <a:prstGeom prst="rect">
+            <a:avLst/>
+          </a:prstGeom>
+          <a:noFill/>
+        </p:spPr>
+        <p:txBody>
+          <a:bodyPr wrap="none" rtlCol="0">
+            <a:spAutoFit/>
+          </a:bodyPr>
+          <a:lstStyle/>
+          <a:p>
+            <a:pPr marL="285750" indent="-285750">
+              <a:buFont typeface="Arial" panose="020B0604020202020204" pitchFamily="34" charset="0"/>
+              <a:buChar char="•"/>
+            </a:pPr>
+            <a:r>
+              <a:rPr lang="en-US" dirty="0"/>
+              <a:t>Overall, movies has been more produced than TV shows</a:t>
+            </a:r>
+          </a:p>
+          <a:p>
+            <a:pPr marL="285750" indent="-285750">
+              <a:buFont typeface="Arial" panose="020B0604020202020204" pitchFamily="34" charset="0"/>
+              <a:buChar char="•"/>
+            </a:pPr>
+            <a:r>
+              <a:rPr lang="en-US" dirty="0"/>
+              <a:t>The ratio of TV to Movie recently increases</a:t>
+            </a:r>
+          </a:p>
+          <a:p>
+            <a:pPr marL="285750" indent="-285750">
+              <a:buFont typeface="Arial" panose="020B0604020202020204" pitchFamily="34" charset="0"/>
+              <a:buChar char="•"/>
+            </a:pPr>
+            <a:r>
+              <a:rPr lang="en-US" dirty="0"/>
+              <a:t>Trend might shift to TV shows in the future </a:t>
+            </a:r>
+          </a:p>
+        </p:txBody>
+      </p:sp>
+      <p:sp>
+        <p:nvSpPr>
+          <p:cNvPr id="9" name="TextBox 8">
+            <a:extLst>
+              <a:ext uri="{FF2B5EF4-FFF2-40B4-BE49-F238E27FC236}">
+                <a16:creationId xmlns:a16="http://schemas.microsoft.com/office/drawing/2014/main" id="{6D09F04F-83E3-99C2-7EC5-20719874210D}"/>
+              </a:ext>
+            </a:extLst>
+          </p:cNvPr>
+          <p:cNvSpPr txBox="1"/>
+          <p:nvPr/>
+        </p:nvSpPr>
+        <p:spPr>
+          <a:xfrm>
+            <a:off x="368814" y="6272413"/>
+            <a:ext cx="5397500" cy="369332"/>
           </a:xfrm>
           <a:prstGeom prst="rect">
             <a:avLst/>
@@ -3879,7 +5543,7 @@
         </p:nvSpPr>
         <p:spPr>
           <a:xfrm>
-            <a:off x="362378" y="1009650"/>
+            <a:off x="362378" y="125802"/>
             <a:ext cx="9181586" cy="489064"/>
           </a:xfrm>
           <a:prstGeom prst="rect">
@@ -4070,48 +5734,6 @@
               <a:rPr lang="en-GB" sz="3200" b="1" dirty="0"/>
               <a:t>Production by Country from 2019 to 2021 </a:t>
             </a:r>
-          </a:p>
-        </p:txBody>
-      </p:sp>
-      <p:sp>
-        <p:nvSpPr>
-          <p:cNvPr id="10" name="TextBox 9">
-            <a:extLst>
-              <a:ext uri="{FF2B5EF4-FFF2-40B4-BE49-F238E27FC236}">
-                <a16:creationId xmlns:a16="http://schemas.microsoft.com/office/drawing/2014/main" id="{5EB28134-3C20-40CB-3130-8C3ABB5F73BE}"/>
-              </a:ext>
-            </a:extLst>
-          </p:cNvPr>
-          <p:cNvSpPr txBox="1"/>
-          <p:nvPr/>
-        </p:nvSpPr>
-        <p:spPr>
-          <a:xfrm>
-            <a:off x="362378" y="5911736"/>
-            <a:ext cx="6257924" cy="369332"/>
-          </a:xfrm>
-          <a:prstGeom prst="rect">
-            <a:avLst/>
-          </a:prstGeom>
-          <a:noFill/>
-        </p:spPr>
-        <p:txBody>
-          <a:bodyPr wrap="square">
-            <a:spAutoFit/>
-          </a:bodyPr>
-          <a:lstStyle/>
-          <a:p>
-            <a:r>
-              <a:rPr lang="en-US" b="0" i="0" dirty="0">
-                <a:solidFill>
-                  <a:srgbClr val="000000"/>
-                </a:solidFill>
-                <a:effectLst/>
-                <a:latin typeface="Times New Roman" panose="02020603050405020304" pitchFamily="18" charset="0"/>
-              </a:rPr>
-              <a:t>https://www.kaggle.com/datasets/shivamb/netflix-shows</a:t>
-            </a:r>
-            <a:endParaRPr lang="en-US" dirty="0"/>
           </a:p>
         </p:txBody>
       </p:sp>
@@ -4143,14 +5765,212 @@
         </p:blipFill>
         <p:spPr>
           <a:xfrm>
-            <a:off x="362378" y="2039340"/>
-            <a:ext cx="9142857" cy="3657143"/>
+            <a:off x="362378" y="1579804"/>
+            <a:ext cx="8362522" cy="3345009"/>
           </a:xfrm>
           <a:prstGeom prst="rect">
             <a:avLst/>
           </a:prstGeom>
         </p:spPr>
       </p:pic>
+      <p:sp>
+        <p:nvSpPr>
+          <p:cNvPr id="7" name="TextBox 6">
+            <a:extLst>
+              <a:ext uri="{FF2B5EF4-FFF2-40B4-BE49-F238E27FC236}">
+                <a16:creationId xmlns:a16="http://schemas.microsoft.com/office/drawing/2014/main" id="{4A345F77-18BA-7F21-CECF-B497731CC6D7}"/>
+              </a:ext>
+            </a:extLst>
+          </p:cNvPr>
+          <p:cNvSpPr txBox="1"/>
+          <p:nvPr/>
+        </p:nvSpPr>
+        <p:spPr>
+          <a:xfrm>
+            <a:off x="368814" y="585587"/>
+            <a:ext cx="3574622" cy="369332"/>
+          </a:xfrm>
+          <a:prstGeom prst="rect">
+            <a:avLst/>
+          </a:prstGeom>
+          <a:noFill/>
+        </p:spPr>
+        <p:txBody>
+          <a:bodyPr wrap="square">
+            <a:spAutoFit/>
+          </a:bodyPr>
+          <a:lstStyle/>
+          <a:p>
+            <a:r>
+              <a:rPr lang="en-US" sz="1800" i="1" u="sng" dirty="0">
+                <a:solidFill>
+                  <a:srgbClr val="000000"/>
+                </a:solidFill>
+                <a:latin typeface="Helvetica Neue"/>
+              </a:rPr>
+              <a:t>Movies or TV shows in the past?</a:t>
+            </a:r>
+          </a:p>
+        </p:txBody>
+      </p:sp>
+      <p:sp>
+        <p:nvSpPr>
+          <p:cNvPr id="2" name="TextBox 1">
+            <a:extLst>
+              <a:ext uri="{FF2B5EF4-FFF2-40B4-BE49-F238E27FC236}">
+                <a16:creationId xmlns:a16="http://schemas.microsoft.com/office/drawing/2014/main" id="{89A3242B-D883-02F3-BCFB-3DB5F22733EF}"/>
+              </a:ext>
+            </a:extLst>
+          </p:cNvPr>
+          <p:cNvSpPr txBox="1"/>
+          <p:nvPr/>
+        </p:nvSpPr>
+        <p:spPr>
+          <a:xfrm>
+            <a:off x="362378" y="5275447"/>
+            <a:ext cx="6970178" cy="646331"/>
+          </a:xfrm>
+          <a:prstGeom prst="rect">
+            <a:avLst/>
+          </a:prstGeom>
+          <a:noFill/>
+        </p:spPr>
+        <p:txBody>
+          <a:bodyPr wrap="none" rtlCol="0">
+            <a:spAutoFit/>
+          </a:bodyPr>
+          <a:lstStyle/>
+          <a:p>
+            <a:pPr marL="285750" indent="-285750">
+              <a:buFont typeface="Arial" panose="020B0604020202020204" pitchFamily="34" charset="0"/>
+              <a:buChar char="•"/>
+            </a:pPr>
+            <a:r>
+              <a:rPr lang="en-US" dirty="0"/>
+              <a:t>United States overwhelms other countries in Netflix production </a:t>
+            </a:r>
+          </a:p>
+          <a:p>
+            <a:pPr marL="285750" indent="-285750">
+              <a:buFont typeface="Arial" panose="020B0604020202020204" pitchFamily="34" charset="0"/>
+              <a:buChar char="•"/>
+            </a:pPr>
+            <a:r>
+              <a:rPr lang="en-US" dirty="0"/>
+              <a:t>Number of productions decrease from 2019 to 2021 </a:t>
+            </a:r>
+          </a:p>
+        </p:txBody>
+      </p:sp>
+      <p:sp>
+        <p:nvSpPr>
+          <p:cNvPr id="11" name="TextBox 10">
+            <a:extLst>
+              <a:ext uri="{FF2B5EF4-FFF2-40B4-BE49-F238E27FC236}">
+                <a16:creationId xmlns:a16="http://schemas.microsoft.com/office/drawing/2014/main" id="{3EBC2E9C-33D9-5158-E85B-B201ADD95114}"/>
+              </a:ext>
+            </a:extLst>
+          </p:cNvPr>
+          <p:cNvSpPr txBox="1"/>
+          <p:nvPr/>
+        </p:nvSpPr>
+        <p:spPr>
+          <a:xfrm>
+            <a:off x="368814" y="6272413"/>
+            <a:ext cx="5397500" cy="369332"/>
+          </a:xfrm>
+          <a:prstGeom prst="rect">
+            <a:avLst/>
+          </a:prstGeom>
+          <a:noFill/>
+        </p:spPr>
+        <p:txBody>
+          <a:bodyPr wrap="square">
+            <a:spAutoFit/>
+          </a:bodyPr>
+          <a:lstStyle/>
+          <a:p>
+            <a:r>
+              <a:rPr lang="en-US" b="0" i="0" dirty="0">
+                <a:solidFill>
+                  <a:srgbClr val="000000"/>
+                </a:solidFill>
+                <a:effectLst/>
+                <a:latin typeface="Times New Roman" panose="02020603050405020304" pitchFamily="18" charset="0"/>
+              </a:rPr>
+              <a:t>https://www.kaggle.com/datasets/shivamb/netflix-shows</a:t>
+            </a:r>
+            <a:endParaRPr lang="en-US" dirty="0"/>
+          </a:p>
+        </p:txBody>
+      </p:sp>
+      <p:sp>
+        <p:nvSpPr>
+          <p:cNvPr id="15" name="Arrow: Down 14">
+            <a:extLst>
+              <a:ext uri="{FF2B5EF4-FFF2-40B4-BE49-F238E27FC236}">
+                <a16:creationId xmlns:a16="http://schemas.microsoft.com/office/drawing/2014/main" id="{859AC340-4B83-8BE3-8C7E-3DB268B3C07E}"/>
+              </a:ext>
+            </a:extLst>
+          </p:cNvPr>
+          <p:cNvSpPr/>
+          <p:nvPr/>
+        </p:nvSpPr>
+        <p:spPr>
+          <a:xfrm flipV="1">
+            <a:off x="7721600" y="4439730"/>
+            <a:ext cx="241300" cy="660400"/>
+          </a:xfrm>
+          <a:prstGeom prst="downArrow">
+            <a:avLst/>
+          </a:prstGeom>
+          <a:solidFill>
+            <a:srgbClr val="FFC000"/>
+          </a:solidFill>
+          <a:ln>
+            <a:solidFill>
+              <a:schemeClr val="tx1"/>
+            </a:solidFill>
+          </a:ln>
+        </p:spPr>
+        <p:style>
+          <a:lnRef idx="2">
+            <a:schemeClr val="accent1">
+              <a:shade val="50000"/>
+            </a:schemeClr>
+          </a:lnRef>
+          <a:fillRef idx="1">
+            <a:schemeClr val="accent1"/>
+          </a:fillRef>
+          <a:effectRef idx="0">
+            <a:schemeClr val="accent1"/>
+          </a:effectRef>
+          <a:fontRef idx="minor">
+            <a:schemeClr val="lt1"/>
+          </a:fontRef>
+        </p:style>
+        <p:txBody>
+          <a:bodyPr rtlCol="0" anchor="ctr"/>
+          <a:lstStyle/>
+          <a:p>
+            <a:pPr algn="ctr"/>
+            <a:endParaRPr lang="en-US" b="1" dirty="0">
+              <a:ln w="22225">
+                <a:solidFill>
+                  <a:schemeClr val="accent2"/>
+                </a:solidFill>
+                <a:prstDash val="solid"/>
+              </a:ln>
+              <a:solidFill>
+                <a:schemeClr val="accent2">
+                  <a:lumMod val="40000"/>
+                  <a:lumOff val="60000"/>
+                </a:schemeClr>
+              </a:solidFill>
+            </a:endParaRPr>
+          </a:p>
+        </p:txBody>
+      </p:sp>
     </p:spTree>
     <p:extLst>
       <p:ext uri="{BB962C8B-B14F-4D97-AF65-F5344CB8AC3E}">
@@ -4161,6 +5981,84 @@
   <p:clrMapOvr>
     <a:masterClrMapping/>
   </p:clrMapOvr>
+  <p:timing>
+    <p:tnLst>
+      <p:par>
+        <p:cTn id="1" dur="indefinite" restart="never" nodeType="tmRoot">
+          <p:childTnLst>
+            <p:seq concurrent="1" nextAc="seek">
+              <p:cTn id="2" dur="indefinite" nodeType="mainSeq">
+                <p:childTnLst>
+                  <p:par>
+                    <p:cTn id="3" fill="hold">
+                      <p:stCondLst>
+                        <p:cond delay="indefinite"/>
+                      </p:stCondLst>
+                      <p:childTnLst>
+                        <p:par>
+                          <p:cTn id="4" fill="hold">
+                            <p:stCondLst>
+                              <p:cond delay="0"/>
+                            </p:stCondLst>
+                            <p:childTnLst>
+                              <p:par>
+                                <p:cTn id="5" presetID="1" presetClass="entr" presetSubtype="0" fill="hold" grpId="0" nodeType="clickEffect">
+                                  <p:stCondLst>
+                                    <p:cond delay="0"/>
+                                  </p:stCondLst>
+                                  <p:childTnLst>
+                                    <p:set>
+                                      <p:cBhvr>
+                                        <p:cTn id="6" dur="1" fill="hold">
+                                          <p:stCondLst>
+                                            <p:cond delay="0"/>
+                                          </p:stCondLst>
+                                        </p:cTn>
+                                        <p:tgtEl>
+                                          <p:spTgt spid="15"/>
+                                        </p:tgtEl>
+                                        <p:attrNameLst>
+                                          <p:attrName>style.visibility</p:attrName>
+                                        </p:attrNameLst>
+                                      </p:cBhvr>
+                                      <p:to>
+                                        <p:strVal val="visible"/>
+                                      </p:to>
+                                    </p:set>
+                                  </p:childTnLst>
+                                </p:cTn>
+                              </p:par>
+                            </p:childTnLst>
+                          </p:cTn>
+                        </p:par>
+                      </p:childTnLst>
+                    </p:cTn>
+                  </p:par>
+                </p:childTnLst>
+              </p:cTn>
+              <p:prevCondLst>
+                <p:cond evt="onPrev" delay="0">
+                  <p:tgtEl>
+                    <p:sldTgt/>
+                  </p:tgtEl>
+                </p:cond>
+              </p:prevCondLst>
+              <p:nextCondLst>
+                <p:cond evt="onNext" delay="0">
+                  <p:tgtEl>
+                    <p:sldTgt/>
+                  </p:tgtEl>
+                </p:cond>
+              </p:nextCondLst>
+            </p:seq>
+          </p:childTnLst>
+        </p:cTn>
+      </p:par>
+    </p:tnLst>
+    <p:bldLst>
+      <p:bldP spid="15" grpId="0" animBg="1"/>
+    </p:bldLst>
+  </p:timing>
 </p:sld>
 </file>
 
@@ -4181,6 +6079,282 @@
           <a:chExt cx="0" cy="0"/>
         </a:xfrm>
       </p:grpSpPr>
+      <p:pic>
+        <p:nvPicPr>
+          <p:cNvPr id="6" name="Picture 5" descr="Chart, line chart&#10;&#10;Description automatically generated">
+            <a:extLst>
+              <a:ext uri="{FF2B5EF4-FFF2-40B4-BE49-F238E27FC236}">
+                <a16:creationId xmlns:a16="http://schemas.microsoft.com/office/drawing/2014/main" id="{859CE9EF-17A4-7BAA-A1D1-A908164E6059}"/>
+              </a:ext>
+            </a:extLst>
+          </p:cNvPr>
+          <p:cNvPicPr>
+            <a:picLocks noChangeAspect="1"/>
+          </p:cNvPicPr>
+          <p:nvPr/>
+        </p:nvPicPr>
+        <p:blipFill>
+          <a:blip r:embed="rId2">
+            <a:extLst>
+              <a:ext uri="{28A0092B-C50C-407E-A947-70E740481C1C}">
+                <a14:useLocalDpi xmlns:a14="http://schemas.microsoft.com/office/drawing/2010/main" val="0"/>
+              </a:ext>
+            </a:extLst>
+          </a:blip>
+          <a:stretch>
+            <a:fillRect/>
+          </a:stretch>
+        </p:blipFill>
+        <p:spPr>
+          <a:xfrm>
+            <a:off x="1483317" y="1189495"/>
+            <a:ext cx="6718514" cy="4479010"/>
+          </a:xfrm>
+          <a:prstGeom prst="rect">
+            <a:avLst/>
+          </a:prstGeom>
+        </p:spPr>
+      </p:pic>
+      <p:sp>
+        <p:nvSpPr>
+          <p:cNvPr id="7" name="Text Placeholder 2">
+            <a:extLst>
+              <a:ext uri="{FF2B5EF4-FFF2-40B4-BE49-F238E27FC236}">
+                <a16:creationId xmlns:a16="http://schemas.microsoft.com/office/drawing/2014/main" id="{8BFD41A8-A070-92FC-FAD8-D1D199C0716D}"/>
+              </a:ext>
+            </a:extLst>
+          </p:cNvPr>
+          <p:cNvSpPr txBox="1">
+            <a:spLocks/>
+          </p:cNvSpPr>
+          <p:nvPr/>
+        </p:nvSpPr>
+        <p:spPr>
+          <a:xfrm>
+            <a:off x="368814" y="96523"/>
+            <a:ext cx="9181586" cy="489064"/>
+          </a:xfrm>
+          <a:prstGeom prst="rect">
+            <a:avLst/>
+          </a:prstGeom>
+        </p:spPr>
+        <p:txBody>
+          <a:bodyPr/>
+          <a:lstStyle>
+            <a:lvl1pPr marL="228600" indent="-228600" algn="l" defTabSz="914400" rtl="0" eaLnBrk="1" latinLnBrk="0" hangingPunct="1">
+              <a:lnSpc>
+                <a:spcPct val="90000"/>
+              </a:lnSpc>
+              <a:spcBef>
+                <a:spcPts val="1000"/>
+              </a:spcBef>
+              <a:buFontTx/>
+              <a:buBlip>
+                <a:blip r:embed="rId3"/>
+              </a:buBlip>
+              <a:defRPr sz="2800" b="0" i="0" kern="1200">
+                <a:solidFill>
+                  <a:schemeClr val="tx1"/>
+                </a:solidFill>
+                <a:latin typeface="Open Sans" panose="020B0606030504020204" pitchFamily="34" charset="0"/>
+                <a:ea typeface="Open Sans" panose="020B0606030504020204" pitchFamily="34" charset="0"/>
+                <a:cs typeface="Open Sans" panose="020B0606030504020204" pitchFamily="34" charset="0"/>
+              </a:defRPr>
+            </a:lvl1pPr>
+            <a:lvl2pPr marL="685800" indent="-228600" algn="l" defTabSz="914400" rtl="0" eaLnBrk="1" latinLnBrk="0" hangingPunct="1">
+              <a:lnSpc>
+                <a:spcPct val="90000"/>
+              </a:lnSpc>
+              <a:spcBef>
+                <a:spcPts val="500"/>
+              </a:spcBef>
+              <a:buFontTx/>
+              <a:buBlip>
+                <a:blip r:embed="rId3"/>
+              </a:buBlip>
+              <a:defRPr sz="2400" b="0" i="0" kern="1200">
+                <a:solidFill>
+                  <a:schemeClr val="tx1"/>
+                </a:solidFill>
+                <a:latin typeface="Open Sans" panose="020B0606030504020204" pitchFamily="34" charset="0"/>
+                <a:ea typeface="Open Sans" panose="020B0606030504020204" pitchFamily="34" charset="0"/>
+                <a:cs typeface="Open Sans" panose="020B0606030504020204" pitchFamily="34" charset="0"/>
+              </a:defRPr>
+            </a:lvl2pPr>
+            <a:lvl3pPr marL="1143000" indent="-228600" algn="l" defTabSz="914400" rtl="0" eaLnBrk="1" latinLnBrk="0" hangingPunct="1">
+              <a:lnSpc>
+                <a:spcPct val="90000"/>
+              </a:lnSpc>
+              <a:spcBef>
+                <a:spcPts val="500"/>
+              </a:spcBef>
+              <a:buFontTx/>
+              <a:buBlip>
+                <a:blip r:embed="rId3"/>
+              </a:buBlip>
+              <a:defRPr sz="2000" b="0" i="0" kern="1200">
+                <a:solidFill>
+                  <a:schemeClr val="tx1"/>
+                </a:solidFill>
+                <a:latin typeface="Open Sans" panose="020B0606030504020204" pitchFamily="34" charset="0"/>
+                <a:ea typeface="Open Sans" panose="020B0606030504020204" pitchFamily="34" charset="0"/>
+                <a:cs typeface="Open Sans" panose="020B0606030504020204" pitchFamily="34" charset="0"/>
+              </a:defRPr>
+            </a:lvl3pPr>
+            <a:lvl4pPr marL="1600200" indent="-228600" algn="l" defTabSz="914400" rtl="0" eaLnBrk="1" latinLnBrk="0" hangingPunct="1">
+              <a:lnSpc>
+                <a:spcPct val="90000"/>
+              </a:lnSpc>
+              <a:spcBef>
+                <a:spcPts val="500"/>
+              </a:spcBef>
+              <a:buFontTx/>
+              <a:buBlip>
+                <a:blip r:embed="rId3"/>
+              </a:buBlip>
+              <a:defRPr sz="1800" b="0" i="0" kern="1200">
+                <a:solidFill>
+                  <a:schemeClr val="tx1"/>
+                </a:solidFill>
+                <a:latin typeface="Open Sans" panose="020B0606030504020204" pitchFamily="34" charset="0"/>
+                <a:ea typeface="Open Sans" panose="020B0606030504020204" pitchFamily="34" charset="0"/>
+                <a:cs typeface="Open Sans" panose="020B0606030504020204" pitchFamily="34" charset="0"/>
+              </a:defRPr>
+            </a:lvl4pPr>
+            <a:lvl5pPr marL="2057400" indent="-228600" algn="l" defTabSz="914400" rtl="0" eaLnBrk="1" latinLnBrk="0" hangingPunct="1">
+              <a:lnSpc>
+                <a:spcPct val="90000"/>
+              </a:lnSpc>
+              <a:spcBef>
+                <a:spcPts val="500"/>
+              </a:spcBef>
+              <a:buFontTx/>
+              <a:buBlip>
+                <a:blip r:embed="rId3"/>
+              </a:buBlip>
+              <a:defRPr sz="1800" b="0" i="0" kern="1200">
+                <a:solidFill>
+                  <a:schemeClr val="tx1"/>
+                </a:solidFill>
+                <a:latin typeface="Open Sans" panose="020B0606030504020204" pitchFamily="34" charset="0"/>
+                <a:ea typeface="Open Sans" panose="020B0606030504020204" pitchFamily="34" charset="0"/>
+                <a:cs typeface="Open Sans" panose="020B0606030504020204" pitchFamily="34" charset="0"/>
+              </a:defRPr>
+            </a:lvl5pPr>
+            <a:lvl6pPr marL="2514600" indent="-228600" algn="l" defTabSz="914400" rtl="0" eaLnBrk="1" latinLnBrk="0" hangingPunct="1">
+              <a:lnSpc>
+                <a:spcPct val="90000"/>
+              </a:lnSpc>
+              <a:spcBef>
+                <a:spcPts val="500"/>
+              </a:spcBef>
+              <a:buFont typeface="Arial" panose="020B0604020202020204" pitchFamily="34" charset="0"/>
+              <a:buChar char="•"/>
+              <a:defRPr sz="1800" kern="1200">
+                <a:solidFill>
+                  <a:schemeClr val="tx1"/>
+                </a:solidFill>
+                <a:latin typeface="+mn-lt"/>
+                <a:ea typeface="+mn-ea"/>
+                <a:cs typeface="+mn-cs"/>
+              </a:defRPr>
+            </a:lvl6pPr>
+            <a:lvl7pPr marL="2971800" indent="-228600" algn="l" defTabSz="914400" rtl="0" eaLnBrk="1" latinLnBrk="0" hangingPunct="1">
+              <a:lnSpc>
+                <a:spcPct val="90000"/>
+              </a:lnSpc>
+              <a:spcBef>
+                <a:spcPts val="500"/>
+              </a:spcBef>
+              <a:buFont typeface="Arial" panose="020B0604020202020204" pitchFamily="34" charset="0"/>
+              <a:buChar char="•"/>
+              <a:defRPr sz="1800" kern="1200">
+                <a:solidFill>
+                  <a:schemeClr val="tx1"/>
+                </a:solidFill>
+                <a:latin typeface="+mn-lt"/>
+                <a:ea typeface="+mn-ea"/>
+                <a:cs typeface="+mn-cs"/>
+              </a:defRPr>
+            </a:lvl7pPr>
+            <a:lvl8pPr marL="3429000" indent="-228600" algn="l" defTabSz="914400" rtl="0" eaLnBrk="1" latinLnBrk="0" hangingPunct="1">
+              <a:lnSpc>
+                <a:spcPct val="90000"/>
+              </a:lnSpc>
+              <a:spcBef>
+                <a:spcPts val="500"/>
+              </a:spcBef>
+              <a:buFont typeface="Arial" panose="020B0604020202020204" pitchFamily="34" charset="0"/>
+              <a:buChar char="•"/>
+              <a:defRPr sz="1800" kern="1200">
+                <a:solidFill>
+                  <a:schemeClr val="tx1"/>
+                </a:solidFill>
+                <a:latin typeface="+mn-lt"/>
+                <a:ea typeface="+mn-ea"/>
+                <a:cs typeface="+mn-cs"/>
+              </a:defRPr>
+            </a:lvl8pPr>
+            <a:lvl9pPr marL="3886200" indent="-228600" algn="l" defTabSz="914400" rtl="0" eaLnBrk="1" latinLnBrk="0" hangingPunct="1">
+              <a:lnSpc>
+                <a:spcPct val="90000"/>
+              </a:lnSpc>
+              <a:spcBef>
+                <a:spcPts val="500"/>
+              </a:spcBef>
+              <a:buFont typeface="Arial" panose="020B0604020202020204" pitchFamily="34" charset="0"/>
+              <a:buChar char="•"/>
+              <a:defRPr sz="1800" kern="1200">
+                <a:solidFill>
+                  <a:schemeClr val="tx1"/>
+                </a:solidFill>
+                <a:latin typeface="+mn-lt"/>
+                <a:ea typeface="+mn-ea"/>
+                <a:cs typeface="+mn-cs"/>
+              </a:defRPr>
+            </a:lvl9pPr>
+          </a:lstStyle>
+          <a:p>
+            <a:pPr marL="0" indent="0">
+              <a:buNone/>
+            </a:pPr>
+            <a:r>
+              <a:rPr lang="en-GB" sz="3200" b="1" dirty="0"/>
+              <a:t>Movie and TV Productions from 2006 to 2021 </a:t>
+            </a:r>
+          </a:p>
+        </p:txBody>
+      </p:sp>
+    </p:spTree>
+    <p:extLst>
+      <p:ext uri="{BB962C8B-B14F-4D97-AF65-F5344CB8AC3E}">
+        <p14:creationId xmlns:p14="http://schemas.microsoft.com/office/powerpoint/2010/main" val="2279533921"/>
+      </p:ext>
+    </p:extLst>
+  </p:cSld>
+  <p:clrMapOvr>
+    <a:masterClrMapping/>
+  </p:clrMapOvr>
+</p:sld>
+</file>
+
+<file path=ppt/slides/slide6.xml><?xml version="1.0" encoding="utf-8"?>
+<p:sld xmlns:a="http://schemas.openxmlformats.org/drawingml/2006/main" xmlns:r="http://schemas.openxmlformats.org/officeDocument/2006/relationships" xmlns:p="http://schemas.openxmlformats.org/presentationml/2006/main">
+  <p:cSld>
+    <p:spTree>
+      <p:nvGrpSpPr>
+        <p:cNvPr id="1" name=""/>
+        <p:cNvGrpSpPr/>
+        <p:nvPr/>
+      </p:nvGrpSpPr>
+      <p:grpSpPr>
+        <a:xfrm>
+          <a:off x="0" y="0"/>
+          <a:ext cx="0" cy="0"/>
+          <a:chOff x="0" y="0"/>
+          <a:chExt cx="0" cy="0"/>
+        </a:xfrm>
+      </p:grpSpPr>
       <p:sp>
         <p:nvSpPr>
           <p:cNvPr id="6" name="Text Placeholder 2">
@@ -4197,8 +6371,8 @@
         </p:nvSpPr>
         <p:spPr>
           <a:xfrm>
-            <a:off x="362378" y="1009650"/>
-            <a:ext cx="9604582" cy="489064"/>
+            <a:off x="333120" y="46625"/>
+            <a:ext cx="8044393" cy="489064"/>
           </a:xfrm>
           <a:prstGeom prst="rect">
             <a:avLst/>
@@ -4386,50 +6560,8 @@
             </a:pPr>
             <a:r>
               <a:rPr lang="en-GB" sz="3200" b="1" dirty="0"/>
-              <a:t>Popularity by Movie Rating from 2019 to 2021 </a:t>
-            </a:r>
-          </a:p>
-        </p:txBody>
-      </p:sp>
-      <p:sp>
-        <p:nvSpPr>
-          <p:cNvPr id="10" name="TextBox 9">
-            <a:extLst>
-              <a:ext uri="{FF2B5EF4-FFF2-40B4-BE49-F238E27FC236}">
-                <a16:creationId xmlns:a16="http://schemas.microsoft.com/office/drawing/2014/main" id="{5EB28134-3C20-40CB-3130-8C3ABB5F73BE}"/>
-              </a:ext>
-            </a:extLst>
-          </p:cNvPr>
-          <p:cNvSpPr txBox="1"/>
-          <p:nvPr/>
-        </p:nvSpPr>
-        <p:spPr>
-          <a:xfrm>
-            <a:off x="362378" y="5911736"/>
-            <a:ext cx="6257924" cy="369332"/>
-          </a:xfrm>
-          <a:prstGeom prst="rect">
-            <a:avLst/>
-          </a:prstGeom>
-          <a:noFill/>
-        </p:spPr>
-        <p:txBody>
-          <a:bodyPr wrap="square">
-            <a:spAutoFit/>
-          </a:bodyPr>
-          <a:lstStyle/>
-          <a:p>
-            <a:r>
-              <a:rPr lang="en-US" b="0" i="0" dirty="0">
-                <a:solidFill>
-                  <a:srgbClr val="000000"/>
-                </a:solidFill>
-                <a:effectLst/>
-                <a:latin typeface="Times New Roman" panose="02020603050405020304" pitchFamily="18" charset="0"/>
-              </a:rPr>
-              <a:t>https://www.kaggle.com/datasets/shivamb/netflix-shows</a:t>
-            </a:r>
-            <a:endParaRPr lang="en-US" dirty="0"/>
+              <a:t>Popularity by Rating from 2019 to 2021 </a:t>
+            </a:r>
           </a:p>
         </p:txBody>
       </p:sp>
@@ -4461,8 +6593,654 @@
         </p:blipFill>
         <p:spPr>
           <a:xfrm>
-            <a:off x="401107" y="2057571"/>
-            <a:ext cx="9986477" cy="2995943"/>
+            <a:off x="54267" y="1213379"/>
+            <a:ext cx="8521153" cy="2556346"/>
+          </a:xfrm>
+          <a:prstGeom prst="rect">
+            <a:avLst/>
+          </a:prstGeom>
+        </p:spPr>
+      </p:pic>
+      <p:pic>
+        <p:nvPicPr>
+          <p:cNvPr id="16" name="Picture 15">
+            <a:extLst>
+              <a:ext uri="{FF2B5EF4-FFF2-40B4-BE49-F238E27FC236}">
+                <a16:creationId xmlns:a16="http://schemas.microsoft.com/office/drawing/2014/main" id="{2EE14D88-50CB-10D0-0C3C-77CC4CB954C3}"/>
+              </a:ext>
+            </a:extLst>
+          </p:cNvPr>
+          <p:cNvPicPr>
+            <a:picLocks noChangeAspect="1"/>
+          </p:cNvPicPr>
+          <p:nvPr/>
+        </p:nvPicPr>
+        <p:blipFill>
+          <a:blip r:embed="rId4"/>
+          <a:stretch>
+            <a:fillRect/>
+          </a:stretch>
+        </p:blipFill>
+        <p:spPr>
+          <a:xfrm>
+            <a:off x="104520" y="3939415"/>
+            <a:ext cx="8458200" cy="2686050"/>
+          </a:xfrm>
+          <a:prstGeom prst="rect">
+            <a:avLst/>
+          </a:prstGeom>
+        </p:spPr>
+      </p:pic>
+      <p:sp>
+        <p:nvSpPr>
+          <p:cNvPr id="17" name="TextBox 16">
+            <a:extLst>
+              <a:ext uri="{FF2B5EF4-FFF2-40B4-BE49-F238E27FC236}">
+                <a16:creationId xmlns:a16="http://schemas.microsoft.com/office/drawing/2014/main" id="{6E199E28-61E1-C5B2-C069-2CCCD361D180}"/>
+              </a:ext>
+            </a:extLst>
+          </p:cNvPr>
+          <p:cNvSpPr txBox="1"/>
+          <p:nvPr/>
+        </p:nvSpPr>
+        <p:spPr>
+          <a:xfrm>
+            <a:off x="368814" y="585587"/>
+            <a:ext cx="3574622" cy="369332"/>
+          </a:xfrm>
+          <a:prstGeom prst="rect">
+            <a:avLst/>
+          </a:prstGeom>
+          <a:noFill/>
+        </p:spPr>
+        <p:txBody>
+          <a:bodyPr wrap="square">
+            <a:spAutoFit/>
+          </a:bodyPr>
+          <a:lstStyle/>
+          <a:p>
+            <a:r>
+              <a:rPr lang="en-US" sz="1800" i="1" u="sng" dirty="0">
+                <a:solidFill>
+                  <a:srgbClr val="000000"/>
+                </a:solidFill>
+                <a:latin typeface="Helvetica Neue"/>
+              </a:rPr>
+              <a:t>Movies or TV shows in the past?</a:t>
+            </a:r>
+          </a:p>
+        </p:txBody>
+      </p:sp>
+      <p:sp>
+        <p:nvSpPr>
+          <p:cNvPr id="18" name="TextBox 17">
+            <a:extLst>
+              <a:ext uri="{FF2B5EF4-FFF2-40B4-BE49-F238E27FC236}">
+                <a16:creationId xmlns:a16="http://schemas.microsoft.com/office/drawing/2014/main" id="{0CFAD19F-A510-2D48-250D-413A9EBA4A44}"/>
+              </a:ext>
+            </a:extLst>
+          </p:cNvPr>
+          <p:cNvSpPr txBox="1"/>
+          <p:nvPr/>
+        </p:nvSpPr>
+        <p:spPr>
+          <a:xfrm>
+            <a:off x="8562720" y="3169560"/>
+            <a:ext cx="3613490" cy="1200329"/>
+          </a:xfrm>
+          <a:prstGeom prst="rect">
+            <a:avLst/>
+          </a:prstGeom>
+          <a:noFill/>
+        </p:spPr>
+        <p:txBody>
+          <a:bodyPr wrap="none" rtlCol="0">
+            <a:spAutoFit/>
+          </a:bodyPr>
+          <a:lstStyle/>
+          <a:p>
+            <a:pPr marL="285750" indent="-285750">
+              <a:buFont typeface="Arial" panose="020B0604020202020204" pitchFamily="34" charset="0"/>
+              <a:buChar char="•"/>
+            </a:pPr>
+            <a:r>
+              <a:rPr lang="en-US" dirty="0"/>
+              <a:t>TV-MA rating always high but</a:t>
+            </a:r>
+          </a:p>
+          <a:p>
+            <a:r>
+              <a:rPr lang="en-US" dirty="0"/>
+              <a:t>     decreasing</a:t>
+            </a:r>
+          </a:p>
+          <a:p>
+            <a:endParaRPr lang="en-US" dirty="0"/>
+          </a:p>
+          <a:p>
+            <a:pPr marL="285750" indent="-285750">
+              <a:buFont typeface="Arial" panose="020B0604020202020204" pitchFamily="34" charset="0"/>
+              <a:buChar char="•"/>
+            </a:pPr>
+            <a:r>
+              <a:rPr lang="en-US" dirty="0"/>
+              <a:t>PG, PG-13, TV-Y7 is increasing</a:t>
+            </a:r>
+          </a:p>
+        </p:txBody>
+      </p:sp>
+    </p:spTree>
+    <p:extLst>
+      <p:ext uri="{BB962C8B-B14F-4D97-AF65-F5344CB8AC3E}">
+        <p14:creationId xmlns:p14="http://schemas.microsoft.com/office/powerpoint/2010/main" val="162333437"/>
+      </p:ext>
+    </p:extLst>
+  </p:cSld>
+  <p:clrMapOvr>
+    <a:masterClrMapping/>
+  </p:clrMapOvr>
+</p:sld>
+</file>
+
+<file path=ppt/slides/slide7.xml><?xml version="1.0" encoding="utf-8"?>
+<p:sld xmlns:a="http://schemas.openxmlformats.org/drawingml/2006/main" xmlns:r="http://schemas.openxmlformats.org/officeDocument/2006/relationships" xmlns:p="http://schemas.openxmlformats.org/presentationml/2006/main">
+  <p:cSld>
+    <p:spTree>
+      <p:nvGrpSpPr>
+        <p:cNvPr id="1" name=""/>
+        <p:cNvGrpSpPr/>
+        <p:nvPr/>
+      </p:nvGrpSpPr>
+      <p:grpSpPr>
+        <a:xfrm>
+          <a:off x="0" y="0"/>
+          <a:ext cx="0" cy="0"/>
+          <a:chOff x="0" y="0"/>
+          <a:chExt cx="0" cy="0"/>
+        </a:xfrm>
+      </p:grpSpPr>
+      <p:sp>
+        <p:nvSpPr>
+          <p:cNvPr id="4" name="TextBox 3">
+            <a:extLst>
+              <a:ext uri="{FF2B5EF4-FFF2-40B4-BE49-F238E27FC236}">
+                <a16:creationId xmlns:a16="http://schemas.microsoft.com/office/drawing/2014/main" id="{4674F5AE-A8A4-2F28-DA39-A81BEC27A44A}"/>
+              </a:ext>
+            </a:extLst>
+          </p:cNvPr>
+          <p:cNvSpPr txBox="1"/>
+          <p:nvPr/>
+        </p:nvSpPr>
+        <p:spPr>
+          <a:xfrm>
+            <a:off x="336550" y="2565400"/>
+            <a:ext cx="9302750" cy="1477328"/>
+          </a:xfrm>
+          <a:prstGeom prst="rect">
+            <a:avLst/>
+          </a:prstGeom>
+          <a:noFill/>
+        </p:spPr>
+        <p:txBody>
+          <a:bodyPr wrap="square">
+            <a:spAutoFit/>
+          </a:bodyPr>
+          <a:lstStyle/>
+          <a:p>
+            <a:pPr marL="285750" indent="-285750">
+              <a:buFont typeface="Arial" panose="020B0604020202020204" pitchFamily="34" charset="0"/>
+              <a:buChar char="•"/>
+            </a:pPr>
+            <a:r>
+              <a:rPr lang="en-US" b="0" i="0" dirty="0">
+                <a:solidFill>
+                  <a:srgbClr val="000000"/>
+                </a:solidFill>
+                <a:effectLst/>
+                <a:latin typeface="Helvetica Neue"/>
+              </a:rPr>
+              <a:t>TV Shows are often cheaper to make and is usually 2-10 times faster than Movies in production.</a:t>
+            </a:r>
+          </a:p>
+          <a:p>
+            <a:r>
+              <a:rPr lang="en-US" b="0" i="0" dirty="0">
+                <a:solidFill>
+                  <a:srgbClr val="000000"/>
+                </a:solidFill>
+                <a:effectLst/>
+                <a:latin typeface="Helvetica Neue"/>
+              </a:rPr>
+              <a:t> </a:t>
+            </a:r>
+          </a:p>
+          <a:p>
+            <a:pPr marL="285750" indent="-285750">
+              <a:buFont typeface="Arial" panose="020B0604020202020204" pitchFamily="34" charset="0"/>
+              <a:buChar char="•"/>
+            </a:pPr>
+            <a:r>
+              <a:rPr lang="en-US" b="0" i="0" dirty="0">
+                <a:solidFill>
+                  <a:srgbClr val="000000"/>
+                </a:solidFill>
+                <a:effectLst/>
+                <a:latin typeface="Helvetica Neue"/>
+              </a:rPr>
+              <a:t>Dataset might demonstrate that Netflix is leaning towards TV shows in the future because it has a higher profit margin, or it is cheaper to stream on their services.</a:t>
+            </a:r>
+            <a:endParaRPr lang="en-US" dirty="0"/>
+          </a:p>
+        </p:txBody>
+      </p:sp>
+      <p:sp>
+        <p:nvSpPr>
+          <p:cNvPr id="5" name="Text Placeholder 2">
+            <a:extLst>
+              <a:ext uri="{FF2B5EF4-FFF2-40B4-BE49-F238E27FC236}">
+                <a16:creationId xmlns:a16="http://schemas.microsoft.com/office/drawing/2014/main" id="{113E0CBD-45F3-B003-A61C-DFB5A5FE3A6F}"/>
+              </a:ext>
+            </a:extLst>
+          </p:cNvPr>
+          <p:cNvSpPr txBox="1">
+            <a:spLocks/>
+          </p:cNvSpPr>
+          <p:nvPr/>
+        </p:nvSpPr>
+        <p:spPr>
+          <a:xfrm>
+            <a:off x="333120" y="108617"/>
+            <a:ext cx="5928195" cy="489064"/>
+          </a:xfrm>
+          <a:prstGeom prst="rect">
+            <a:avLst/>
+          </a:prstGeom>
+        </p:spPr>
+        <p:txBody>
+          <a:bodyPr/>
+          <a:lstStyle>
+            <a:lvl1pPr marL="228600" indent="-228600" algn="l" defTabSz="914400" rtl="0" eaLnBrk="1" latinLnBrk="0" hangingPunct="1">
+              <a:lnSpc>
+                <a:spcPct val="90000"/>
+              </a:lnSpc>
+              <a:spcBef>
+                <a:spcPts val="1000"/>
+              </a:spcBef>
+              <a:buFontTx/>
+              <a:buBlip>
+                <a:blip r:embed="rId2"/>
+              </a:buBlip>
+              <a:defRPr sz="2800" b="0" i="0" kern="1200">
+                <a:solidFill>
+                  <a:schemeClr val="tx1"/>
+                </a:solidFill>
+                <a:latin typeface="Open Sans" panose="020B0606030504020204" pitchFamily="34" charset="0"/>
+                <a:ea typeface="Open Sans" panose="020B0606030504020204" pitchFamily="34" charset="0"/>
+                <a:cs typeface="Open Sans" panose="020B0606030504020204" pitchFamily="34" charset="0"/>
+              </a:defRPr>
+            </a:lvl1pPr>
+            <a:lvl2pPr marL="685800" indent="-228600" algn="l" defTabSz="914400" rtl="0" eaLnBrk="1" latinLnBrk="0" hangingPunct="1">
+              <a:lnSpc>
+                <a:spcPct val="90000"/>
+              </a:lnSpc>
+              <a:spcBef>
+                <a:spcPts val="500"/>
+              </a:spcBef>
+              <a:buFontTx/>
+              <a:buBlip>
+                <a:blip r:embed="rId2"/>
+              </a:buBlip>
+              <a:defRPr sz="2400" b="0" i="0" kern="1200">
+                <a:solidFill>
+                  <a:schemeClr val="tx1"/>
+                </a:solidFill>
+                <a:latin typeface="Open Sans" panose="020B0606030504020204" pitchFamily="34" charset="0"/>
+                <a:ea typeface="Open Sans" panose="020B0606030504020204" pitchFamily="34" charset="0"/>
+                <a:cs typeface="Open Sans" panose="020B0606030504020204" pitchFamily="34" charset="0"/>
+              </a:defRPr>
+            </a:lvl2pPr>
+            <a:lvl3pPr marL="1143000" indent="-228600" algn="l" defTabSz="914400" rtl="0" eaLnBrk="1" latinLnBrk="0" hangingPunct="1">
+              <a:lnSpc>
+                <a:spcPct val="90000"/>
+              </a:lnSpc>
+              <a:spcBef>
+                <a:spcPts val="500"/>
+              </a:spcBef>
+              <a:buFontTx/>
+              <a:buBlip>
+                <a:blip r:embed="rId2"/>
+              </a:buBlip>
+              <a:defRPr sz="2000" b="0" i="0" kern="1200">
+                <a:solidFill>
+                  <a:schemeClr val="tx1"/>
+                </a:solidFill>
+                <a:latin typeface="Open Sans" panose="020B0606030504020204" pitchFamily="34" charset="0"/>
+                <a:ea typeface="Open Sans" panose="020B0606030504020204" pitchFamily="34" charset="0"/>
+                <a:cs typeface="Open Sans" panose="020B0606030504020204" pitchFamily="34" charset="0"/>
+              </a:defRPr>
+            </a:lvl3pPr>
+            <a:lvl4pPr marL="1600200" indent="-228600" algn="l" defTabSz="914400" rtl="0" eaLnBrk="1" latinLnBrk="0" hangingPunct="1">
+              <a:lnSpc>
+                <a:spcPct val="90000"/>
+              </a:lnSpc>
+              <a:spcBef>
+                <a:spcPts val="500"/>
+              </a:spcBef>
+              <a:buFontTx/>
+              <a:buBlip>
+                <a:blip r:embed="rId2"/>
+              </a:buBlip>
+              <a:defRPr sz="1800" b="0" i="0" kern="1200">
+                <a:solidFill>
+                  <a:schemeClr val="tx1"/>
+                </a:solidFill>
+                <a:latin typeface="Open Sans" panose="020B0606030504020204" pitchFamily="34" charset="0"/>
+                <a:ea typeface="Open Sans" panose="020B0606030504020204" pitchFamily="34" charset="0"/>
+                <a:cs typeface="Open Sans" panose="020B0606030504020204" pitchFamily="34" charset="0"/>
+              </a:defRPr>
+            </a:lvl4pPr>
+            <a:lvl5pPr marL="2057400" indent="-228600" algn="l" defTabSz="914400" rtl="0" eaLnBrk="1" latinLnBrk="0" hangingPunct="1">
+              <a:lnSpc>
+                <a:spcPct val="90000"/>
+              </a:lnSpc>
+              <a:spcBef>
+                <a:spcPts val="500"/>
+              </a:spcBef>
+              <a:buFontTx/>
+              <a:buBlip>
+                <a:blip r:embed="rId2"/>
+              </a:buBlip>
+              <a:defRPr sz="1800" b="0" i="0" kern="1200">
+                <a:solidFill>
+                  <a:schemeClr val="tx1"/>
+                </a:solidFill>
+                <a:latin typeface="Open Sans" panose="020B0606030504020204" pitchFamily="34" charset="0"/>
+                <a:ea typeface="Open Sans" panose="020B0606030504020204" pitchFamily="34" charset="0"/>
+                <a:cs typeface="Open Sans" panose="020B0606030504020204" pitchFamily="34" charset="0"/>
+              </a:defRPr>
+            </a:lvl5pPr>
+            <a:lvl6pPr marL="2514600" indent="-228600" algn="l" defTabSz="914400" rtl="0" eaLnBrk="1" latinLnBrk="0" hangingPunct="1">
+              <a:lnSpc>
+                <a:spcPct val="90000"/>
+              </a:lnSpc>
+              <a:spcBef>
+                <a:spcPts val="500"/>
+              </a:spcBef>
+              <a:buFont typeface="Arial" panose="020B0604020202020204" pitchFamily="34" charset="0"/>
+              <a:buChar char="•"/>
+              <a:defRPr sz="1800" kern="1200">
+                <a:solidFill>
+                  <a:schemeClr val="tx1"/>
+                </a:solidFill>
+                <a:latin typeface="+mn-lt"/>
+                <a:ea typeface="+mn-ea"/>
+                <a:cs typeface="+mn-cs"/>
+              </a:defRPr>
+            </a:lvl6pPr>
+            <a:lvl7pPr marL="2971800" indent="-228600" algn="l" defTabSz="914400" rtl="0" eaLnBrk="1" latinLnBrk="0" hangingPunct="1">
+              <a:lnSpc>
+                <a:spcPct val="90000"/>
+              </a:lnSpc>
+              <a:spcBef>
+                <a:spcPts val="500"/>
+              </a:spcBef>
+              <a:buFont typeface="Arial" panose="020B0604020202020204" pitchFamily="34" charset="0"/>
+              <a:buChar char="•"/>
+              <a:defRPr sz="1800" kern="1200">
+                <a:solidFill>
+                  <a:schemeClr val="tx1"/>
+                </a:solidFill>
+                <a:latin typeface="+mn-lt"/>
+                <a:ea typeface="+mn-ea"/>
+                <a:cs typeface="+mn-cs"/>
+              </a:defRPr>
+            </a:lvl7pPr>
+            <a:lvl8pPr marL="3429000" indent="-228600" algn="l" defTabSz="914400" rtl="0" eaLnBrk="1" latinLnBrk="0" hangingPunct="1">
+              <a:lnSpc>
+                <a:spcPct val="90000"/>
+              </a:lnSpc>
+              <a:spcBef>
+                <a:spcPts val="500"/>
+              </a:spcBef>
+              <a:buFont typeface="Arial" panose="020B0604020202020204" pitchFamily="34" charset="0"/>
+              <a:buChar char="•"/>
+              <a:defRPr sz="1800" kern="1200">
+                <a:solidFill>
+                  <a:schemeClr val="tx1"/>
+                </a:solidFill>
+                <a:latin typeface="+mn-lt"/>
+                <a:ea typeface="+mn-ea"/>
+                <a:cs typeface="+mn-cs"/>
+              </a:defRPr>
+            </a:lvl8pPr>
+            <a:lvl9pPr marL="3886200" indent="-228600" algn="l" defTabSz="914400" rtl="0" eaLnBrk="1" latinLnBrk="0" hangingPunct="1">
+              <a:lnSpc>
+                <a:spcPct val="90000"/>
+              </a:lnSpc>
+              <a:spcBef>
+                <a:spcPts val="500"/>
+              </a:spcBef>
+              <a:buFont typeface="Arial" panose="020B0604020202020204" pitchFamily="34" charset="0"/>
+              <a:buChar char="•"/>
+              <a:defRPr sz="1800" kern="1200">
+                <a:solidFill>
+                  <a:schemeClr val="tx1"/>
+                </a:solidFill>
+                <a:latin typeface="+mn-lt"/>
+                <a:ea typeface="+mn-ea"/>
+                <a:cs typeface="+mn-cs"/>
+              </a:defRPr>
+            </a:lvl9pPr>
+          </a:lstStyle>
+          <a:p>
+            <a:pPr marL="0" indent="0">
+              <a:buNone/>
+            </a:pPr>
+            <a:r>
+              <a:rPr lang="en-GB" sz="3200" b="1" dirty="0"/>
+              <a:t>Discussion and Conclusion</a:t>
+            </a:r>
+          </a:p>
+        </p:txBody>
+      </p:sp>
+    </p:spTree>
+    <p:extLst>
+      <p:ext uri="{BB962C8B-B14F-4D97-AF65-F5344CB8AC3E}">
+        <p14:creationId xmlns:p14="http://schemas.microsoft.com/office/powerpoint/2010/main" val="356324731"/>
+      </p:ext>
+    </p:extLst>
+  </p:cSld>
+  <p:clrMapOvr>
+    <a:masterClrMapping/>
+  </p:clrMapOvr>
+</p:sld>
+</file>
+
+<file path=ppt/slides/slide8.xml><?xml version="1.0" encoding="utf-8"?>
+<p:sld xmlns:a="http://schemas.openxmlformats.org/drawingml/2006/main" xmlns:r="http://schemas.openxmlformats.org/officeDocument/2006/relationships" xmlns:p="http://schemas.openxmlformats.org/presentationml/2006/main">
+  <p:cSld>
+    <p:spTree>
+      <p:nvGrpSpPr>
+        <p:cNvPr id="1" name=""/>
+        <p:cNvGrpSpPr/>
+        <p:nvPr/>
+      </p:nvGrpSpPr>
+      <p:grpSpPr>
+        <a:xfrm>
+          <a:off x="0" y="0"/>
+          <a:ext cx="0" cy="0"/>
+          <a:chOff x="0" y="0"/>
+          <a:chExt cx="0" cy="0"/>
+        </a:xfrm>
+      </p:grpSpPr>
+      <p:pic>
+        <p:nvPicPr>
+          <p:cNvPr id="7" name="Picture 6" descr="Chart, pie chart&#10;&#10;Description automatically generated">
+            <a:extLst>
+              <a:ext uri="{FF2B5EF4-FFF2-40B4-BE49-F238E27FC236}">
+                <a16:creationId xmlns:a16="http://schemas.microsoft.com/office/drawing/2014/main" id="{8F115304-8055-634A-9277-5C5EAFCC870F}"/>
+              </a:ext>
+            </a:extLst>
+          </p:cNvPr>
+          <p:cNvPicPr>
+            <a:picLocks noChangeAspect="1"/>
+          </p:cNvPicPr>
+          <p:nvPr/>
+        </p:nvPicPr>
+        <p:blipFill>
+          <a:blip r:embed="rId2">
+            <a:extLst>
+              <a:ext uri="{28A0092B-C50C-407E-A947-70E740481C1C}">
+                <a14:useLocalDpi xmlns:a14="http://schemas.microsoft.com/office/drawing/2010/main" val="0"/>
+              </a:ext>
+            </a:extLst>
+          </a:blip>
+          <a:stretch>
+            <a:fillRect/>
+          </a:stretch>
+        </p:blipFill>
+        <p:spPr>
+          <a:xfrm>
+            <a:off x="2053811" y="1437752"/>
+            <a:ext cx="4889430" cy="4889430"/>
+          </a:xfrm>
+          <a:prstGeom prst="rect">
+            <a:avLst/>
+          </a:prstGeom>
+        </p:spPr>
+      </p:pic>
+      <p:sp>
+        <p:nvSpPr>
+          <p:cNvPr id="9" name="TextBox 8">
+            <a:extLst>
+              <a:ext uri="{FF2B5EF4-FFF2-40B4-BE49-F238E27FC236}">
+                <a16:creationId xmlns:a16="http://schemas.microsoft.com/office/drawing/2014/main" id="{6CEA0B97-106A-A9BE-D888-DA0E9EE972A8}"/>
+              </a:ext>
+            </a:extLst>
+          </p:cNvPr>
+          <p:cNvSpPr txBox="1"/>
+          <p:nvPr/>
+        </p:nvSpPr>
+        <p:spPr>
+          <a:xfrm>
+            <a:off x="391474" y="238430"/>
+            <a:ext cx="8214103" cy="584775"/>
+          </a:xfrm>
+          <a:prstGeom prst="rect">
+            <a:avLst/>
+          </a:prstGeom>
+          <a:noFill/>
+        </p:spPr>
+        <p:txBody>
+          <a:bodyPr wrap="square" rtlCol="0">
+            <a:spAutoFit/>
+          </a:bodyPr>
+          <a:lstStyle/>
+          <a:p>
+            <a:r>
+              <a:rPr lang="en-US" sz="3200" b="1" dirty="0">
+                <a:latin typeface="Open Sans" panose="020B0606030504020204" pitchFamily="34" charset="0"/>
+                <a:ea typeface="Open Sans" panose="020B0606030504020204" pitchFamily="34" charset="0"/>
+                <a:cs typeface="Open Sans" panose="020B0606030504020204" pitchFamily="34" charset="0"/>
+              </a:rPr>
+              <a:t>Does Netflix prefer movies or tv shows?</a:t>
+            </a:r>
+          </a:p>
+        </p:txBody>
+      </p:sp>
+    </p:spTree>
+    <p:extLst>
+      <p:ext uri="{BB962C8B-B14F-4D97-AF65-F5344CB8AC3E}">
+        <p14:creationId xmlns:p14="http://schemas.microsoft.com/office/powerpoint/2010/main" val="560814314"/>
+      </p:ext>
+    </p:extLst>
+  </p:cSld>
+  <p:clrMapOvr>
+    <a:masterClrMapping/>
+  </p:clrMapOvr>
+</p:sld>
+</file>
+
+<file path=ppt/slides/slide9.xml><?xml version="1.0" encoding="utf-8"?>
+<p:sld xmlns:a="http://schemas.openxmlformats.org/drawingml/2006/main" xmlns:r="http://schemas.openxmlformats.org/officeDocument/2006/relationships" xmlns:p="http://schemas.openxmlformats.org/presentationml/2006/main">
+  <p:cSld>
+    <p:spTree>
+      <p:nvGrpSpPr>
+        <p:cNvPr id="1" name=""/>
+        <p:cNvGrpSpPr/>
+        <p:nvPr/>
+      </p:nvGrpSpPr>
+      <p:grpSpPr>
+        <a:xfrm>
+          <a:off x="0" y="0"/>
+          <a:ext cx="0" cy="0"/>
+          <a:chOff x="0" y="0"/>
+          <a:chExt cx="0" cy="0"/>
+        </a:xfrm>
+      </p:grpSpPr>
+      <p:sp>
+        <p:nvSpPr>
+          <p:cNvPr id="5" name="TextBox 4">
+            <a:extLst>
+              <a:ext uri="{FF2B5EF4-FFF2-40B4-BE49-F238E27FC236}">
+                <a16:creationId xmlns:a16="http://schemas.microsoft.com/office/drawing/2014/main" id="{89DD604B-04B6-6E27-70E0-D857309E5875}"/>
+              </a:ext>
+            </a:extLst>
+          </p:cNvPr>
+          <p:cNvSpPr txBox="1"/>
+          <p:nvPr/>
+        </p:nvSpPr>
+        <p:spPr>
+          <a:xfrm>
+            <a:off x="371957" y="126965"/>
+            <a:ext cx="8214103" cy="707886"/>
+          </a:xfrm>
+          <a:prstGeom prst="rect">
+            <a:avLst/>
+          </a:prstGeom>
+          <a:noFill/>
+        </p:spPr>
+        <p:txBody>
+          <a:bodyPr wrap="square" rtlCol="0">
+            <a:spAutoFit/>
+          </a:bodyPr>
+          <a:lstStyle/>
+          <a:p>
+            <a:r>
+              <a:rPr lang="en-US" sz="2000" b="1" dirty="0">
+                <a:latin typeface="Open Sans" panose="020B0606030504020204" pitchFamily="34" charset="0"/>
+                <a:ea typeface="Open Sans" panose="020B0606030504020204" pitchFamily="34" charset="0"/>
+                <a:cs typeface="Open Sans" panose="020B0606030504020204" pitchFamily="34" charset="0"/>
+              </a:rPr>
+              <a:t>What are the top genres distributed by Netflix for both movies and tv shows in the last three years (2019, 2020, 2021)?</a:t>
+            </a:r>
+          </a:p>
+        </p:txBody>
+      </p:sp>
+      <p:pic>
+        <p:nvPicPr>
+          <p:cNvPr id="6" name="Picture 5">
+            <a:extLst>
+              <a:ext uri="{FF2B5EF4-FFF2-40B4-BE49-F238E27FC236}">
+                <a16:creationId xmlns:a16="http://schemas.microsoft.com/office/drawing/2014/main" id="{28BD2991-7A52-C13C-B81F-C5D524BC2634}"/>
+              </a:ext>
+            </a:extLst>
+          </p:cNvPr>
+          <p:cNvPicPr>
+            <a:picLocks noChangeAspect="1"/>
+          </p:cNvPicPr>
+          <p:nvPr/>
+        </p:nvPicPr>
+        <p:blipFill>
+          <a:blip r:embed="rId2"/>
+          <a:stretch>
+            <a:fillRect/>
+          </a:stretch>
+        </p:blipFill>
+        <p:spPr>
+          <a:xfrm>
+            <a:off x="480445" y="1584459"/>
+            <a:ext cx="9289770" cy="4056925"/>
           </a:xfrm>
           <a:prstGeom prst="rect">
             <a:avLst/>
@@ -4472,7 +7250,7 @@
     </p:spTree>
     <p:extLst>
       <p:ext uri="{BB962C8B-B14F-4D97-AF65-F5344CB8AC3E}">
-        <p14:creationId xmlns:p14="http://schemas.microsoft.com/office/powerpoint/2010/main" val="162333437"/>
+        <p14:creationId xmlns:p14="http://schemas.microsoft.com/office/powerpoint/2010/main" val="2803995205"/>
       </p:ext>
     </p:extLst>
   </p:cSld>

--- a/TeamProjectPPT.pptx
+++ b/TeamProjectPPT.pptx
@@ -17,10 +17,11 @@
     <p:sldId id="265" r:id="rId11"/>
     <p:sldId id="266" r:id="rId12"/>
     <p:sldId id="271" r:id="rId13"/>
-    <p:sldId id="268" r:id="rId14"/>
-    <p:sldId id="273" r:id="rId15"/>
-    <p:sldId id="274" r:id="rId16"/>
-    <p:sldId id="275" r:id="rId17"/>
+    <p:sldId id="276" r:id="rId14"/>
+    <p:sldId id="277" r:id="rId15"/>
+    <p:sldId id="278" r:id="rId16"/>
+    <p:sldId id="273" r:id="rId17"/>
+    <p:sldId id="274" r:id="rId18"/>
   </p:sldIdLst>
   <p:sldSz cx="12192000" cy="6858000"/>
   <p:notesSz cx="6858000" cy="9144000"/>
@@ -292,7 +293,7 @@
             <a:fld id="{276D79ED-3FA7-4EF8-964B-EB8BCFAB02F8}" type="datetimeFigureOut">
               <a:rPr lang="en-US" smtClean="0"/>
               <a:pPr/>
-              <a:t>5/9/2022</a:t>
+              <a:t>5/10/2022</a:t>
             </a:fld>
             <a:endParaRPr lang="en-US"/>
           </a:p>
@@ -538,7 +539,7 @@
           <a:p>
             <a:fld id="{276D79ED-3FA7-4EF8-964B-EB8BCFAB02F8}" type="datetimeFigureOut">
               <a:rPr lang="en-US" smtClean="0"/>
-              <a:t>5/9/2022</a:t>
+              <a:t>5/10/2022</a:t>
             </a:fld>
             <a:endParaRPr lang="en-US"/>
           </a:p>
@@ -815,7 +816,7 @@
           <a:p>
             <a:fld id="{276D79ED-3FA7-4EF8-964B-EB8BCFAB02F8}" type="datetimeFigureOut">
               <a:rPr lang="en-US" smtClean="0"/>
-              <a:t>5/9/2022</a:t>
+              <a:t>5/10/2022</a:t>
             </a:fld>
             <a:endParaRPr lang="en-US"/>
           </a:p>
@@ -1056,7 +1057,7 @@
           <a:p>
             <a:fld id="{276D79ED-3FA7-4EF8-964B-EB8BCFAB02F8}" type="datetimeFigureOut">
               <a:rPr lang="en-US" smtClean="0"/>
-              <a:t>5/9/2022</a:t>
+              <a:t>5/10/2022</a:t>
             </a:fld>
             <a:endParaRPr lang="en-US"/>
           </a:p>
@@ -1420,7 +1421,7 @@
           <a:p>
             <a:fld id="{276D79ED-3FA7-4EF8-964B-EB8BCFAB02F8}" type="datetimeFigureOut">
               <a:rPr lang="en-US" smtClean="0"/>
-              <a:t>5/9/2022</a:t>
+              <a:t>5/10/2022</a:t>
             </a:fld>
             <a:endParaRPr lang="en-US"/>
           </a:p>
@@ -1537,7 +1538,7 @@
           <a:p>
             <a:fld id="{276D79ED-3FA7-4EF8-964B-EB8BCFAB02F8}" type="datetimeFigureOut">
               <a:rPr lang="en-US" smtClean="0"/>
-              <a:t>5/9/2022</a:t>
+              <a:t>5/10/2022</a:t>
             </a:fld>
             <a:endParaRPr lang="en-US"/>
           </a:p>
@@ -1632,7 +1633,7 @@
           <a:p>
             <a:fld id="{276D79ED-3FA7-4EF8-964B-EB8BCFAB02F8}" type="datetimeFigureOut">
               <a:rPr lang="en-US" smtClean="0"/>
-              <a:t>5/9/2022</a:t>
+              <a:t>5/10/2022</a:t>
             </a:fld>
             <a:endParaRPr lang="en-US"/>
           </a:p>
@@ -1908,7 +1909,7 @@
           <a:p>
             <a:fld id="{276D79ED-3FA7-4EF8-964B-EB8BCFAB02F8}" type="datetimeFigureOut">
               <a:rPr lang="en-US" smtClean="0"/>
-              <a:t>5/9/2022</a:t>
+              <a:t>5/10/2022</a:t>
             </a:fld>
             <a:endParaRPr lang="en-US"/>
           </a:p>
@@ -2164,7 +2165,7 @@
           <a:p>
             <a:fld id="{276D79ED-3FA7-4EF8-964B-EB8BCFAB02F8}" type="datetimeFigureOut">
               <a:rPr lang="en-US" smtClean="0"/>
-              <a:t>5/9/2022</a:t>
+              <a:t>5/10/2022</a:t>
             </a:fld>
             <a:endParaRPr lang="en-US"/>
           </a:p>
@@ -2388,7 +2389,7 @@
             <a:fld id="{276D79ED-3FA7-4EF8-964B-EB8BCFAB02F8}" type="datetimeFigureOut">
               <a:rPr lang="en-US" smtClean="0"/>
               <a:pPr/>
-              <a:t>5/9/2022</a:t>
+              <a:t>5/10/2022</a:t>
             </a:fld>
             <a:endParaRPr lang="en-US"/>
           </a:p>
@@ -3817,12 +3818,108 @@
           <a:chExt cx="0" cy="0"/>
         </a:xfrm>
       </p:grpSpPr>
+      <p:sp>
+        <p:nvSpPr>
+          <p:cNvPr id="2" name="TextBox 1">
+            <a:extLst>
+              <a:ext uri="{FF2B5EF4-FFF2-40B4-BE49-F238E27FC236}">
+                <a16:creationId xmlns:a16="http://schemas.microsoft.com/office/drawing/2014/main" id="{7374CFB8-748E-8E29-4A37-D0F91B4884B9}"/>
+              </a:ext>
+            </a:extLst>
+          </p:cNvPr>
+          <p:cNvSpPr txBox="1"/>
+          <p:nvPr/>
+        </p:nvSpPr>
+        <p:spPr>
+          <a:xfrm>
+            <a:off x="7910714" y="1879492"/>
+            <a:ext cx="3978286" cy="2062103"/>
+          </a:xfrm>
+          <a:prstGeom prst="rect">
+            <a:avLst/>
+          </a:prstGeom>
+          <a:noFill/>
+        </p:spPr>
+        <p:txBody>
+          <a:bodyPr wrap="square" rtlCol="0">
+            <a:spAutoFit/>
+          </a:bodyPr>
+          <a:lstStyle/>
+          <a:p>
+            <a:r>
+              <a:rPr lang="en-US" sz="1600" dirty="0"/>
+              <a:t>Using the ranking in the Daily Top 10 as a metric for popularity: </a:t>
+            </a:r>
+          </a:p>
+          <a:p>
+            <a:endParaRPr lang="en-US" sz="1600" dirty="0"/>
+          </a:p>
+          <a:p>
+            <a:r>
+              <a:rPr lang="en-US" sz="1600" dirty="0"/>
+              <a:t>It appears that Netflix produced content ranked higher on average</a:t>
+            </a:r>
+          </a:p>
+          <a:p>
+            <a:endParaRPr lang="en-US" sz="1600" dirty="0"/>
+          </a:p>
+          <a:p>
+            <a:r>
+              <a:rPr lang="en-US" sz="1600" dirty="0"/>
+              <a:t>Shows tended  to do slightly better than movies</a:t>
+            </a:r>
+          </a:p>
+        </p:txBody>
+      </p:sp>
+      <p:sp>
+        <p:nvSpPr>
+          <p:cNvPr id="4" name="TextBox 3">
+            <a:extLst>
+              <a:ext uri="{FF2B5EF4-FFF2-40B4-BE49-F238E27FC236}">
+                <a16:creationId xmlns:a16="http://schemas.microsoft.com/office/drawing/2014/main" id="{1D2B55F2-D572-81CE-F488-2E69D07CBF0D}"/>
+              </a:ext>
+            </a:extLst>
+          </p:cNvPr>
+          <p:cNvSpPr txBox="1"/>
+          <p:nvPr/>
+        </p:nvSpPr>
+        <p:spPr>
+          <a:xfrm>
+            <a:off x="468085" y="6373586"/>
+            <a:ext cx="7184571" cy="369332"/>
+          </a:xfrm>
+          <a:prstGeom prst="rect">
+            <a:avLst/>
+          </a:prstGeom>
+          <a:noFill/>
+        </p:spPr>
+        <p:txBody>
+          <a:bodyPr wrap="square" rtlCol="0">
+            <a:spAutoFit/>
+          </a:bodyPr>
+          <a:lstStyle/>
+          <a:p>
+            <a:r>
+              <a:rPr lang="en-US" sz="1800" b="0" i="0" u="sng" strike="noStrike" dirty="0">
+                <a:solidFill>
+                  <a:srgbClr val="1155CC"/>
+                </a:solidFill>
+                <a:effectLst/>
+                <a:latin typeface="Arial" panose="020B0604020202020204" pitchFamily="34" charset="0"/>
+                <a:hlinkClick r:id="rId2"/>
+              </a:rPr>
+              <a:t>https://www.kaggle.com/datasets/prasertk/netflix-daily-top-10-in-us</a:t>
+            </a:r>
+            <a:endParaRPr lang="en-US" dirty="0"/>
+          </a:p>
+        </p:txBody>
+      </p:sp>
       <p:pic>
         <p:nvPicPr>
-          <p:cNvPr id="11" name="Picture 10" descr="Chart, box and whisker chart&#10;&#10;Description automatically generated">
+          <p:cNvPr id="7" name="Picture 6" descr="Chart, box and whisker chart&#10;&#10;Description automatically generated">
             <a:extLst>
               <a:ext uri="{FF2B5EF4-FFF2-40B4-BE49-F238E27FC236}">
-                <a16:creationId xmlns:a16="http://schemas.microsoft.com/office/drawing/2014/main" id="{AB4C5956-CBA8-1B11-4B8F-EA53AAF9D20D}"/>
+                <a16:creationId xmlns:a16="http://schemas.microsoft.com/office/drawing/2014/main" id="{638B0EAC-82DD-C5D7-63AA-6E919A5D2688}"/>
               </a:ext>
             </a:extLst>
           </p:cNvPr>
@@ -3832,7 +3929,7 @@
           <p:nvPr/>
         </p:nvPicPr>
         <p:blipFill>
-          <a:blip r:embed="rId2">
+          <a:blip r:embed="rId3">
             <a:extLst>
               <a:ext uri="{28A0092B-C50C-407E-A947-70E740481C1C}">
                 <a14:useLocalDpi xmlns:a14="http://schemas.microsoft.com/office/drawing/2010/main" val="0"/>
@@ -3845,8 +3942,8 @@
         </p:blipFill>
         <p:spPr>
           <a:xfrm>
-            <a:off x="4304858" y="1560284"/>
-            <a:ext cx="6620871" cy="3485243"/>
+            <a:off x="303000" y="1183354"/>
+            <a:ext cx="7337413" cy="3932470"/>
           </a:xfrm>
           <a:prstGeom prst="rect">
             <a:avLst/>
@@ -3855,10 +3952,10 @@
       </p:pic>
       <p:sp>
         <p:nvSpPr>
-          <p:cNvPr id="2" name="TextBox 1">
+          <p:cNvPr id="10" name="TextBox 9">
             <a:extLst>
               <a:ext uri="{FF2B5EF4-FFF2-40B4-BE49-F238E27FC236}">
-                <a16:creationId xmlns:a16="http://schemas.microsoft.com/office/drawing/2014/main" id="{7374CFB8-748E-8E29-4A37-D0F91B4884B9}"/>
+                <a16:creationId xmlns:a16="http://schemas.microsoft.com/office/drawing/2014/main" id="{1B04E097-D68B-EBE2-E8CB-27324F2F7323}"/>
               </a:ext>
             </a:extLst>
           </p:cNvPr>
@@ -3867,8 +3964,8 @@
         </p:nvSpPr>
         <p:spPr>
           <a:xfrm>
-            <a:off x="326572" y="2175327"/>
-            <a:ext cx="3978286" cy="2062103"/>
+            <a:off x="326572" y="231717"/>
+            <a:ext cx="8756196" cy="523220"/>
           </a:xfrm>
           <a:prstGeom prst="rect">
             <a:avLst/>
@@ -3882,77 +3979,16 @@
           <a:lstStyle/>
           <a:p>
             <a:r>
-              <a:rPr lang="en-US" sz="1600" dirty="0"/>
-              <a:t>Using the ranking in the Daily Top 10 as a metric for popularity: </a:t>
-            </a:r>
-          </a:p>
-          <a:p>
-            <a:endParaRPr lang="en-US" sz="1600" dirty="0"/>
-          </a:p>
-          <a:p>
-            <a:r>
-              <a:rPr lang="en-US" sz="1600" dirty="0"/>
-              <a:t>It appears that Netflix produced content ranked higher on average</a:t>
-            </a:r>
-          </a:p>
-          <a:p>
-            <a:endParaRPr lang="en-US" sz="1600" dirty="0"/>
-          </a:p>
-          <a:p>
-            <a:r>
-              <a:rPr lang="en-US" sz="1600" dirty="0"/>
-              <a:t>Shows tended  to do slightly better than movies</a:t>
-            </a:r>
-          </a:p>
-        </p:txBody>
-      </p:sp>
-      <p:sp>
-        <p:nvSpPr>
-          <p:cNvPr id="4" name="TextBox 3">
-            <a:extLst>
-              <a:ext uri="{FF2B5EF4-FFF2-40B4-BE49-F238E27FC236}">
-                <a16:creationId xmlns:a16="http://schemas.microsoft.com/office/drawing/2014/main" id="{1D2B55F2-D572-81CE-F488-2E69D07CBF0D}"/>
-              </a:ext>
-            </a:extLst>
-          </p:cNvPr>
-          <p:cNvSpPr txBox="1"/>
-          <p:nvPr/>
-        </p:nvSpPr>
-        <p:spPr>
-          <a:xfrm>
-            <a:off x="468085" y="6373586"/>
-            <a:ext cx="7184571" cy="369332"/>
-          </a:xfrm>
-          <a:prstGeom prst="rect">
-            <a:avLst/>
-          </a:prstGeom>
-          <a:noFill/>
-        </p:spPr>
-        <p:txBody>
-          <a:bodyPr wrap="square" rtlCol="0">
-            <a:spAutoFit/>
-          </a:bodyPr>
-          <a:lstStyle/>
-          <a:p>
-            <a:r>
-              <a:rPr lang="en-US" sz="1800" b="0" i="0" u="sng" strike="noStrike" dirty="0">
-                <a:solidFill>
-                  <a:srgbClr val="1155CC"/>
-                </a:solidFill>
-                <a:effectLst/>
-                <a:latin typeface="Arial" panose="020B0604020202020204" pitchFamily="34" charset="0"/>
-                <a:hlinkClick r:id="rId3"/>
-              </a:rPr>
-              <a:t>https://www.kaggle.com/datasets/prasertk/netflix-daily-top-10-in-us</a:t>
-            </a:r>
-            <a:endParaRPr lang="en-US" dirty="0"/>
+              <a:rPr lang="en-US" sz="2800" b="1" dirty="0"/>
+              <a:t>What Kind of Content Appeared in the Daily Top 10?</a:t>
+            </a:r>
           </a:p>
         </p:txBody>
       </p:sp>
     </p:spTree>
     <p:extLst>
       <p:ext uri="{BB962C8B-B14F-4D97-AF65-F5344CB8AC3E}">
-        <p14:creationId xmlns:p14="http://schemas.microsoft.com/office/powerpoint/2010/main" val="1361819096"/>
+        <p14:creationId xmlns:p14="http://schemas.microsoft.com/office/powerpoint/2010/main" val="3021719110"/>
       </p:ext>
     </p:extLst>
   </p:cSld>
@@ -3993,7 +4029,7 @@
         </p:nvSpPr>
         <p:spPr>
           <a:xfrm>
-            <a:off x="6971864" y="888179"/>
+            <a:off x="879303" y="949183"/>
             <a:ext cx="2921533" cy="369332"/>
           </a:xfrm>
           <a:prstGeom prst="rect">
@@ -4029,7 +4065,7 @@
         </p:nvSpPr>
         <p:spPr>
           <a:xfrm>
-            <a:off x="7930526" y="3429000"/>
+            <a:off x="1837965" y="3871760"/>
             <a:ext cx="1004207" cy="369332"/>
           </a:xfrm>
           <a:prstGeom prst="rect">
@@ -4065,7 +4101,7 @@
         </p:nvSpPr>
         <p:spPr>
           <a:xfrm>
-            <a:off x="107143" y="1828058"/>
+            <a:off x="4704670" y="1927969"/>
             <a:ext cx="6369856" cy="1323439"/>
           </a:xfrm>
           <a:prstGeom prst="rect">
@@ -4132,7 +4168,7 @@
         </p:blipFill>
         <p:spPr>
           <a:xfrm>
-            <a:off x="6769199" y="1320577"/>
+            <a:off x="676638" y="1497624"/>
             <a:ext cx="3326865" cy="1816115"/>
           </a:xfrm>
           <a:prstGeom prst="rect">
@@ -4168,7 +4204,7 @@
         </p:blipFill>
         <p:spPr>
           <a:xfrm>
-            <a:off x="6651147" y="4090640"/>
+            <a:off x="651203" y="4285528"/>
             <a:ext cx="3444917" cy="1816115"/>
           </a:xfrm>
           <a:prstGeom prst="rect">
@@ -4190,7 +4226,7 @@
         </p:nvSpPr>
         <p:spPr>
           <a:xfrm>
-            <a:off x="107142" y="4292323"/>
+            <a:off x="4745597" y="4752439"/>
             <a:ext cx="6369857" cy="584775"/>
           </a:xfrm>
           <a:prstGeom prst="rect">
@@ -4251,6 +4287,41 @@
               <a:t>https://www.kaggle.com/datasets/prasertk/netflix-daily-top-10-in-us</a:t>
             </a:r>
             <a:endParaRPr lang="en-US" dirty="0"/>
+          </a:p>
+        </p:txBody>
+      </p:sp>
+      <p:sp>
+        <p:nvSpPr>
+          <p:cNvPr id="15" name="TextBox 14">
+            <a:extLst>
+              <a:ext uri="{FF2B5EF4-FFF2-40B4-BE49-F238E27FC236}">
+                <a16:creationId xmlns:a16="http://schemas.microsoft.com/office/drawing/2014/main" id="{F1A414C9-3CB5-F387-4844-DF86D794A77A}"/>
+              </a:ext>
+            </a:extLst>
+          </p:cNvPr>
+          <p:cNvSpPr txBox="1"/>
+          <p:nvPr/>
+        </p:nvSpPr>
+        <p:spPr>
+          <a:xfrm>
+            <a:off x="326572" y="231717"/>
+            <a:ext cx="8756196" cy="523220"/>
+          </a:xfrm>
+          <a:prstGeom prst="rect">
+            <a:avLst/>
+          </a:prstGeom>
+          <a:noFill/>
+        </p:spPr>
+        <p:txBody>
+          <a:bodyPr wrap="square" rtlCol="0">
+            <a:spAutoFit/>
+          </a:bodyPr>
+          <a:lstStyle/>
+          <a:p>
+            <a:r>
+              <a:rPr lang="en-US" sz="2800" b="1" dirty="0"/>
+              <a:t>What Kind of Content Appeared in the Daily Top 10?</a:t>
+            </a:r>
           </a:p>
         </p:txBody>
       </p:sp>
@@ -4284,12 +4355,154 @@
           <a:chExt cx="0" cy="0"/>
         </a:xfrm>
       </p:grpSpPr>
+      <p:sp>
+        <p:nvSpPr>
+          <p:cNvPr id="8" name="TextBox 7">
+            <a:extLst>
+              <a:ext uri="{FF2B5EF4-FFF2-40B4-BE49-F238E27FC236}">
+                <a16:creationId xmlns:a16="http://schemas.microsoft.com/office/drawing/2014/main" id="{F1DF0CE1-BDB7-035E-BBAD-52A05B6CA441}"/>
+              </a:ext>
+            </a:extLst>
+          </p:cNvPr>
+          <p:cNvSpPr txBox="1"/>
+          <p:nvPr/>
+        </p:nvSpPr>
+        <p:spPr>
+          <a:xfrm>
+            <a:off x="1866900" y="5714056"/>
+            <a:ext cx="6480581" cy="800219"/>
+          </a:xfrm>
+          <a:prstGeom prst="rect">
+            <a:avLst/>
+          </a:prstGeom>
+          <a:noFill/>
+        </p:spPr>
+        <p:txBody>
+          <a:bodyPr wrap="square" rtlCol="0">
+            <a:spAutoFit/>
+          </a:bodyPr>
+          <a:lstStyle/>
+          <a:p>
+            <a:r>
+              <a:rPr lang="en-US" sz="1400" dirty="0"/>
+              <a:t>Important to note that “</a:t>
+            </a:r>
+            <a:r>
+              <a:rPr lang="en-US" sz="1400" dirty="0" err="1"/>
+              <a:t>Cocomelon</a:t>
+            </a:r>
+            <a:r>
+              <a:rPr lang="en-US" sz="1400" dirty="0"/>
+              <a:t>” was removed from the data for this graph, it appeared a total of 428 days out of 710. Making the Top 10 list 60% of the time</a:t>
+            </a:r>
+          </a:p>
+          <a:p>
+            <a:endParaRPr lang="en-US" dirty="0"/>
+          </a:p>
+        </p:txBody>
+      </p:sp>
+      <p:sp>
+        <p:nvSpPr>
+          <p:cNvPr id="9" name="TextBox 8">
+            <a:extLst>
+              <a:ext uri="{FF2B5EF4-FFF2-40B4-BE49-F238E27FC236}">
+                <a16:creationId xmlns:a16="http://schemas.microsoft.com/office/drawing/2014/main" id="{4C89E97F-A041-AFDD-52FB-C7A31444457D}"/>
+              </a:ext>
+            </a:extLst>
+          </p:cNvPr>
+          <p:cNvSpPr txBox="1"/>
+          <p:nvPr/>
+        </p:nvSpPr>
+        <p:spPr>
+          <a:xfrm>
+            <a:off x="7390039" y="1547036"/>
+            <a:ext cx="3385458" cy="3139321"/>
+          </a:xfrm>
+          <a:prstGeom prst="rect">
+            <a:avLst/>
+          </a:prstGeom>
+          <a:noFill/>
+        </p:spPr>
+        <p:txBody>
+          <a:bodyPr wrap="square" rtlCol="0">
+            <a:spAutoFit/>
+          </a:bodyPr>
+          <a:lstStyle/>
+          <a:p>
+            <a:r>
+              <a:rPr lang="en-US" dirty="0"/>
+              <a:t>The bulk of shows were on the Top 10 list for 5 to 20 days, with frequent outliers staying much longer</a:t>
+            </a:r>
+          </a:p>
+          <a:p>
+            <a:endParaRPr lang="en-US" dirty="0"/>
+          </a:p>
+          <a:p>
+            <a:endParaRPr lang="en-US" dirty="0"/>
+          </a:p>
+          <a:p>
+            <a:endParaRPr lang="en-US" dirty="0"/>
+          </a:p>
+          <a:p>
+            <a:endParaRPr lang="en-US" dirty="0"/>
+          </a:p>
+          <a:p>
+            <a:r>
+              <a:rPr lang="en-US" dirty="0"/>
+              <a:t>Movies stayed on the Top 10 mostly for less than 10 days, and never more than 40</a:t>
+            </a:r>
+          </a:p>
+        </p:txBody>
+      </p:sp>
+      <p:sp>
+        <p:nvSpPr>
+          <p:cNvPr id="10" name="TextBox 9">
+            <a:extLst>
+              <a:ext uri="{FF2B5EF4-FFF2-40B4-BE49-F238E27FC236}">
+                <a16:creationId xmlns:a16="http://schemas.microsoft.com/office/drawing/2014/main" id="{3C404601-FFE3-1EFA-D973-711348F6A319}"/>
+              </a:ext>
+            </a:extLst>
+          </p:cNvPr>
+          <p:cNvSpPr txBox="1"/>
+          <p:nvPr/>
+        </p:nvSpPr>
+        <p:spPr>
+          <a:xfrm>
+            <a:off x="468085" y="6373586"/>
+            <a:ext cx="7184571" cy="369332"/>
+          </a:xfrm>
+          <a:prstGeom prst="rect">
+            <a:avLst/>
+          </a:prstGeom>
+          <a:noFill/>
+        </p:spPr>
+        <p:txBody>
+          <a:bodyPr wrap="square" rtlCol="0">
+            <a:spAutoFit/>
+          </a:bodyPr>
+          <a:lstStyle/>
+          <a:p>
+            <a:r>
+              <a:rPr lang="en-US" sz="1800" b="0" i="0" u="sng" strike="noStrike" dirty="0">
+                <a:solidFill>
+                  <a:srgbClr val="1155CC"/>
+                </a:solidFill>
+                <a:effectLst/>
+                <a:latin typeface="Arial" panose="020B0604020202020204" pitchFamily="34" charset="0"/>
+                <a:hlinkClick r:id="rId2"/>
+              </a:rPr>
+              <a:t>https://www.kaggle.com/datasets/prasertk/netflix-daily-top-10-in-us</a:t>
+            </a:r>
+            <a:endParaRPr lang="en-US" dirty="0"/>
+          </a:p>
+        </p:txBody>
+      </p:sp>
       <p:pic>
         <p:nvPicPr>
-          <p:cNvPr id="7" name="Picture 6" descr="Chart, box and whisker chart&#10;&#10;Description automatically generated">
+          <p:cNvPr id="6" name="Picture 5" descr="Chart, box and whisker chart&#10;&#10;Description automatically generated">
             <a:extLst>
               <a:ext uri="{FF2B5EF4-FFF2-40B4-BE49-F238E27FC236}">
-                <a16:creationId xmlns:a16="http://schemas.microsoft.com/office/drawing/2014/main" id="{FA259FC7-1A83-4F9A-5BF3-2C1DB82E228A}"/>
+                <a16:creationId xmlns:a16="http://schemas.microsoft.com/office/drawing/2014/main" id="{2AC2E316-23CD-5F88-43FC-AAF6AE10C234}"/>
               </a:ext>
             </a:extLst>
           </p:cNvPr>
@@ -4299,7 +4512,7 @@
           <p:nvPr/>
         </p:nvPicPr>
         <p:blipFill>
-          <a:blip r:embed="rId2">
+          <a:blip r:embed="rId3">
             <a:extLst>
               <a:ext uri="{28A0092B-C50C-407E-A947-70E740481C1C}">
                 <a14:useLocalDpi xmlns:a14="http://schemas.microsoft.com/office/drawing/2010/main" val="0"/>
@@ -4312,8 +4525,8 @@
         </p:blipFill>
         <p:spPr>
           <a:xfrm>
-            <a:off x="3796393" y="622637"/>
-            <a:ext cx="6480581" cy="4612235"/>
+            <a:off x="326572" y="898814"/>
+            <a:ext cx="6507595" cy="4682673"/>
           </a:xfrm>
           <a:prstGeom prst="rect">
             <a:avLst/>
@@ -4322,10 +4535,10 @@
       </p:pic>
       <p:sp>
         <p:nvSpPr>
-          <p:cNvPr id="8" name="TextBox 7">
+          <p:cNvPr id="13" name="TextBox 12">
             <a:extLst>
               <a:ext uri="{FF2B5EF4-FFF2-40B4-BE49-F238E27FC236}">
-                <a16:creationId xmlns:a16="http://schemas.microsoft.com/office/drawing/2014/main" id="{F1DF0CE1-BDB7-035E-BBAD-52A05B6CA441}"/>
+                <a16:creationId xmlns:a16="http://schemas.microsoft.com/office/drawing/2014/main" id="{A6C5356D-37DF-51AF-7C57-41AC46854AC2}"/>
               </a:ext>
             </a:extLst>
           </p:cNvPr>
@@ -4334,8 +4547,8 @@
         </p:nvSpPr>
         <p:spPr>
           <a:xfrm>
-            <a:off x="2457450" y="5435144"/>
-            <a:ext cx="6480581" cy="800219"/>
+            <a:off x="326572" y="231717"/>
+            <a:ext cx="8756196" cy="523220"/>
           </a:xfrm>
           <a:prstGeom prst="rect">
             <a:avLst/>
@@ -4349,116 +4562,9 @@
           <a:lstStyle/>
           <a:p>
             <a:r>
-              <a:rPr lang="en-US" sz="1400" dirty="0"/>
-              <a:t>Important to note that “</a:t>
-            </a:r>
-            <a:r>
-              <a:rPr lang="en-US" sz="1400" dirty="0" err="1"/>
-              <a:t>Cocomelon</a:t>
-            </a:r>
-            <a:r>
-              <a:rPr lang="en-US" sz="1400" dirty="0"/>
-              <a:t>” was removed from the data for this graph, it appeared a total of 428 days out of 710. Making the Top 10 list 60% of the time</a:t>
-            </a:r>
-          </a:p>
-          <a:p>
-            <a:endParaRPr lang="en-US" dirty="0"/>
-          </a:p>
-        </p:txBody>
-      </p:sp>
-      <p:sp>
-        <p:nvSpPr>
-          <p:cNvPr id="9" name="TextBox 8">
-            <a:extLst>
-              <a:ext uri="{FF2B5EF4-FFF2-40B4-BE49-F238E27FC236}">
-                <a16:creationId xmlns:a16="http://schemas.microsoft.com/office/drawing/2014/main" id="{4C89E97F-A041-AFDD-52FB-C7A31444457D}"/>
-              </a:ext>
-            </a:extLst>
-          </p:cNvPr>
-          <p:cNvSpPr txBox="1"/>
-          <p:nvPr/>
-        </p:nvSpPr>
-        <p:spPr>
-          <a:xfrm>
-            <a:off x="174171" y="1415143"/>
-            <a:ext cx="3385458" cy="3139321"/>
-          </a:xfrm>
-          <a:prstGeom prst="rect">
-            <a:avLst/>
-          </a:prstGeom>
-          <a:noFill/>
-        </p:spPr>
-        <p:txBody>
-          <a:bodyPr wrap="square" rtlCol="0">
-            <a:spAutoFit/>
-          </a:bodyPr>
-          <a:lstStyle/>
-          <a:p>
-            <a:r>
-              <a:rPr lang="en-US" dirty="0"/>
-              <a:t>The bulk of shows were on the Top 10 list for 5 to 20 days, with frequent outliers staying much longer</a:t>
-            </a:r>
-          </a:p>
-          <a:p>
-            <a:endParaRPr lang="en-US" dirty="0"/>
-          </a:p>
-          <a:p>
-            <a:endParaRPr lang="en-US" dirty="0"/>
-          </a:p>
-          <a:p>
-            <a:endParaRPr lang="en-US" dirty="0"/>
-          </a:p>
-          <a:p>
-            <a:endParaRPr lang="en-US" dirty="0"/>
-          </a:p>
-          <a:p>
-            <a:r>
-              <a:rPr lang="en-US" dirty="0"/>
-              <a:t>Movies stayed on the Top 10 mostly for less than 10 days, and never more than 40</a:t>
-            </a:r>
-          </a:p>
-        </p:txBody>
-      </p:sp>
-      <p:sp>
-        <p:nvSpPr>
-          <p:cNvPr id="10" name="TextBox 9">
-            <a:extLst>
-              <a:ext uri="{FF2B5EF4-FFF2-40B4-BE49-F238E27FC236}">
-                <a16:creationId xmlns:a16="http://schemas.microsoft.com/office/drawing/2014/main" id="{3C404601-FFE3-1EFA-D973-711348F6A319}"/>
-              </a:ext>
-            </a:extLst>
-          </p:cNvPr>
-          <p:cNvSpPr txBox="1"/>
-          <p:nvPr/>
-        </p:nvSpPr>
-        <p:spPr>
-          <a:xfrm>
-            <a:off x="468085" y="6373586"/>
-            <a:ext cx="7184571" cy="369332"/>
-          </a:xfrm>
-          <a:prstGeom prst="rect">
-            <a:avLst/>
-          </a:prstGeom>
-          <a:noFill/>
-        </p:spPr>
-        <p:txBody>
-          <a:bodyPr wrap="square" rtlCol="0">
-            <a:spAutoFit/>
-          </a:bodyPr>
-          <a:lstStyle/>
-          <a:p>
-            <a:r>
-              <a:rPr lang="en-US" sz="1800" b="0" i="0" u="sng" strike="noStrike" dirty="0">
-                <a:solidFill>
-                  <a:srgbClr val="1155CC"/>
-                </a:solidFill>
-                <a:effectLst/>
-                <a:latin typeface="Arial" panose="020B0604020202020204" pitchFamily="34" charset="0"/>
-                <a:hlinkClick r:id="rId3"/>
-              </a:rPr>
-              <a:t>https://www.kaggle.com/datasets/prasertk/netflix-daily-top-10-in-us</a:t>
-            </a:r>
-            <a:endParaRPr lang="en-US" dirty="0"/>
+              <a:rPr lang="en-US" sz="2800" b="1" dirty="0"/>
+              <a:t>What Kind of Content Appeared in the Daily Top 10?</a:t>
+            </a:r>
           </a:p>
         </p:txBody>
       </p:sp>
@@ -4492,48 +4598,125 @@
           <a:chExt cx="0" cy="0"/>
         </a:xfrm>
       </p:grpSpPr>
-      <p:pic>
-        <p:nvPicPr>
-          <p:cNvPr id="3" name="Picture 2" descr="Chart, pie chart&#10;&#10;Description automatically generated">
+      <p:sp>
+        <p:nvSpPr>
+          <p:cNvPr id="6" name="TextBox 5">
             <a:extLst>
               <a:ext uri="{FF2B5EF4-FFF2-40B4-BE49-F238E27FC236}">
-                <a16:creationId xmlns:a16="http://schemas.microsoft.com/office/drawing/2014/main" id="{56AB9CCA-3F93-C2EC-1ACC-473A507C10F8}"/>
+                <a16:creationId xmlns:a16="http://schemas.microsoft.com/office/drawing/2014/main" id="{BEBBF6E1-E161-A5E0-B9AF-A682776013E4}"/>
               </a:ext>
             </a:extLst>
           </p:cNvPr>
-          <p:cNvPicPr>
-            <a:picLocks noChangeAspect="1"/>
-          </p:cNvPicPr>
+          <p:cNvSpPr txBox="1"/>
           <p:nvPr/>
-        </p:nvPicPr>
-        <p:blipFill>
-          <a:blip r:embed="rId2">
-            <a:extLst>
-              <a:ext uri="{28A0092B-C50C-407E-A947-70E740481C1C}">
-                <a14:useLocalDpi xmlns:a14="http://schemas.microsoft.com/office/drawing/2010/main" val="0"/>
-              </a:ext>
-            </a:extLst>
-          </a:blip>
-          <a:stretch>
-            <a:fillRect/>
-          </a:stretch>
-        </p:blipFill>
-        <p:spPr>
-          <a:xfrm>
-            <a:off x="4466214" y="769386"/>
-            <a:ext cx="4748542" cy="2659614"/>
+        </p:nvSpPr>
+        <p:spPr>
+          <a:xfrm>
+            <a:off x="6008186" y="1885127"/>
+            <a:ext cx="4520294" cy="830997"/>
           </a:xfrm>
           <a:prstGeom prst="rect">
             <a:avLst/>
           </a:prstGeom>
-        </p:spPr>
-      </p:pic>
+          <a:noFill/>
+        </p:spPr>
+        <p:txBody>
+          <a:bodyPr wrap="square" rtlCol="0">
+            <a:spAutoFit/>
+          </a:bodyPr>
+          <a:lstStyle/>
+          <a:p>
+            <a:r>
+              <a:rPr lang="en-US" sz="1600" dirty="0"/>
+              <a:t>Limiting our view to only those shows and movies that were in the Top 10 for 25 days or more, we see that it is mostly shows.</a:t>
+            </a:r>
+          </a:p>
+        </p:txBody>
+      </p:sp>
+      <p:sp>
+        <p:nvSpPr>
+          <p:cNvPr id="7" name="TextBox 6">
+            <a:extLst>
+              <a:ext uri="{FF2B5EF4-FFF2-40B4-BE49-F238E27FC236}">
+                <a16:creationId xmlns:a16="http://schemas.microsoft.com/office/drawing/2014/main" id="{EC5D1444-1437-3048-8A8A-E3A3DC853A37}"/>
+              </a:ext>
+            </a:extLst>
+          </p:cNvPr>
+          <p:cNvSpPr txBox="1"/>
+          <p:nvPr/>
+        </p:nvSpPr>
+        <p:spPr>
+          <a:xfrm>
+            <a:off x="6025992" y="4621328"/>
+            <a:ext cx="4316186" cy="584775"/>
+          </a:xfrm>
+          <a:prstGeom prst="rect">
+            <a:avLst/>
+          </a:prstGeom>
+          <a:noFill/>
+        </p:spPr>
+        <p:txBody>
+          <a:bodyPr wrap="square" rtlCol="0">
+            <a:spAutoFit/>
+          </a:bodyPr>
+          <a:lstStyle/>
+          <a:p>
+            <a:r>
+              <a:rPr lang="en-US" sz="1600" dirty="0"/>
+              <a:t> Even though movies appeared more often in the Top 10, shows spent far more time there</a:t>
+            </a:r>
+          </a:p>
+        </p:txBody>
+      </p:sp>
+      <p:sp>
+        <p:nvSpPr>
+          <p:cNvPr id="8" name="TextBox 7">
+            <a:extLst>
+              <a:ext uri="{FF2B5EF4-FFF2-40B4-BE49-F238E27FC236}">
+                <a16:creationId xmlns:a16="http://schemas.microsoft.com/office/drawing/2014/main" id="{7C463C2E-B112-8A40-908C-F6D6F97674C8}"/>
+              </a:ext>
+            </a:extLst>
+          </p:cNvPr>
+          <p:cNvSpPr txBox="1"/>
+          <p:nvPr/>
+        </p:nvSpPr>
+        <p:spPr>
+          <a:xfrm>
+            <a:off x="468085" y="6373586"/>
+            <a:ext cx="7184571" cy="369332"/>
+          </a:xfrm>
+          <a:prstGeom prst="rect">
+            <a:avLst/>
+          </a:prstGeom>
+          <a:noFill/>
+        </p:spPr>
+        <p:txBody>
+          <a:bodyPr wrap="square" rtlCol="0">
+            <a:spAutoFit/>
+          </a:bodyPr>
+          <a:lstStyle/>
+          <a:p>
+            <a:r>
+              <a:rPr lang="en-US" sz="1800" b="0" i="0" u="sng" strike="noStrike" dirty="0">
+                <a:solidFill>
+                  <a:srgbClr val="1155CC"/>
+                </a:solidFill>
+                <a:effectLst/>
+                <a:latin typeface="Arial" panose="020B0604020202020204" pitchFamily="34" charset="0"/>
+                <a:hlinkClick r:id="rId2"/>
+              </a:rPr>
+              <a:t>https://www.kaggle.com/datasets/prasertk/netflix-daily-top-10-in-us</a:t>
+            </a:r>
+            <a:endParaRPr lang="en-US" dirty="0"/>
+          </a:p>
+        </p:txBody>
+      </p:sp>
       <p:pic>
         <p:nvPicPr>
-          <p:cNvPr id="5" name="Picture 4" descr="Chart, pie chart&#10;&#10;Description automatically generated">
+          <p:cNvPr id="4" name="Picture 3" descr="Chart, pie chart&#10;&#10;Description automatically generated">
             <a:extLst>
               <a:ext uri="{FF2B5EF4-FFF2-40B4-BE49-F238E27FC236}">
-                <a16:creationId xmlns:a16="http://schemas.microsoft.com/office/drawing/2014/main" id="{30FB95F4-2D61-02ED-A125-A9EFA458C304}"/>
+                <a16:creationId xmlns:a16="http://schemas.microsoft.com/office/drawing/2014/main" id="{668AC547-9EF6-09B9-41AC-174E3BD86DCC}"/>
               </a:ext>
             </a:extLst>
           </p:cNvPr>
@@ -4556,20 +4739,56 @@
         </p:blipFill>
         <p:spPr>
           <a:xfrm>
-            <a:off x="5169647" y="3520816"/>
-            <a:ext cx="3341676" cy="2751313"/>
+            <a:off x="1384455" y="3605623"/>
+            <a:ext cx="4641537" cy="2925931"/>
           </a:xfrm>
           <a:prstGeom prst="rect">
             <a:avLst/>
           </a:prstGeom>
         </p:spPr>
       </p:pic>
-      <p:sp>
-        <p:nvSpPr>
-          <p:cNvPr id="6" name="TextBox 5">
+      <p:pic>
+        <p:nvPicPr>
+          <p:cNvPr id="10" name="Picture 9" descr="Chart, pie chart&#10;&#10;Description automatically generated">
             <a:extLst>
               <a:ext uri="{FF2B5EF4-FFF2-40B4-BE49-F238E27FC236}">
-                <a16:creationId xmlns:a16="http://schemas.microsoft.com/office/drawing/2014/main" id="{BEBBF6E1-E161-A5E0-B9AF-A682776013E4}"/>
+                <a16:creationId xmlns:a16="http://schemas.microsoft.com/office/drawing/2014/main" id="{F616DF3A-4916-59D1-05CF-BB6C7E8F0B9F}"/>
+              </a:ext>
+            </a:extLst>
+          </p:cNvPr>
+          <p:cNvPicPr>
+            <a:picLocks noChangeAspect="1"/>
+          </p:cNvPicPr>
+          <p:nvPr/>
+        </p:nvPicPr>
+        <p:blipFill>
+          <a:blip r:embed="rId4">
+            <a:extLst>
+              <a:ext uri="{28A0092B-C50C-407E-A947-70E740481C1C}">
+                <a14:useLocalDpi xmlns:a14="http://schemas.microsoft.com/office/drawing/2010/main" val="0"/>
+              </a:ext>
+            </a:extLst>
+          </a:blip>
+          <a:stretch>
+            <a:fillRect/>
+          </a:stretch>
+        </p:blipFill>
+        <p:spPr>
+          <a:xfrm>
+            <a:off x="326570" y="877535"/>
+            <a:ext cx="6757309" cy="2886055"/>
+          </a:xfrm>
+          <a:prstGeom prst="rect">
+            <a:avLst/>
+          </a:prstGeom>
+        </p:spPr>
+      </p:pic>
+      <p:sp>
+        <p:nvSpPr>
+          <p:cNvPr id="12" name="TextBox 11">
+            <a:extLst>
+              <a:ext uri="{FF2B5EF4-FFF2-40B4-BE49-F238E27FC236}">
+                <a16:creationId xmlns:a16="http://schemas.microsoft.com/office/drawing/2014/main" id="{53B6B6DE-182F-3409-648F-732CAEF134FC}"/>
               </a:ext>
             </a:extLst>
           </p:cNvPr>
@@ -4578,8 +4797,8 @@
         </p:nvSpPr>
         <p:spPr>
           <a:xfrm>
-            <a:off x="220435" y="1289958"/>
-            <a:ext cx="4520294" cy="830997"/>
+            <a:off x="326572" y="231717"/>
+            <a:ext cx="8756196" cy="523220"/>
           </a:xfrm>
           <a:prstGeom prst="rect">
             <a:avLst/>
@@ -4593,18 +4812,48 @@
           <a:lstStyle/>
           <a:p>
             <a:r>
-              <a:rPr lang="en-US" sz="1600" dirty="0"/>
-              <a:t>Limiting our view to only those shows and movies that were in the Top 10 for 25 days or more, we see that it is mostly shows</a:t>
-            </a:r>
-          </a:p>
-        </p:txBody>
-      </p:sp>
-      <p:sp>
-        <p:nvSpPr>
-          <p:cNvPr id="7" name="TextBox 6">
+              <a:rPr lang="en-US" sz="2800" b="1" dirty="0"/>
+              <a:t>What Kind of Content Appeared in the Daily Top 10?</a:t>
+            </a:r>
+          </a:p>
+        </p:txBody>
+      </p:sp>
+    </p:spTree>
+    <p:extLst>
+      <p:ext uri="{BB962C8B-B14F-4D97-AF65-F5344CB8AC3E}">
+        <p14:creationId xmlns:p14="http://schemas.microsoft.com/office/powerpoint/2010/main" val="3172817764"/>
+      </p:ext>
+    </p:extLst>
+  </p:cSld>
+  <p:clrMapOvr>
+    <a:masterClrMapping/>
+  </p:clrMapOvr>
+</p:sld>
+</file>
+
+<file path=ppt/slides/slide17.xml><?xml version="1.0" encoding="utf-8"?>
+<p:sld xmlns:a="http://schemas.openxmlformats.org/drawingml/2006/main" xmlns:r="http://schemas.openxmlformats.org/officeDocument/2006/relationships" xmlns:p="http://schemas.openxmlformats.org/presentationml/2006/main">
+  <p:cSld>
+    <p:spTree>
+      <p:nvGrpSpPr>
+        <p:cNvPr id="1" name=""/>
+        <p:cNvGrpSpPr/>
+        <p:nvPr/>
+      </p:nvGrpSpPr>
+      <p:grpSpPr>
+        <a:xfrm>
+          <a:off x="0" y="0"/>
+          <a:ext cx="0" cy="0"/>
+          <a:chOff x="0" y="0"/>
+          <a:chExt cx="0" cy="0"/>
+        </a:xfrm>
+      </p:grpSpPr>
+      <p:sp>
+        <p:nvSpPr>
+          <p:cNvPr id="2" name="TextBox 1">
             <a:extLst>
               <a:ext uri="{FF2B5EF4-FFF2-40B4-BE49-F238E27FC236}">
-                <a16:creationId xmlns:a16="http://schemas.microsoft.com/office/drawing/2014/main" id="{EC5D1444-1437-3048-8A8A-E3A3DC853A37}"/>
+                <a16:creationId xmlns:a16="http://schemas.microsoft.com/office/drawing/2014/main" id="{AC5AFD94-AD41-0CC6-8743-14C26DF9AD15}"/>
               </a:ext>
             </a:extLst>
           </p:cNvPr>
@@ -4613,8 +4862,8 @@
         </p:nvSpPr>
         <p:spPr>
           <a:xfrm>
-            <a:off x="220434" y="3429000"/>
-            <a:ext cx="4316186" cy="584775"/>
+            <a:off x="326572" y="231717"/>
+            <a:ext cx="8756196" cy="523220"/>
           </a:xfrm>
           <a:prstGeom prst="rect">
             <a:avLst/>
@@ -4628,18 +4877,18 @@
           <a:lstStyle/>
           <a:p>
             <a:r>
-              <a:rPr lang="en-US" sz="1600" dirty="0"/>
-              <a:t> Even though movies appeared more often in the Top 10, shows spent far more time there</a:t>
-            </a:r>
-          </a:p>
-        </p:txBody>
-      </p:sp>
-      <p:sp>
-        <p:nvSpPr>
-          <p:cNvPr id="8" name="TextBox 7">
+              <a:rPr lang="en-US" sz="2800" b="1" dirty="0"/>
+              <a:t>What Kind of Content Appeared in the Daily Top 10?</a:t>
+            </a:r>
+          </a:p>
+        </p:txBody>
+      </p:sp>
+      <p:sp>
+        <p:nvSpPr>
+          <p:cNvPr id="3" name="TextBox 2">
             <a:extLst>
               <a:ext uri="{FF2B5EF4-FFF2-40B4-BE49-F238E27FC236}">
-                <a16:creationId xmlns:a16="http://schemas.microsoft.com/office/drawing/2014/main" id="{7C463C2E-B112-8A40-908C-F6D6F97674C8}"/>
+                <a16:creationId xmlns:a16="http://schemas.microsoft.com/office/drawing/2014/main" id="{510CFD26-CD44-2FE0-2926-DE3BB94A4C4C}"/>
               </a:ext>
             </a:extLst>
           </p:cNvPr>
@@ -4648,8 +4897,8 @@
         </p:nvSpPr>
         <p:spPr>
           <a:xfrm>
-            <a:off x="468085" y="6373586"/>
-            <a:ext cx="7184571" cy="369332"/>
+            <a:off x="678872" y="2161309"/>
+            <a:ext cx="9393383" cy="1938992"/>
           </a:xfrm>
           <a:prstGeom prst="rect">
             <a:avLst/>
@@ -4663,24 +4912,28 @@
           <a:lstStyle/>
           <a:p>
             <a:r>
-              <a:rPr lang="en-US" sz="1800" b="0" i="0" u="sng" strike="noStrike" dirty="0">
-                <a:solidFill>
-                  <a:srgbClr val="1155CC"/>
-                </a:solidFill>
-                <a:effectLst/>
-                <a:latin typeface="Arial" panose="020B0604020202020204" pitchFamily="34" charset="0"/>
-                <a:hlinkClick r:id="rId4"/>
-              </a:rPr>
-              <a:t>https://www.kaggle.com/datasets/prasertk/netflix-daily-top-10-in-us</a:t>
-            </a:r>
-            <a:endParaRPr lang="en-US" dirty="0"/>
+              <a:rPr lang="en-US" sz="2000" dirty="0"/>
+              <a:t>Shows appeared in the Daily Top 10 more often and stayed for much longer than movies</a:t>
+            </a:r>
+          </a:p>
+          <a:p>
+            <a:endParaRPr lang="en-US" sz="2000" dirty="0"/>
+          </a:p>
+          <a:p>
+            <a:endParaRPr lang="en-US" sz="2000" dirty="0"/>
+          </a:p>
+          <a:p>
+            <a:r>
+              <a:rPr lang="en-US" sz="2000" dirty="0"/>
+              <a:t>While shows tended to do somewhat better than movies on average, the top performing slots were overwhelmingly slanted towards shows.</a:t>
+            </a:r>
           </a:p>
         </p:txBody>
       </p:sp>
     </p:spTree>
     <p:extLst>
       <p:ext uri="{BB962C8B-B14F-4D97-AF65-F5344CB8AC3E}">
-        <p14:creationId xmlns:p14="http://schemas.microsoft.com/office/powerpoint/2010/main" val="3172817764"/>
+        <p14:creationId xmlns:p14="http://schemas.microsoft.com/office/powerpoint/2010/main" val="916876363"/>
       </p:ext>
     </p:extLst>
   </p:cSld>

--- a/TeamProjectPPT.pptx
+++ b/TeamProjectPPT.pptx
@@ -12,16 +12,17 @@
     <p:sldId id="272" r:id="rId6"/>
     <p:sldId id="261" r:id="rId7"/>
     <p:sldId id="267" r:id="rId8"/>
-    <p:sldId id="262" r:id="rId9"/>
-    <p:sldId id="264" r:id="rId10"/>
-    <p:sldId id="265" r:id="rId11"/>
-    <p:sldId id="266" r:id="rId12"/>
-    <p:sldId id="271" r:id="rId13"/>
-    <p:sldId id="276" r:id="rId14"/>
-    <p:sldId id="277" r:id="rId15"/>
-    <p:sldId id="278" r:id="rId16"/>
-    <p:sldId id="273" r:id="rId17"/>
-    <p:sldId id="274" r:id="rId18"/>
+    <p:sldId id="284" r:id="rId9"/>
+    <p:sldId id="281" r:id="rId10"/>
+    <p:sldId id="282" r:id="rId11"/>
+    <p:sldId id="265" r:id="rId12"/>
+    <p:sldId id="266" r:id="rId13"/>
+    <p:sldId id="271" r:id="rId14"/>
+    <p:sldId id="276" r:id="rId15"/>
+    <p:sldId id="277" r:id="rId16"/>
+    <p:sldId id="278" r:id="rId17"/>
+    <p:sldId id="273" r:id="rId18"/>
+    <p:sldId id="274" r:id="rId19"/>
   </p:sldIdLst>
   <p:sldSz cx="12192000" cy="6858000"/>
   <p:notesSz cx="6858000" cy="9144000"/>
@@ -293,7 +294,7 @@
             <a:fld id="{276D79ED-3FA7-4EF8-964B-EB8BCFAB02F8}" type="datetimeFigureOut">
               <a:rPr lang="en-US" smtClean="0"/>
               <a:pPr/>
-              <a:t>5/10/2022</a:t>
+              <a:t>5/11/22</a:t>
             </a:fld>
             <a:endParaRPr lang="en-US"/>
           </a:p>
@@ -539,7 +540,7 @@
           <a:p>
             <a:fld id="{276D79ED-3FA7-4EF8-964B-EB8BCFAB02F8}" type="datetimeFigureOut">
               <a:rPr lang="en-US" smtClean="0"/>
-              <a:t>5/10/2022</a:t>
+              <a:t>5/11/22</a:t>
             </a:fld>
             <a:endParaRPr lang="en-US"/>
           </a:p>
@@ -816,7 +817,7 @@
           <a:p>
             <a:fld id="{276D79ED-3FA7-4EF8-964B-EB8BCFAB02F8}" type="datetimeFigureOut">
               <a:rPr lang="en-US" smtClean="0"/>
-              <a:t>5/10/2022</a:t>
+              <a:t>5/11/22</a:t>
             </a:fld>
             <a:endParaRPr lang="en-US"/>
           </a:p>
@@ -1057,7 +1058,7 @@
           <a:p>
             <a:fld id="{276D79ED-3FA7-4EF8-964B-EB8BCFAB02F8}" type="datetimeFigureOut">
               <a:rPr lang="en-US" smtClean="0"/>
-              <a:t>5/10/2022</a:t>
+              <a:t>5/11/22</a:t>
             </a:fld>
             <a:endParaRPr lang="en-US"/>
           </a:p>
@@ -1421,7 +1422,7 @@
           <a:p>
             <a:fld id="{276D79ED-3FA7-4EF8-964B-EB8BCFAB02F8}" type="datetimeFigureOut">
               <a:rPr lang="en-US" smtClean="0"/>
-              <a:t>5/10/2022</a:t>
+              <a:t>5/11/22</a:t>
             </a:fld>
             <a:endParaRPr lang="en-US"/>
           </a:p>
@@ -1538,7 +1539,7 @@
           <a:p>
             <a:fld id="{276D79ED-3FA7-4EF8-964B-EB8BCFAB02F8}" type="datetimeFigureOut">
               <a:rPr lang="en-US" smtClean="0"/>
-              <a:t>5/10/2022</a:t>
+              <a:t>5/11/22</a:t>
             </a:fld>
             <a:endParaRPr lang="en-US"/>
           </a:p>
@@ -1633,7 +1634,7 @@
           <a:p>
             <a:fld id="{276D79ED-3FA7-4EF8-964B-EB8BCFAB02F8}" type="datetimeFigureOut">
               <a:rPr lang="en-US" smtClean="0"/>
-              <a:t>5/10/2022</a:t>
+              <a:t>5/11/22</a:t>
             </a:fld>
             <a:endParaRPr lang="en-US"/>
           </a:p>
@@ -1909,7 +1910,7 @@
           <a:p>
             <a:fld id="{276D79ED-3FA7-4EF8-964B-EB8BCFAB02F8}" type="datetimeFigureOut">
               <a:rPr lang="en-US" smtClean="0"/>
-              <a:t>5/10/2022</a:t>
+              <a:t>5/11/22</a:t>
             </a:fld>
             <a:endParaRPr lang="en-US"/>
           </a:p>
@@ -2165,7 +2166,7 @@
           <a:p>
             <a:fld id="{276D79ED-3FA7-4EF8-964B-EB8BCFAB02F8}" type="datetimeFigureOut">
               <a:rPr lang="en-US" smtClean="0"/>
-              <a:t>5/10/2022</a:t>
+              <a:t>5/11/22</a:t>
             </a:fld>
             <a:endParaRPr lang="en-US"/>
           </a:p>
@@ -2389,7 +2390,7 @@
             <a:fld id="{276D79ED-3FA7-4EF8-964B-EB8BCFAB02F8}" type="datetimeFigureOut">
               <a:rPr lang="en-US" smtClean="0"/>
               <a:pPr/>
-              <a:t>5/10/2022</a:t>
+              <a:t>5/11/22</a:t>
             </a:fld>
             <a:endParaRPr lang="en-US"/>
           </a:p>
@@ -3001,7 +3002,7 @@
         </p:spPr>
         <p:txBody>
           <a:bodyPr>
-            <a:normAutofit/>
+            <a:normAutofit fontScale="90000"/>
           </a:bodyPr>
           <a:lstStyle/>
           <a:p>
@@ -3142,7 +3143,13 @@
       </p:grpSpPr>
       <p:pic>
         <p:nvPicPr>
-          <p:cNvPr id="5" name="Picture 4"/>
+          <p:cNvPr id="3" name="Picture 2" descr="Chart, funnel chart&#10;&#10;Description automatically generated">
+            <a:extLst>
+              <a:ext uri="{FF2B5EF4-FFF2-40B4-BE49-F238E27FC236}">
+                <a16:creationId xmlns:a16="http://schemas.microsoft.com/office/drawing/2014/main" id="{4B351F1F-F58B-CD46-BA09-147BEBE44AE4}"/>
+              </a:ext>
+            </a:extLst>
+          </p:cNvPr>
           <p:cNvPicPr>
             <a:picLocks noChangeAspect="1"/>
           </p:cNvPicPr>
@@ -3162,54 +3169,30 @@
         </p:blipFill>
         <p:spPr>
           <a:xfrm>
-            <a:off x="332642" y="1035656"/>
-            <a:ext cx="6426654" cy="2906468"/>
+            <a:off x="85913" y="834851"/>
+            <a:ext cx="8214104" cy="6030989"/>
           </a:xfrm>
           <a:prstGeom prst="rect">
             <a:avLst/>
           </a:prstGeom>
         </p:spPr>
       </p:pic>
-      <p:pic>
-        <p:nvPicPr>
-          <p:cNvPr id="6" name="Picture 5"/>
-          <p:cNvPicPr>
-            <a:picLocks noChangeAspect="1"/>
-          </p:cNvPicPr>
-          <p:nvPr/>
-        </p:nvPicPr>
-        <p:blipFill>
-          <a:blip r:embed="rId3">
+      <p:sp>
+        <p:nvSpPr>
+          <p:cNvPr id="4" name="TextBox 3">
             <a:extLst>
-              <a:ext uri="{28A0092B-C50C-407E-A947-70E740481C1C}">
-                <a14:useLocalDpi xmlns:a14="http://schemas.microsoft.com/office/drawing/2010/main" val="0"/>
+              <a:ext uri="{FF2B5EF4-FFF2-40B4-BE49-F238E27FC236}">
+                <a16:creationId xmlns:a16="http://schemas.microsoft.com/office/drawing/2014/main" id="{AABFC1C5-50C2-654C-B8A5-EB43D02BC07D}"/>
               </a:ext>
             </a:extLst>
-          </a:blip>
-          <a:stretch>
-            <a:fillRect/>
-          </a:stretch>
-        </p:blipFill>
-        <p:spPr>
-          <a:xfrm>
-            <a:off x="545718" y="4062309"/>
-            <a:ext cx="6338408" cy="2795691"/>
-          </a:xfrm>
-          <a:prstGeom prst="rect">
-            <a:avLst/>
-          </a:prstGeom>
-        </p:spPr>
-      </p:pic>
-      <p:sp>
-        <p:nvSpPr>
-          <p:cNvPr id="9" name="TextBox 8"/>
+          </p:cNvPr>
           <p:cNvSpPr txBox="1"/>
           <p:nvPr/>
         </p:nvSpPr>
         <p:spPr>
           <a:xfrm>
-            <a:off x="7235107" y="1568727"/>
-            <a:ext cx="4624251" cy="3139321"/>
+            <a:off x="371957" y="126965"/>
+            <a:ext cx="8214103" cy="707886"/>
           </a:xfrm>
           <a:prstGeom prst="rect">
             <a:avLst/>
@@ -3223,9 +3206,70 @@
           <a:lstStyle/>
           <a:p>
             <a:r>
-              <a:rPr lang="en-US" b="1" dirty="0"/>
-              <a:t>Popularity by Type During the Pandemic-Q2/2020 vs. Q2/2021</a:t>
-            </a:r>
+              <a:rPr lang="en-US" sz="2000" b="1" dirty="0">
+                <a:latin typeface="Open Sans" panose="020B0606030504020204" pitchFamily="34" charset="0"/>
+                <a:ea typeface="Open Sans" panose="020B0606030504020204" pitchFamily="34" charset="0"/>
+                <a:cs typeface="Open Sans" panose="020B0606030504020204" pitchFamily="34" charset="0"/>
+              </a:rPr>
+              <a:t>What are the top genres distributed by Netflix for tv shows in the last three years (2019, 2020, 2021)?</a:t>
+            </a:r>
+          </a:p>
+        </p:txBody>
+      </p:sp>
+      <p:sp>
+        <p:nvSpPr>
+          <p:cNvPr id="5" name="Rectangle 4">
+            <a:extLst>
+              <a:ext uri="{FF2B5EF4-FFF2-40B4-BE49-F238E27FC236}">
+                <a16:creationId xmlns:a16="http://schemas.microsoft.com/office/drawing/2014/main" id="{FCFADC40-613F-A64F-8AC1-63A8C1F27AD3}"/>
+              </a:ext>
+            </a:extLst>
+          </p:cNvPr>
+          <p:cNvSpPr/>
+          <p:nvPr/>
+        </p:nvSpPr>
+        <p:spPr>
+          <a:xfrm>
+            <a:off x="8471760" y="1005260"/>
+            <a:ext cx="3605938" cy="2423740"/>
+          </a:xfrm>
+          <a:prstGeom prst="rect">
+            <a:avLst/>
+          </a:prstGeom>
+        </p:spPr>
+        <p:txBody>
+          <a:bodyPr wrap="square">
+            <a:spAutoFit/>
+          </a:bodyPr>
+          <a:lstStyle/>
+          <a:p>
+            <a:pPr marL="285750" indent="-285750">
+              <a:spcAft>
+                <a:spcPts val="900"/>
+              </a:spcAft>
+              <a:buFont typeface="Arial" panose="020B0604020202020204" pitchFamily="34" charset="0"/>
+              <a:buChar char="•"/>
+            </a:pPr>
+            <a:r>
+              <a:rPr lang="en-US" dirty="0">
+                <a:latin typeface="Arial" panose="020B0604020202020204" pitchFamily="34" charset="0"/>
+                <a:ea typeface="Times New Roman" panose="02020603050405020304" pitchFamily="18" charset="0"/>
+              </a:rPr>
+              <a:t>Netflix offers range of tv show genres and most of the content have multiple genres. </a:t>
+            </a:r>
+            <a:r>
+              <a:rPr lang="en-US" dirty="0">
+                <a:latin typeface="Arial" panose="020B0604020202020204" pitchFamily="34" charset="0"/>
+                <a:ea typeface="Times New Roman" panose="02020603050405020304" pitchFamily="18" charset="0"/>
+                <a:cs typeface="Times New Roman" panose="02020603050405020304" pitchFamily="18" charset="0"/>
+              </a:rPr>
+              <a:t> </a:t>
+            </a:r>
+            <a:endParaRPr lang="en-US" sz="2400" dirty="0">
+              <a:latin typeface="Calibri" panose="020F0502020204030204" pitchFamily="34" charset="0"/>
+              <a:ea typeface="Calibri" panose="020F0502020204030204" pitchFamily="34" charset="0"/>
+              <a:cs typeface="Times New Roman" panose="02020603050405020304" pitchFamily="18" charset="0"/>
+            </a:endParaRPr>
           </a:p>
           <a:p>
             <a:pPr marL="285750" indent="-285750">
@@ -3233,65 +3277,36 @@
               <a:buChar char="•"/>
             </a:pPr>
             <a:r>
-              <a:rPr lang="en-US" dirty="0"/>
-              <a:t>Compare the results between the two quarters</a:t>
-            </a:r>
-          </a:p>
-          <a:p>
-            <a:pPr marL="285750" indent="-285750">
-              <a:buFont typeface="Arial" panose="020B0604020202020204" pitchFamily="34" charset="0"/>
-              <a:buChar char="•"/>
-            </a:pPr>
-            <a:r>
-              <a:rPr lang="en-US" dirty="0"/>
-              <a:t>Netflix Exclusive TV shows and Non-Exclusive Movies-both dropped in popularity.</a:t>
-            </a:r>
-          </a:p>
-          <a:p>
-            <a:pPr marL="285750" indent="-285750">
-              <a:buFont typeface="Arial" panose="020B0604020202020204" pitchFamily="34" charset="0"/>
-              <a:buChar char="•"/>
-            </a:pPr>
-            <a:r>
-              <a:rPr lang="en-US" dirty="0"/>
-              <a:t>We could see that Netflix Exclusive movies increased over the same time period along with Non-Exclusive TV shows.</a:t>
-            </a:r>
-          </a:p>
-        </p:txBody>
-      </p:sp>
-      <p:sp>
-        <p:nvSpPr>
-          <p:cNvPr id="11" name="TextBox 10"/>
-          <p:cNvSpPr txBox="1"/>
-          <p:nvPr/>
-        </p:nvSpPr>
-        <p:spPr>
-          <a:xfrm>
-            <a:off x="207812" y="155333"/>
-            <a:ext cx="6426654" cy="707886"/>
-          </a:xfrm>
-          <a:prstGeom prst="rect">
-            <a:avLst/>
-          </a:prstGeom>
-          <a:noFill/>
-        </p:spPr>
-        <p:txBody>
-          <a:bodyPr wrap="square" rtlCol="0">
-            <a:spAutoFit/>
-          </a:bodyPr>
-          <a:lstStyle/>
-          <a:p>
-            <a:r>
-              <a:rPr lang="en-US" sz="2000" b="1" dirty="0"/>
-              <a:t>What was the popular type of entertainment on Netflix during the pandemic?</a:t>
-            </a:r>
+              <a:rPr lang="en-US" dirty="0">
+                <a:solidFill>
+                  <a:srgbClr val="000000"/>
+                </a:solidFill>
+                <a:latin typeface="Arial" panose="020B0604020202020204" pitchFamily="34" charset="0"/>
+                <a:ea typeface="Times New Roman" panose="02020603050405020304" pitchFamily="18" charset="0"/>
+                <a:cs typeface="Times New Roman" panose="02020603050405020304" pitchFamily="18" charset="0"/>
+              </a:rPr>
+              <a:t>It is clear that tv show contents is dominated by kids’ tv genre followed by international tv shows which is tied with tv dramas. </a:t>
+            </a:r>
+            <a:r>
+              <a:rPr lang="en-US" dirty="0">
+                <a:latin typeface="Arial" panose="020B0604020202020204" pitchFamily="34" charset="0"/>
+                <a:ea typeface="Times New Roman" panose="02020603050405020304" pitchFamily="18" charset="0"/>
+                <a:cs typeface="Times New Roman" panose="02020603050405020304" pitchFamily="18" charset="0"/>
+              </a:rPr>
+              <a:t> </a:t>
+            </a:r>
+            <a:endParaRPr lang="en-US" sz="2400" dirty="0">
+              <a:latin typeface="Calibri" panose="020F0502020204030204" pitchFamily="34" charset="0"/>
+              <a:ea typeface="Calibri" panose="020F0502020204030204" pitchFamily="34" charset="0"/>
+              <a:cs typeface="Times New Roman" panose="02020603050405020304" pitchFamily="18" charset="0"/>
+            </a:endParaRPr>
           </a:p>
         </p:txBody>
       </p:sp>
     </p:spTree>
     <p:extLst>
       <p:ext uri="{BB962C8B-B14F-4D97-AF65-F5344CB8AC3E}">
-        <p14:creationId xmlns:p14="http://schemas.microsoft.com/office/powerpoint/2010/main" val="475535063"/>
+        <p14:creationId xmlns:p14="http://schemas.microsoft.com/office/powerpoint/2010/main" val="243744400"/>
       </p:ext>
     </p:extLst>
   </p:cSld>
@@ -3340,8 +3355,8 @@
         </p:blipFill>
         <p:spPr>
           <a:xfrm>
-            <a:off x="103409" y="1007659"/>
-            <a:ext cx="6767655" cy="3030583"/>
+            <a:off x="332642" y="1035656"/>
+            <a:ext cx="6426654" cy="2906468"/>
           </a:xfrm>
           <a:prstGeom prst="rect">
             <a:avLst/>
@@ -3350,7 +3365,7 @@
       </p:pic>
       <p:pic>
         <p:nvPicPr>
-          <p:cNvPr id="8" name="Picture 7"/>
+          <p:cNvPr id="6" name="Picture 5"/>
           <p:cNvPicPr>
             <a:picLocks noChangeAspect="1"/>
           </p:cNvPicPr>
@@ -3370,8 +3385,8 @@
         </p:blipFill>
         <p:spPr>
           <a:xfrm>
-            <a:off x="369507" y="4101738"/>
-            <a:ext cx="6028637" cy="2756262"/>
+            <a:off x="545718" y="4062309"/>
+            <a:ext cx="6338408" cy="2795691"/>
           </a:xfrm>
           <a:prstGeom prst="rect">
             <a:avLst/>
@@ -3386,8 +3401,8 @@
         </p:nvSpPr>
         <p:spPr>
           <a:xfrm>
-            <a:off x="7026047" y="509276"/>
-            <a:ext cx="4624251" cy="4801314"/>
+            <a:off x="7235107" y="1568727"/>
+            <a:ext cx="4624251" cy="3139321"/>
           </a:xfrm>
           <a:prstGeom prst="rect">
             <a:avLst/>
@@ -3402,9 +3417,8 @@
           <a:p>
             <a:r>
               <a:rPr lang="en-US" b="1" dirty="0"/>
-              <a:t>Popularity by Type During the Pandemic-Q4/2020 vs. Q4/2021</a:t>
-            </a:r>
-            <a:endParaRPr lang="en-US" dirty="0"/>
+              <a:t>Popularity by Type During the Pandemic-Q2/2020 vs. Q2/2021</a:t>
+            </a:r>
           </a:p>
           <a:p>
             <a:pPr marL="285750" indent="-285750">
@@ -3413,7 +3427,7 @@
             </a:pPr>
             <a:r>
               <a:rPr lang="en-US" dirty="0"/>
-              <a:t>Compare the results between the two quarters.</a:t>
+              <a:t>Compare the results between the two quarters</a:t>
             </a:r>
           </a:p>
           <a:p>
@@ -3423,15 +3437,7 @@
             </a:pPr>
             <a:r>
               <a:rPr lang="en-US" dirty="0"/>
-              <a:t>Netflix Exclusive TV shows increased a lot bringing it back to the around the same level as the 2</a:t>
-            </a:r>
-            <a:r>
-              <a:rPr lang="en-US" baseline="30000" dirty="0"/>
-              <a:t>nd</a:t>
-            </a:r>
-            <a:r>
-              <a:rPr lang="en-US" dirty="0"/>
-              <a:t> quarter of 2020. </a:t>
+              <a:t>Netflix Exclusive TV shows and Non-Exclusive Movies-both dropped in popularity.</a:t>
             </a:r>
           </a:p>
           <a:p>
@@ -3441,24 +3447,14 @@
             </a:pPr>
             <a:r>
               <a:rPr lang="en-US" dirty="0"/>
-              <a:t>We could see that Netflix Exclusive movies actually increased slightly over the same time period but the non-exclusive movies and TV shows remained around the same or decreased.</a:t>
-            </a:r>
-          </a:p>
-          <a:p>
-            <a:pPr marL="285750" indent="-285750">
-              <a:buFont typeface="Arial" panose="020B0604020202020204" pitchFamily="34" charset="0"/>
-              <a:buChar char="•"/>
-            </a:pPr>
-            <a:r>
-              <a:rPr lang="en-US" dirty="0"/>
-              <a:t>Throughout the timeframe, we could see a small number of comedy specials in the daily Top 10 that resulted no more than 1-2% per quarter.</a:t>
-            </a:r>
-          </a:p>
-        </p:txBody>
-      </p:sp>
-      <p:sp>
-        <p:nvSpPr>
-          <p:cNvPr id="10" name="TextBox 9"/>
+              <a:t>We could see that Netflix Exclusive movies increased over the same time period along with Non-Exclusive TV shows.</a:t>
+            </a:r>
+          </a:p>
+        </p:txBody>
+      </p:sp>
+      <p:sp>
+        <p:nvSpPr>
+          <p:cNvPr id="11" name="TextBox 10"/>
           <p:cNvSpPr txBox="1"/>
           <p:nvPr/>
         </p:nvSpPr>
@@ -3488,7 +3484,7 @@
     </p:spTree>
     <p:extLst>
       <p:ext uri="{BB962C8B-B14F-4D97-AF65-F5344CB8AC3E}">
-        <p14:creationId xmlns:p14="http://schemas.microsoft.com/office/powerpoint/2010/main" val="792271978"/>
+        <p14:creationId xmlns:p14="http://schemas.microsoft.com/office/powerpoint/2010/main" val="475535063"/>
       </p:ext>
     </p:extLst>
   </p:cSld>
@@ -3515,16 +3511,76 @@
           <a:chExt cx="0" cy="0"/>
         </a:xfrm>
       </p:grpSpPr>
-      <p:sp>
-        <p:nvSpPr>
-          <p:cNvPr id="2" name="TextBox 1"/>
+      <p:pic>
+        <p:nvPicPr>
+          <p:cNvPr id="5" name="Picture 4"/>
+          <p:cNvPicPr>
+            <a:picLocks noChangeAspect="1"/>
+          </p:cNvPicPr>
+          <p:nvPr/>
+        </p:nvPicPr>
+        <p:blipFill>
+          <a:blip r:embed="rId2">
+            <a:extLst>
+              <a:ext uri="{28A0092B-C50C-407E-A947-70E740481C1C}">
+                <a14:useLocalDpi xmlns:a14="http://schemas.microsoft.com/office/drawing/2010/main" val="0"/>
+              </a:ext>
+            </a:extLst>
+          </a:blip>
+          <a:stretch>
+            <a:fillRect/>
+          </a:stretch>
+        </p:blipFill>
+        <p:spPr>
+          <a:xfrm>
+            <a:off x="103409" y="1007659"/>
+            <a:ext cx="6767655" cy="3030583"/>
+          </a:xfrm>
+          <a:prstGeom prst="rect">
+            <a:avLst/>
+          </a:prstGeom>
+        </p:spPr>
+      </p:pic>
+      <p:pic>
+        <p:nvPicPr>
+          <p:cNvPr id="8" name="Picture 7"/>
+          <p:cNvPicPr>
+            <a:picLocks noChangeAspect="1"/>
+          </p:cNvPicPr>
+          <p:nvPr/>
+        </p:nvPicPr>
+        <p:blipFill>
+          <a:blip r:embed="rId3">
+            <a:extLst>
+              <a:ext uri="{28A0092B-C50C-407E-A947-70E740481C1C}">
+                <a14:useLocalDpi xmlns:a14="http://schemas.microsoft.com/office/drawing/2010/main" val="0"/>
+              </a:ext>
+            </a:extLst>
+          </a:blip>
+          <a:stretch>
+            <a:fillRect/>
+          </a:stretch>
+        </p:blipFill>
+        <p:spPr>
+          <a:xfrm>
+            <a:off x="369507" y="4101738"/>
+            <a:ext cx="6028637" cy="2756262"/>
+          </a:xfrm>
+          <a:prstGeom prst="rect">
+            <a:avLst/>
+          </a:prstGeom>
+        </p:spPr>
+      </p:pic>
+      <p:sp>
+        <p:nvSpPr>
+          <p:cNvPr id="9" name="TextBox 8"/>
           <p:cNvSpPr txBox="1"/>
           <p:nvPr/>
         </p:nvSpPr>
         <p:spPr>
           <a:xfrm>
-            <a:off x="362439" y="1899649"/>
-            <a:ext cx="10659291" cy="2585323"/>
+            <a:off x="7026047" y="509276"/>
+            <a:ext cx="4624251" cy="4801314"/>
           </a:xfrm>
           <a:prstGeom prst="rect">
             <a:avLst/>
@@ -3537,12 +3593,30 @@
           </a:bodyPr>
           <a:lstStyle/>
           <a:p>
-            <a:pPr marL="342900" indent="-342900">
-              <a:buAutoNum type="arabicPeriod"/>
+            <a:r>
+              <a:rPr lang="en-US" b="1" dirty="0"/>
+              <a:t>Popularity by Type During the Pandemic-Q4/2020 vs. Q4/2021</a:t>
+            </a:r>
+            <a:endParaRPr lang="en-US" dirty="0"/>
+          </a:p>
+          <a:p>
+            <a:pPr marL="285750" indent="-285750">
+              <a:buFont typeface="Arial" panose="020B0604020202020204" pitchFamily="34" charset="0"/>
+              <a:buChar char="•"/>
             </a:pPr>
             <a:r>
               <a:rPr lang="en-US" dirty="0"/>
-              <a:t>Based on the results from the pandemic, we can see that most people preferred to watch TV shows. This is likely to have been a result of the lockdowns and people had more time to watch TV shows. Also, the popularity of certain TV shows (example-Tiger King) resulted in more people watching specifically Netflix exclusive TV shows. We could see decreases amongst the Netflix exclusive TV shows over the course of the pandemic but the comparison between the 2</a:t>
+              <a:t>Compare the results between the two quarters.</a:t>
+            </a:r>
+          </a:p>
+          <a:p>
+            <a:pPr marL="285750" indent="-285750">
+              <a:buFont typeface="Arial" panose="020B0604020202020204" pitchFamily="34" charset="0"/>
+              <a:buChar char="•"/>
+            </a:pPr>
+            <a:r>
+              <a:rPr lang="en-US" dirty="0"/>
+              <a:t>Netflix Exclusive TV shows increased a lot bringing it back to the around the same level as the 2</a:t>
             </a:r>
             <a:r>
               <a:rPr lang="en-US" baseline="30000" dirty="0"/>
@@ -3550,240 +3624,56 @@
             </a:r>
             <a:r>
               <a:rPr lang="en-US" dirty="0"/>
-              <a:t> quarter of 2020 and the 4</a:t>
-            </a:r>
-            <a:r>
-              <a:rPr lang="en-US" baseline="30000" dirty="0"/>
-              <a:t>th</a:t>
-            </a:r>
+              <a:t> quarter of 2020. </a:t>
+            </a:r>
+          </a:p>
+          <a:p>
+            <a:pPr marL="285750" indent="-285750">
+              <a:buFont typeface="Arial" panose="020B0604020202020204" pitchFamily="34" charset="0"/>
+              <a:buChar char="•"/>
+            </a:pPr>
             <a:r>
               <a:rPr lang="en-US" dirty="0"/>
-              <a:t> quarter of 2021, we could see that there was little change to the popularity of Netflix exclusives.</a:t>
-            </a:r>
-          </a:p>
-          <a:p>
-            <a:pPr marL="342900" indent="-342900">
-              <a:buAutoNum type="arabicPeriod"/>
+              <a:t>We could see that Netflix Exclusive movies actually increased slightly over the same time period but the non-exclusive movies and TV shows remained around the same or decreased.</a:t>
+            </a:r>
+          </a:p>
+          <a:p>
+            <a:pPr marL="285750" indent="-285750">
+              <a:buFont typeface="Arial" panose="020B0604020202020204" pitchFamily="34" charset="0"/>
+              <a:buChar char="•"/>
             </a:pPr>
-            <a:endParaRPr lang="en-US" dirty="0"/>
-          </a:p>
-          <a:p>
-            <a:pPr marL="342900" indent="-342900">
-              <a:buAutoNum type="arabicPeriod"/>
-            </a:pPr>
             <a:r>
               <a:rPr lang="en-US" dirty="0"/>
-              <a:t>Netflix is likely capable of being able to produce TV shows at a faster rate than movies which is likely the reason why there are a lot of options for users to watch new TV shows.</a:t>
-            </a:r>
-          </a:p>
-        </p:txBody>
-      </p:sp>
-      <p:sp>
-        <p:nvSpPr>
-          <p:cNvPr id="3" name="Text Placeholder 2">
-            <a:extLst>
-              <a:ext uri="{FF2B5EF4-FFF2-40B4-BE49-F238E27FC236}">
-                <a16:creationId xmlns:a16="http://schemas.microsoft.com/office/drawing/2014/main" id="{5054D899-C05C-5F87-A7E0-544F9DEF3900}"/>
-              </a:ext>
-            </a:extLst>
-          </p:cNvPr>
-          <p:cNvSpPr txBox="1">
-            <a:spLocks/>
-          </p:cNvSpPr>
+              <a:t>Throughout the timeframe, we could see a small number of comedy specials in the daily Top 10 that resulted no more than 1-2% per quarter.</a:t>
+            </a:r>
+          </a:p>
+        </p:txBody>
+      </p:sp>
+      <p:sp>
+        <p:nvSpPr>
+          <p:cNvPr id="10" name="TextBox 9"/>
+          <p:cNvSpPr txBox="1"/>
           <p:nvPr/>
         </p:nvSpPr>
         <p:spPr>
           <a:xfrm>
-            <a:off x="333120" y="108617"/>
-            <a:ext cx="5928195" cy="489064"/>
+            <a:off x="207812" y="155333"/>
+            <a:ext cx="6426654" cy="707886"/>
           </a:xfrm>
           <a:prstGeom prst="rect">
             <a:avLst/>
           </a:prstGeom>
-        </p:spPr>
-        <p:txBody>
-          <a:bodyPr/>
-          <a:lstStyle>
-            <a:lvl1pPr marL="228600" indent="-228600" algn="l" defTabSz="914400" rtl="0" eaLnBrk="1" latinLnBrk="0" hangingPunct="1">
-              <a:lnSpc>
-                <a:spcPct val="90000"/>
-              </a:lnSpc>
-              <a:spcBef>
-                <a:spcPts val="1000"/>
-              </a:spcBef>
-              <a:buFontTx/>
-              <a:buBlip>
-                <a:blip r:embed="rId2"/>
-              </a:buBlip>
-              <a:defRPr sz="2800" b="0" i="0" kern="1200">
-                <a:solidFill>
-                  <a:schemeClr val="tx1"/>
-                </a:solidFill>
-                <a:latin typeface="Open Sans" panose="020B0606030504020204" pitchFamily="34" charset="0"/>
-                <a:ea typeface="Open Sans" panose="020B0606030504020204" pitchFamily="34" charset="0"/>
-                <a:cs typeface="Open Sans" panose="020B0606030504020204" pitchFamily="34" charset="0"/>
-              </a:defRPr>
-            </a:lvl1pPr>
-            <a:lvl2pPr marL="685800" indent="-228600" algn="l" defTabSz="914400" rtl="0" eaLnBrk="1" latinLnBrk="0" hangingPunct="1">
-              <a:lnSpc>
-                <a:spcPct val="90000"/>
-              </a:lnSpc>
-              <a:spcBef>
-                <a:spcPts val="500"/>
-              </a:spcBef>
-              <a:buFontTx/>
-              <a:buBlip>
-                <a:blip r:embed="rId2"/>
-              </a:buBlip>
-              <a:defRPr sz="2400" b="0" i="0" kern="1200">
-                <a:solidFill>
-                  <a:schemeClr val="tx1"/>
-                </a:solidFill>
-                <a:latin typeface="Open Sans" panose="020B0606030504020204" pitchFamily="34" charset="0"/>
-                <a:ea typeface="Open Sans" panose="020B0606030504020204" pitchFamily="34" charset="0"/>
-                <a:cs typeface="Open Sans" panose="020B0606030504020204" pitchFamily="34" charset="0"/>
-              </a:defRPr>
-            </a:lvl2pPr>
-            <a:lvl3pPr marL="1143000" indent="-228600" algn="l" defTabSz="914400" rtl="0" eaLnBrk="1" latinLnBrk="0" hangingPunct="1">
-              <a:lnSpc>
-                <a:spcPct val="90000"/>
-              </a:lnSpc>
-              <a:spcBef>
-                <a:spcPts val="500"/>
-              </a:spcBef>
-              <a:buFontTx/>
-              <a:buBlip>
-                <a:blip r:embed="rId2"/>
-              </a:buBlip>
-              <a:defRPr sz="2000" b="0" i="0" kern="1200">
-                <a:solidFill>
-                  <a:schemeClr val="tx1"/>
-                </a:solidFill>
-                <a:latin typeface="Open Sans" panose="020B0606030504020204" pitchFamily="34" charset="0"/>
-                <a:ea typeface="Open Sans" panose="020B0606030504020204" pitchFamily="34" charset="0"/>
-                <a:cs typeface="Open Sans" panose="020B0606030504020204" pitchFamily="34" charset="0"/>
-              </a:defRPr>
-            </a:lvl3pPr>
-            <a:lvl4pPr marL="1600200" indent="-228600" algn="l" defTabSz="914400" rtl="0" eaLnBrk="1" latinLnBrk="0" hangingPunct="1">
-              <a:lnSpc>
-                <a:spcPct val="90000"/>
-              </a:lnSpc>
-              <a:spcBef>
-                <a:spcPts val="500"/>
-              </a:spcBef>
-              <a:buFontTx/>
-              <a:buBlip>
-                <a:blip r:embed="rId2"/>
-              </a:buBlip>
-              <a:defRPr sz="1800" b="0" i="0" kern="1200">
-                <a:solidFill>
-                  <a:schemeClr val="tx1"/>
-                </a:solidFill>
-                <a:latin typeface="Open Sans" panose="020B0606030504020204" pitchFamily="34" charset="0"/>
-                <a:ea typeface="Open Sans" panose="020B0606030504020204" pitchFamily="34" charset="0"/>
-                <a:cs typeface="Open Sans" panose="020B0606030504020204" pitchFamily="34" charset="0"/>
-              </a:defRPr>
-            </a:lvl4pPr>
-            <a:lvl5pPr marL="2057400" indent="-228600" algn="l" defTabSz="914400" rtl="0" eaLnBrk="1" latinLnBrk="0" hangingPunct="1">
-              <a:lnSpc>
-                <a:spcPct val="90000"/>
-              </a:lnSpc>
-              <a:spcBef>
-                <a:spcPts val="500"/>
-              </a:spcBef>
-              <a:buFontTx/>
-              <a:buBlip>
-                <a:blip r:embed="rId2"/>
-              </a:buBlip>
-              <a:defRPr sz="1800" b="0" i="0" kern="1200">
-                <a:solidFill>
-                  <a:schemeClr val="tx1"/>
-                </a:solidFill>
-                <a:latin typeface="Open Sans" panose="020B0606030504020204" pitchFamily="34" charset="0"/>
-                <a:ea typeface="Open Sans" panose="020B0606030504020204" pitchFamily="34" charset="0"/>
-                <a:cs typeface="Open Sans" panose="020B0606030504020204" pitchFamily="34" charset="0"/>
-              </a:defRPr>
-            </a:lvl5pPr>
-            <a:lvl6pPr marL="2514600" indent="-228600" algn="l" defTabSz="914400" rtl="0" eaLnBrk="1" latinLnBrk="0" hangingPunct="1">
-              <a:lnSpc>
-                <a:spcPct val="90000"/>
-              </a:lnSpc>
-              <a:spcBef>
-                <a:spcPts val="500"/>
-              </a:spcBef>
-              <a:buFont typeface="Arial" panose="020B0604020202020204" pitchFamily="34" charset="0"/>
-              <a:buChar char="•"/>
-              <a:defRPr sz="1800" kern="1200">
-                <a:solidFill>
-                  <a:schemeClr val="tx1"/>
-                </a:solidFill>
-                <a:latin typeface="+mn-lt"/>
-                <a:ea typeface="+mn-ea"/>
-                <a:cs typeface="+mn-cs"/>
-              </a:defRPr>
-            </a:lvl6pPr>
-            <a:lvl7pPr marL="2971800" indent="-228600" algn="l" defTabSz="914400" rtl="0" eaLnBrk="1" latinLnBrk="0" hangingPunct="1">
-              <a:lnSpc>
-                <a:spcPct val="90000"/>
-              </a:lnSpc>
-              <a:spcBef>
-                <a:spcPts val="500"/>
-              </a:spcBef>
-              <a:buFont typeface="Arial" panose="020B0604020202020204" pitchFamily="34" charset="0"/>
-              <a:buChar char="•"/>
-              <a:defRPr sz="1800" kern="1200">
-                <a:solidFill>
-                  <a:schemeClr val="tx1"/>
-                </a:solidFill>
-                <a:latin typeface="+mn-lt"/>
-                <a:ea typeface="+mn-ea"/>
-                <a:cs typeface="+mn-cs"/>
-              </a:defRPr>
-            </a:lvl7pPr>
-            <a:lvl8pPr marL="3429000" indent="-228600" algn="l" defTabSz="914400" rtl="0" eaLnBrk="1" latinLnBrk="0" hangingPunct="1">
-              <a:lnSpc>
-                <a:spcPct val="90000"/>
-              </a:lnSpc>
-              <a:spcBef>
-                <a:spcPts val="500"/>
-              </a:spcBef>
-              <a:buFont typeface="Arial" panose="020B0604020202020204" pitchFamily="34" charset="0"/>
-              <a:buChar char="•"/>
-              <a:defRPr sz="1800" kern="1200">
-                <a:solidFill>
-                  <a:schemeClr val="tx1"/>
-                </a:solidFill>
-                <a:latin typeface="+mn-lt"/>
-                <a:ea typeface="+mn-ea"/>
-                <a:cs typeface="+mn-cs"/>
-              </a:defRPr>
-            </a:lvl8pPr>
-            <a:lvl9pPr marL="3886200" indent="-228600" algn="l" defTabSz="914400" rtl="0" eaLnBrk="1" latinLnBrk="0" hangingPunct="1">
-              <a:lnSpc>
-                <a:spcPct val="90000"/>
-              </a:lnSpc>
-              <a:spcBef>
-                <a:spcPts val="500"/>
-              </a:spcBef>
-              <a:buFont typeface="Arial" panose="020B0604020202020204" pitchFamily="34" charset="0"/>
-              <a:buChar char="•"/>
-              <a:defRPr sz="1800" kern="1200">
-                <a:solidFill>
-                  <a:schemeClr val="tx1"/>
-                </a:solidFill>
-                <a:latin typeface="+mn-lt"/>
-                <a:ea typeface="+mn-ea"/>
-                <a:cs typeface="+mn-cs"/>
-              </a:defRPr>
-            </a:lvl9pPr>
-          </a:lstStyle>
-          <a:p>
-            <a:pPr marL="0" indent="0">
-              <a:buNone/>
-            </a:pPr>
-            <a:r>
-              <a:rPr lang="en-GB" sz="3200" b="1" dirty="0"/>
-              <a:t>Discussion and Conclusion</a:t>
+          <a:noFill/>
+        </p:spPr>
+        <p:txBody>
+          <a:bodyPr wrap="square" rtlCol="0">
+            <a:spAutoFit/>
+          </a:bodyPr>
+          <a:lstStyle/>
+          <a:p>
+            <a:r>
+              <a:rPr lang="en-US" sz="2000" b="1" dirty="0"/>
+              <a:t>What was the popular type of entertainment on Netflix during the pandemic?</a:t>
             </a:r>
           </a:p>
         </p:txBody>
@@ -3791,7 +3681,7 @@
     </p:spTree>
     <p:extLst>
       <p:ext uri="{BB962C8B-B14F-4D97-AF65-F5344CB8AC3E}">
-        <p14:creationId xmlns:p14="http://schemas.microsoft.com/office/powerpoint/2010/main" val="2473088299"/>
+        <p14:creationId xmlns:p14="http://schemas.microsoft.com/office/powerpoint/2010/main" val="792271978"/>
       </p:ext>
     </p:extLst>
   </p:cSld>
@@ -3820,6 +3710,309 @@
       </p:grpSpPr>
       <p:sp>
         <p:nvSpPr>
+          <p:cNvPr id="2" name="TextBox 1"/>
+          <p:cNvSpPr txBox="1"/>
+          <p:nvPr/>
+        </p:nvSpPr>
+        <p:spPr>
+          <a:xfrm>
+            <a:off x="362439" y="1899649"/>
+            <a:ext cx="10659291" cy="2585323"/>
+          </a:xfrm>
+          <a:prstGeom prst="rect">
+            <a:avLst/>
+          </a:prstGeom>
+          <a:noFill/>
+        </p:spPr>
+        <p:txBody>
+          <a:bodyPr wrap="square" rtlCol="0">
+            <a:spAutoFit/>
+          </a:bodyPr>
+          <a:lstStyle/>
+          <a:p>
+            <a:pPr marL="342900" indent="-342900">
+              <a:buAutoNum type="arabicPeriod"/>
+            </a:pPr>
+            <a:r>
+              <a:rPr lang="en-US" dirty="0"/>
+              <a:t>Based on the results from the pandemic, we can see that most people preferred to watch TV shows. This is likely to have been a result of the lockdowns and people had more time to watch TV shows. Also, the popularity of certain TV shows (example-Tiger King) resulted in more people watching specifically Netflix exclusive TV shows. We could see decreases amongst the Netflix exclusive TV shows over the course of the pandemic but the comparison between the 2</a:t>
+            </a:r>
+            <a:r>
+              <a:rPr lang="en-US" baseline="30000" dirty="0"/>
+              <a:t>nd</a:t>
+            </a:r>
+            <a:r>
+              <a:rPr lang="en-US" dirty="0"/>
+              <a:t> quarter of 2020 and the 4</a:t>
+            </a:r>
+            <a:r>
+              <a:rPr lang="en-US" baseline="30000" dirty="0"/>
+              <a:t>th</a:t>
+            </a:r>
+            <a:r>
+              <a:rPr lang="en-US" dirty="0"/>
+              <a:t> quarter of 2021, we could see that there was little change to the popularity of Netflix exclusives.</a:t>
+            </a:r>
+          </a:p>
+          <a:p>
+            <a:pPr marL="342900" indent="-342900">
+              <a:buAutoNum type="arabicPeriod"/>
+            </a:pPr>
+            <a:endParaRPr lang="en-US" dirty="0"/>
+          </a:p>
+          <a:p>
+            <a:pPr marL="342900" indent="-342900">
+              <a:buAutoNum type="arabicPeriod"/>
+            </a:pPr>
+            <a:r>
+              <a:rPr lang="en-US" dirty="0"/>
+              <a:t>Netflix is likely capable of being able to produce TV shows at a faster rate than movies which is likely the reason why there are a lot of options for users to watch new TV shows.</a:t>
+            </a:r>
+          </a:p>
+        </p:txBody>
+      </p:sp>
+      <p:sp>
+        <p:nvSpPr>
+          <p:cNvPr id="3" name="Text Placeholder 2">
+            <a:extLst>
+              <a:ext uri="{FF2B5EF4-FFF2-40B4-BE49-F238E27FC236}">
+                <a16:creationId xmlns:a16="http://schemas.microsoft.com/office/drawing/2014/main" id="{5054D899-C05C-5F87-A7E0-544F9DEF3900}"/>
+              </a:ext>
+            </a:extLst>
+          </p:cNvPr>
+          <p:cNvSpPr txBox="1">
+            <a:spLocks/>
+          </p:cNvSpPr>
+          <p:nvPr/>
+        </p:nvSpPr>
+        <p:spPr>
+          <a:xfrm>
+            <a:off x="333120" y="108617"/>
+            <a:ext cx="5928195" cy="489064"/>
+          </a:xfrm>
+          <a:prstGeom prst="rect">
+            <a:avLst/>
+          </a:prstGeom>
+        </p:spPr>
+        <p:txBody>
+          <a:bodyPr/>
+          <a:lstStyle>
+            <a:lvl1pPr marL="228600" indent="-228600" algn="l" defTabSz="914400" rtl="0" eaLnBrk="1" latinLnBrk="0" hangingPunct="1">
+              <a:lnSpc>
+                <a:spcPct val="90000"/>
+              </a:lnSpc>
+              <a:spcBef>
+                <a:spcPts val="1000"/>
+              </a:spcBef>
+              <a:buFontTx/>
+              <a:buBlip>
+                <a:blip r:embed="rId2"/>
+              </a:buBlip>
+              <a:defRPr sz="2800" b="0" i="0" kern="1200">
+                <a:solidFill>
+                  <a:schemeClr val="tx1"/>
+                </a:solidFill>
+                <a:latin typeface="Open Sans" panose="020B0606030504020204" pitchFamily="34" charset="0"/>
+                <a:ea typeface="Open Sans" panose="020B0606030504020204" pitchFamily="34" charset="0"/>
+                <a:cs typeface="Open Sans" panose="020B0606030504020204" pitchFamily="34" charset="0"/>
+              </a:defRPr>
+            </a:lvl1pPr>
+            <a:lvl2pPr marL="685800" indent="-228600" algn="l" defTabSz="914400" rtl="0" eaLnBrk="1" latinLnBrk="0" hangingPunct="1">
+              <a:lnSpc>
+                <a:spcPct val="90000"/>
+              </a:lnSpc>
+              <a:spcBef>
+                <a:spcPts val="500"/>
+              </a:spcBef>
+              <a:buFontTx/>
+              <a:buBlip>
+                <a:blip r:embed="rId2"/>
+              </a:buBlip>
+              <a:defRPr sz="2400" b="0" i="0" kern="1200">
+                <a:solidFill>
+                  <a:schemeClr val="tx1"/>
+                </a:solidFill>
+                <a:latin typeface="Open Sans" panose="020B0606030504020204" pitchFamily="34" charset="0"/>
+                <a:ea typeface="Open Sans" panose="020B0606030504020204" pitchFamily="34" charset="0"/>
+                <a:cs typeface="Open Sans" panose="020B0606030504020204" pitchFamily="34" charset="0"/>
+              </a:defRPr>
+            </a:lvl2pPr>
+            <a:lvl3pPr marL="1143000" indent="-228600" algn="l" defTabSz="914400" rtl="0" eaLnBrk="1" latinLnBrk="0" hangingPunct="1">
+              <a:lnSpc>
+                <a:spcPct val="90000"/>
+              </a:lnSpc>
+              <a:spcBef>
+                <a:spcPts val="500"/>
+              </a:spcBef>
+              <a:buFontTx/>
+              <a:buBlip>
+                <a:blip r:embed="rId2"/>
+              </a:buBlip>
+              <a:defRPr sz="2000" b="0" i="0" kern="1200">
+                <a:solidFill>
+                  <a:schemeClr val="tx1"/>
+                </a:solidFill>
+                <a:latin typeface="Open Sans" panose="020B0606030504020204" pitchFamily="34" charset="0"/>
+                <a:ea typeface="Open Sans" panose="020B0606030504020204" pitchFamily="34" charset="0"/>
+                <a:cs typeface="Open Sans" panose="020B0606030504020204" pitchFamily="34" charset="0"/>
+              </a:defRPr>
+            </a:lvl3pPr>
+            <a:lvl4pPr marL="1600200" indent="-228600" algn="l" defTabSz="914400" rtl="0" eaLnBrk="1" latinLnBrk="0" hangingPunct="1">
+              <a:lnSpc>
+                <a:spcPct val="90000"/>
+              </a:lnSpc>
+              <a:spcBef>
+                <a:spcPts val="500"/>
+              </a:spcBef>
+              <a:buFontTx/>
+              <a:buBlip>
+                <a:blip r:embed="rId2"/>
+              </a:buBlip>
+              <a:defRPr sz="1800" b="0" i="0" kern="1200">
+                <a:solidFill>
+                  <a:schemeClr val="tx1"/>
+                </a:solidFill>
+                <a:latin typeface="Open Sans" panose="020B0606030504020204" pitchFamily="34" charset="0"/>
+                <a:ea typeface="Open Sans" panose="020B0606030504020204" pitchFamily="34" charset="0"/>
+                <a:cs typeface="Open Sans" panose="020B0606030504020204" pitchFamily="34" charset="0"/>
+              </a:defRPr>
+            </a:lvl4pPr>
+            <a:lvl5pPr marL="2057400" indent="-228600" algn="l" defTabSz="914400" rtl="0" eaLnBrk="1" latinLnBrk="0" hangingPunct="1">
+              <a:lnSpc>
+                <a:spcPct val="90000"/>
+              </a:lnSpc>
+              <a:spcBef>
+                <a:spcPts val="500"/>
+              </a:spcBef>
+              <a:buFontTx/>
+              <a:buBlip>
+                <a:blip r:embed="rId2"/>
+              </a:buBlip>
+              <a:defRPr sz="1800" b="0" i="0" kern="1200">
+                <a:solidFill>
+                  <a:schemeClr val="tx1"/>
+                </a:solidFill>
+                <a:latin typeface="Open Sans" panose="020B0606030504020204" pitchFamily="34" charset="0"/>
+                <a:ea typeface="Open Sans" panose="020B0606030504020204" pitchFamily="34" charset="0"/>
+                <a:cs typeface="Open Sans" panose="020B0606030504020204" pitchFamily="34" charset="0"/>
+              </a:defRPr>
+            </a:lvl5pPr>
+            <a:lvl6pPr marL="2514600" indent="-228600" algn="l" defTabSz="914400" rtl="0" eaLnBrk="1" latinLnBrk="0" hangingPunct="1">
+              <a:lnSpc>
+                <a:spcPct val="90000"/>
+              </a:lnSpc>
+              <a:spcBef>
+                <a:spcPts val="500"/>
+              </a:spcBef>
+              <a:buFont typeface="Arial" panose="020B0604020202020204" pitchFamily="34" charset="0"/>
+              <a:buChar char="•"/>
+              <a:defRPr sz="1800" kern="1200">
+                <a:solidFill>
+                  <a:schemeClr val="tx1"/>
+                </a:solidFill>
+                <a:latin typeface="+mn-lt"/>
+                <a:ea typeface="+mn-ea"/>
+                <a:cs typeface="+mn-cs"/>
+              </a:defRPr>
+            </a:lvl6pPr>
+            <a:lvl7pPr marL="2971800" indent="-228600" algn="l" defTabSz="914400" rtl="0" eaLnBrk="1" latinLnBrk="0" hangingPunct="1">
+              <a:lnSpc>
+                <a:spcPct val="90000"/>
+              </a:lnSpc>
+              <a:spcBef>
+                <a:spcPts val="500"/>
+              </a:spcBef>
+              <a:buFont typeface="Arial" panose="020B0604020202020204" pitchFamily="34" charset="0"/>
+              <a:buChar char="•"/>
+              <a:defRPr sz="1800" kern="1200">
+                <a:solidFill>
+                  <a:schemeClr val="tx1"/>
+                </a:solidFill>
+                <a:latin typeface="+mn-lt"/>
+                <a:ea typeface="+mn-ea"/>
+                <a:cs typeface="+mn-cs"/>
+              </a:defRPr>
+            </a:lvl7pPr>
+            <a:lvl8pPr marL="3429000" indent="-228600" algn="l" defTabSz="914400" rtl="0" eaLnBrk="1" latinLnBrk="0" hangingPunct="1">
+              <a:lnSpc>
+                <a:spcPct val="90000"/>
+              </a:lnSpc>
+              <a:spcBef>
+                <a:spcPts val="500"/>
+              </a:spcBef>
+              <a:buFont typeface="Arial" panose="020B0604020202020204" pitchFamily="34" charset="0"/>
+              <a:buChar char="•"/>
+              <a:defRPr sz="1800" kern="1200">
+                <a:solidFill>
+                  <a:schemeClr val="tx1"/>
+                </a:solidFill>
+                <a:latin typeface="+mn-lt"/>
+                <a:ea typeface="+mn-ea"/>
+                <a:cs typeface="+mn-cs"/>
+              </a:defRPr>
+            </a:lvl8pPr>
+            <a:lvl9pPr marL="3886200" indent="-228600" algn="l" defTabSz="914400" rtl="0" eaLnBrk="1" latinLnBrk="0" hangingPunct="1">
+              <a:lnSpc>
+                <a:spcPct val="90000"/>
+              </a:lnSpc>
+              <a:spcBef>
+                <a:spcPts val="500"/>
+              </a:spcBef>
+              <a:buFont typeface="Arial" panose="020B0604020202020204" pitchFamily="34" charset="0"/>
+              <a:buChar char="•"/>
+              <a:defRPr sz="1800" kern="1200">
+                <a:solidFill>
+                  <a:schemeClr val="tx1"/>
+                </a:solidFill>
+                <a:latin typeface="+mn-lt"/>
+                <a:ea typeface="+mn-ea"/>
+                <a:cs typeface="+mn-cs"/>
+              </a:defRPr>
+            </a:lvl9pPr>
+          </a:lstStyle>
+          <a:p>
+            <a:pPr marL="0" indent="0">
+              <a:buNone/>
+            </a:pPr>
+            <a:r>
+              <a:rPr lang="en-GB" sz="3200" b="1" dirty="0"/>
+              <a:t>Discussion and Conclusion</a:t>
+            </a:r>
+          </a:p>
+        </p:txBody>
+      </p:sp>
+    </p:spTree>
+    <p:extLst>
+      <p:ext uri="{BB962C8B-B14F-4D97-AF65-F5344CB8AC3E}">
+        <p14:creationId xmlns:p14="http://schemas.microsoft.com/office/powerpoint/2010/main" val="2473088299"/>
+      </p:ext>
+    </p:extLst>
+  </p:cSld>
+  <p:clrMapOvr>
+    <a:masterClrMapping/>
+  </p:clrMapOvr>
+</p:sld>
+</file>
+
+<file path=ppt/slides/slide14.xml><?xml version="1.0" encoding="utf-8"?>
+<p:sld xmlns:a="http://schemas.openxmlformats.org/drawingml/2006/main" xmlns:r="http://schemas.openxmlformats.org/officeDocument/2006/relationships" xmlns:p="http://schemas.openxmlformats.org/presentationml/2006/main">
+  <p:cSld>
+    <p:spTree>
+      <p:nvGrpSpPr>
+        <p:cNvPr id="1" name=""/>
+        <p:cNvGrpSpPr/>
+        <p:nvPr/>
+      </p:nvGrpSpPr>
+      <p:grpSpPr>
+        <a:xfrm>
+          <a:off x="0" y="0"/>
+          <a:ext cx="0" cy="0"/>
+          <a:chOff x="0" y="0"/>
+          <a:chExt cx="0" cy="0"/>
+        </a:xfrm>
+      </p:grpSpPr>
+      <p:sp>
+        <p:nvSpPr>
           <p:cNvPr id="2" name="TextBox 1">
             <a:extLst>
               <a:ext uri="{FF2B5EF4-FFF2-40B4-BE49-F238E27FC236}">
@@ -3998,7 +4191,7 @@
 </p:sld>
 </file>
 
-<file path=ppt/slides/slide14.xml><?xml version="1.0" encoding="utf-8"?>
+<file path=ppt/slides/slide15.xml><?xml version="1.0" encoding="utf-8"?>
 <p:sld xmlns:a="http://schemas.openxmlformats.org/drawingml/2006/main" xmlns:r="http://schemas.openxmlformats.org/officeDocument/2006/relationships" xmlns:p="http://schemas.openxmlformats.org/presentationml/2006/main">
   <p:cSld>
     <p:spTree>
@@ -4338,7 +4531,7 @@
 </p:sld>
 </file>
 
-<file path=ppt/slides/slide15.xml><?xml version="1.0" encoding="utf-8"?>
+<file path=ppt/slides/slide16.xml><?xml version="1.0" encoding="utf-8"?>
 <p:sld xmlns:a="http://schemas.openxmlformats.org/drawingml/2006/main" xmlns:r="http://schemas.openxmlformats.org/officeDocument/2006/relationships" xmlns:p="http://schemas.openxmlformats.org/presentationml/2006/main">
   <p:cSld>
     <p:spTree>
@@ -4581,7 +4774,7 @@
 </p:sld>
 </file>
 
-<file path=ppt/slides/slide16.xml><?xml version="1.0" encoding="utf-8"?>
+<file path=ppt/slides/slide17.xml><?xml version="1.0" encoding="utf-8"?>
 <p:sld xmlns:a="http://schemas.openxmlformats.org/drawingml/2006/main" xmlns:r="http://schemas.openxmlformats.org/officeDocument/2006/relationships" xmlns:p="http://schemas.openxmlformats.org/presentationml/2006/main">
   <p:cSld>
     <p:spTree>
@@ -4831,7 +5024,7 @@
 </p:sld>
 </file>
 
-<file path=ppt/slides/slide17.xml><?xml version="1.0" encoding="utf-8"?>
+<file path=ppt/slides/slide18.xml><?xml version="1.0" encoding="utf-8"?>
 <p:sld xmlns:a="http://schemas.openxmlformats.org/drawingml/2006/main" xmlns:r="http://schemas.openxmlformats.org/officeDocument/2006/relationships" xmlns:p="http://schemas.openxmlformats.org/presentationml/2006/main">
   <p:cSld>
     <p:spTree>
@@ -7401,10 +7594,62 @@
           </a:p>
         </p:txBody>
       </p:sp>
+      <p:sp>
+        <p:nvSpPr>
+          <p:cNvPr id="5" name="TextBox 4">
+            <a:extLst>
+              <a:ext uri="{FF2B5EF4-FFF2-40B4-BE49-F238E27FC236}">
+                <a16:creationId xmlns:a16="http://schemas.microsoft.com/office/drawing/2014/main" id="{E907E6DB-1FFF-AF48-AA0B-AB777D5FF23D}"/>
+              </a:ext>
+            </a:extLst>
+          </p:cNvPr>
+          <p:cNvSpPr txBox="1"/>
+          <p:nvPr/>
+        </p:nvSpPr>
+        <p:spPr>
+          <a:xfrm>
+            <a:off x="7398393" y="1437752"/>
+            <a:ext cx="4624251" cy="1754326"/>
+          </a:xfrm>
+          <a:prstGeom prst="rect">
+            <a:avLst/>
+          </a:prstGeom>
+          <a:noFill/>
+        </p:spPr>
+        <p:txBody>
+          <a:bodyPr wrap="square" rtlCol="0">
+            <a:spAutoFit/>
+          </a:bodyPr>
+          <a:lstStyle/>
+          <a:p>
+            <a:pPr marL="285750" indent="-285750">
+              <a:buFont typeface="Arial" panose="020B0604020202020204" pitchFamily="34" charset="0"/>
+              <a:buChar char="•"/>
+            </a:pPr>
+            <a:r>
+              <a:rPr lang="en-US" dirty="0"/>
+              <a:t>This visualization shows genres of both tv shows and movies. </a:t>
+            </a:r>
+          </a:p>
+          <a:p>
+            <a:endParaRPr lang="en-US" dirty="0"/>
+          </a:p>
+          <a:p>
+            <a:pPr marL="285750" indent="-285750">
+              <a:buFont typeface="Arial" panose="020B0604020202020204" pitchFamily="34" charset="0"/>
+              <a:buChar char="•"/>
+            </a:pPr>
+            <a:r>
+              <a:rPr lang="en-US" dirty="0"/>
+              <a:t>It is known that movies are far high compared to tv shows in the last three years.</a:t>
+            </a:r>
+          </a:p>
+        </p:txBody>
+      </p:sp>
     </p:spTree>
     <p:extLst>
       <p:ext uri="{BB962C8B-B14F-4D97-AF65-F5344CB8AC3E}">
-        <p14:creationId xmlns:p14="http://schemas.microsoft.com/office/powerpoint/2010/main" val="560814314"/>
+        <p14:creationId xmlns:p14="http://schemas.microsoft.com/office/powerpoint/2010/main" val="790339174"/>
       </p:ext>
     </p:extLst>
   </p:cSld>
@@ -7431,51 +7676,12 @@
           <a:chExt cx="0" cy="0"/>
         </a:xfrm>
       </p:grpSpPr>
-      <p:sp>
-        <p:nvSpPr>
-          <p:cNvPr id="5" name="TextBox 4">
+      <p:pic>
+        <p:nvPicPr>
+          <p:cNvPr id="3" name="Picture 2" descr="Chart, funnel chart&#10;&#10;Description automatically generated">
             <a:extLst>
               <a:ext uri="{FF2B5EF4-FFF2-40B4-BE49-F238E27FC236}">
-                <a16:creationId xmlns:a16="http://schemas.microsoft.com/office/drawing/2014/main" id="{89DD604B-04B6-6E27-70E0-D857309E5875}"/>
-              </a:ext>
-            </a:extLst>
-          </p:cNvPr>
-          <p:cNvSpPr txBox="1"/>
-          <p:nvPr/>
-        </p:nvSpPr>
-        <p:spPr>
-          <a:xfrm>
-            <a:off x="371957" y="126965"/>
-            <a:ext cx="8214103" cy="707886"/>
-          </a:xfrm>
-          <a:prstGeom prst="rect">
-            <a:avLst/>
-          </a:prstGeom>
-          <a:noFill/>
-        </p:spPr>
-        <p:txBody>
-          <a:bodyPr wrap="square" rtlCol="0">
-            <a:spAutoFit/>
-          </a:bodyPr>
-          <a:lstStyle/>
-          <a:p>
-            <a:r>
-              <a:rPr lang="en-US" sz="2000" b="1" dirty="0">
-                <a:latin typeface="Open Sans" panose="020B0606030504020204" pitchFamily="34" charset="0"/>
-                <a:ea typeface="Open Sans" panose="020B0606030504020204" pitchFamily="34" charset="0"/>
-                <a:cs typeface="Open Sans" panose="020B0606030504020204" pitchFamily="34" charset="0"/>
-              </a:rPr>
-              <a:t>What are the top genres distributed by Netflix for both movies and tv shows in the last three years (2019, 2020, 2021)?</a:t>
-            </a:r>
-          </a:p>
-        </p:txBody>
-      </p:sp>
-      <p:pic>
-        <p:nvPicPr>
-          <p:cNvPr id="6" name="Picture 5">
-            <a:extLst>
-              <a:ext uri="{FF2B5EF4-FFF2-40B4-BE49-F238E27FC236}">
-                <a16:creationId xmlns:a16="http://schemas.microsoft.com/office/drawing/2014/main" id="{28BD2991-7A52-C13C-B81F-C5D524BC2634}"/>
+                <a16:creationId xmlns:a16="http://schemas.microsoft.com/office/drawing/2014/main" id="{64E7DD20-275A-8A49-94EA-0AF06A3B5EDB}"/>
               </a:ext>
             </a:extLst>
           </p:cNvPr>
@@ -7485,25 +7691,157 @@
           <p:nvPr/>
         </p:nvPicPr>
         <p:blipFill>
-          <a:blip r:embed="rId2"/>
+          <a:blip r:embed="rId2">
+            <a:extLst>
+              <a:ext uri="{28A0092B-C50C-407E-A947-70E740481C1C}">
+                <a14:useLocalDpi xmlns:a14="http://schemas.microsoft.com/office/drawing/2010/main" val="0"/>
+              </a:ext>
+            </a:extLst>
+          </a:blip>
           <a:stretch>
             <a:fillRect/>
           </a:stretch>
         </p:blipFill>
         <p:spPr>
           <a:xfrm>
-            <a:off x="480445" y="1584459"/>
-            <a:ext cx="9289770" cy="4056925"/>
+            <a:off x="1" y="834852"/>
+            <a:ext cx="8343900" cy="5986678"/>
           </a:xfrm>
           <a:prstGeom prst="rect">
             <a:avLst/>
           </a:prstGeom>
         </p:spPr>
       </p:pic>
+      <p:sp>
+        <p:nvSpPr>
+          <p:cNvPr id="6" name="TextBox 5">
+            <a:extLst>
+              <a:ext uri="{FF2B5EF4-FFF2-40B4-BE49-F238E27FC236}">
+                <a16:creationId xmlns:a16="http://schemas.microsoft.com/office/drawing/2014/main" id="{A4543B9A-E913-D94F-A765-3FDD71B93759}"/>
+              </a:ext>
+            </a:extLst>
+          </p:cNvPr>
+          <p:cNvSpPr txBox="1"/>
+          <p:nvPr/>
+        </p:nvSpPr>
+        <p:spPr>
+          <a:xfrm>
+            <a:off x="371957" y="126965"/>
+            <a:ext cx="8214103" cy="707886"/>
+          </a:xfrm>
+          <a:prstGeom prst="rect">
+            <a:avLst/>
+          </a:prstGeom>
+          <a:noFill/>
+        </p:spPr>
+        <p:txBody>
+          <a:bodyPr wrap="square" rtlCol="0">
+            <a:spAutoFit/>
+          </a:bodyPr>
+          <a:lstStyle/>
+          <a:p>
+            <a:r>
+              <a:rPr lang="en-US" sz="2000" b="1" dirty="0">
+                <a:latin typeface="Open Sans" panose="020B0606030504020204" pitchFamily="34" charset="0"/>
+                <a:ea typeface="Open Sans" panose="020B0606030504020204" pitchFamily="34" charset="0"/>
+                <a:cs typeface="Open Sans" panose="020B0606030504020204" pitchFamily="34" charset="0"/>
+              </a:rPr>
+              <a:t>What are the top genres distributed by Netflix for movies in the last three years (2019, 2020, 2021)?</a:t>
+            </a:r>
+          </a:p>
+        </p:txBody>
+      </p:sp>
+      <p:sp>
+        <p:nvSpPr>
+          <p:cNvPr id="8" name="Rectangle 7">
+            <a:extLst>
+              <a:ext uri="{FF2B5EF4-FFF2-40B4-BE49-F238E27FC236}">
+                <a16:creationId xmlns:a16="http://schemas.microsoft.com/office/drawing/2014/main" id="{8164EEF0-A7BA-B645-9A1F-BA9E7CECA353}"/>
+              </a:ext>
+            </a:extLst>
+          </p:cNvPr>
+          <p:cNvSpPr/>
+          <p:nvPr/>
+        </p:nvSpPr>
+        <p:spPr>
+          <a:xfrm>
+            <a:off x="8471760" y="1005260"/>
+            <a:ext cx="3605938" cy="2423740"/>
+          </a:xfrm>
+          <a:prstGeom prst="rect">
+            <a:avLst/>
+          </a:prstGeom>
+        </p:spPr>
+        <p:txBody>
+          <a:bodyPr wrap="square">
+            <a:spAutoFit/>
+          </a:bodyPr>
+          <a:lstStyle/>
+          <a:p>
+            <a:pPr marL="285750" indent="-285750">
+              <a:spcAft>
+                <a:spcPts val="900"/>
+              </a:spcAft>
+              <a:buFont typeface="Arial" panose="020B0604020202020204" pitchFamily="34" charset="0"/>
+              <a:buChar char="•"/>
+            </a:pPr>
+            <a:r>
+              <a:rPr lang="en-US" dirty="0">
+                <a:latin typeface="Arial" panose="020B0604020202020204" pitchFamily="34" charset="0"/>
+                <a:ea typeface="Times New Roman" panose="02020603050405020304" pitchFamily="18" charset="0"/>
+              </a:rPr>
+              <a:t>Netflix offers range of movie genres and most of the content have multiple genres. </a:t>
+            </a:r>
+            <a:r>
+              <a:rPr lang="en-US" dirty="0">
+                <a:latin typeface="Arial" panose="020B0604020202020204" pitchFamily="34" charset="0"/>
+                <a:ea typeface="Times New Roman" panose="02020603050405020304" pitchFamily="18" charset="0"/>
+                <a:cs typeface="Times New Roman" panose="02020603050405020304" pitchFamily="18" charset="0"/>
+              </a:rPr>
+              <a:t> </a:t>
+            </a:r>
+            <a:endParaRPr lang="en-US" sz="2400" dirty="0">
+              <a:latin typeface="Calibri" panose="020F0502020204030204" pitchFamily="34" charset="0"/>
+              <a:ea typeface="Calibri" panose="020F0502020204030204" pitchFamily="34" charset="0"/>
+              <a:cs typeface="Times New Roman" panose="02020603050405020304" pitchFamily="18" charset="0"/>
+            </a:endParaRPr>
+          </a:p>
+          <a:p>
+            <a:pPr marL="285750" indent="-285750">
+              <a:buFont typeface="Arial" panose="020B0604020202020204" pitchFamily="34" charset="0"/>
+              <a:buChar char="•"/>
+            </a:pPr>
+            <a:r>
+              <a:rPr lang="en-US" dirty="0">
+                <a:solidFill>
+                  <a:srgbClr val="000000"/>
+                </a:solidFill>
+                <a:latin typeface="Arial" panose="020B0604020202020204" pitchFamily="34" charset="0"/>
+                <a:ea typeface="Times New Roman" panose="02020603050405020304" pitchFamily="18" charset="0"/>
+                <a:cs typeface="Times New Roman" panose="02020603050405020304" pitchFamily="18" charset="0"/>
+              </a:rPr>
+              <a:t>In the last there years, movie contents is dominated by international genre due to Netflix international presence, which is tied with drama. </a:t>
+            </a:r>
+            <a:r>
+              <a:rPr lang="en-US" dirty="0">
+                <a:latin typeface="Arial" panose="020B0604020202020204" pitchFamily="34" charset="0"/>
+                <a:ea typeface="Times New Roman" panose="02020603050405020304" pitchFamily="18" charset="0"/>
+                <a:cs typeface="Times New Roman" panose="02020603050405020304" pitchFamily="18" charset="0"/>
+              </a:rPr>
+              <a:t> </a:t>
+            </a:r>
+            <a:endParaRPr lang="en-US" sz="2400" dirty="0">
+              <a:latin typeface="Calibri" panose="020F0502020204030204" pitchFamily="34" charset="0"/>
+              <a:ea typeface="Calibri" panose="020F0502020204030204" pitchFamily="34" charset="0"/>
+              <a:cs typeface="Times New Roman" panose="02020603050405020304" pitchFamily="18" charset="0"/>
+            </a:endParaRPr>
+          </a:p>
+        </p:txBody>
+      </p:sp>
     </p:spTree>
     <p:extLst>
       <p:ext uri="{BB962C8B-B14F-4D97-AF65-F5344CB8AC3E}">
-        <p14:creationId xmlns:p14="http://schemas.microsoft.com/office/powerpoint/2010/main" val="2803995205"/>
+        <p14:creationId xmlns:p14="http://schemas.microsoft.com/office/powerpoint/2010/main" val="2097467050"/>
       </p:ext>
     </p:extLst>
   </p:cSld>

--- a/TeamProjectPPT.pptx
+++ b/TeamProjectPPT.pptx
@@ -15,9 +15,9 @@
     <p:sldId id="284" r:id="rId9"/>
     <p:sldId id="281" r:id="rId10"/>
     <p:sldId id="282" r:id="rId11"/>
-    <p:sldId id="265" r:id="rId12"/>
-    <p:sldId id="266" r:id="rId13"/>
-    <p:sldId id="271" r:id="rId14"/>
+    <p:sldId id="286" r:id="rId12"/>
+    <p:sldId id="287" r:id="rId13"/>
+    <p:sldId id="288" r:id="rId14"/>
     <p:sldId id="276" r:id="rId15"/>
     <p:sldId id="277" r:id="rId16"/>
     <p:sldId id="278" r:id="rId17"/>
@@ -294,7 +294,7 @@
             <a:fld id="{276D79ED-3FA7-4EF8-964B-EB8BCFAB02F8}" type="datetimeFigureOut">
               <a:rPr lang="en-US" smtClean="0"/>
               <a:pPr/>
-              <a:t>5/11/22</a:t>
+              <a:t>5/11/2022</a:t>
             </a:fld>
             <a:endParaRPr lang="en-US"/>
           </a:p>
@@ -540,7 +540,7 @@
           <a:p>
             <a:fld id="{276D79ED-3FA7-4EF8-964B-EB8BCFAB02F8}" type="datetimeFigureOut">
               <a:rPr lang="en-US" smtClean="0"/>
-              <a:t>5/11/22</a:t>
+              <a:t>5/11/2022</a:t>
             </a:fld>
             <a:endParaRPr lang="en-US"/>
           </a:p>
@@ -817,7 +817,7 @@
           <a:p>
             <a:fld id="{276D79ED-3FA7-4EF8-964B-EB8BCFAB02F8}" type="datetimeFigureOut">
               <a:rPr lang="en-US" smtClean="0"/>
-              <a:t>5/11/22</a:t>
+              <a:t>5/11/2022</a:t>
             </a:fld>
             <a:endParaRPr lang="en-US"/>
           </a:p>
@@ -1058,7 +1058,7 @@
           <a:p>
             <a:fld id="{276D79ED-3FA7-4EF8-964B-EB8BCFAB02F8}" type="datetimeFigureOut">
               <a:rPr lang="en-US" smtClean="0"/>
-              <a:t>5/11/22</a:t>
+              <a:t>5/11/2022</a:t>
             </a:fld>
             <a:endParaRPr lang="en-US"/>
           </a:p>
@@ -1422,7 +1422,7 @@
           <a:p>
             <a:fld id="{276D79ED-3FA7-4EF8-964B-EB8BCFAB02F8}" type="datetimeFigureOut">
               <a:rPr lang="en-US" smtClean="0"/>
-              <a:t>5/11/22</a:t>
+              <a:t>5/11/2022</a:t>
             </a:fld>
             <a:endParaRPr lang="en-US"/>
           </a:p>
@@ -1539,7 +1539,7 @@
           <a:p>
             <a:fld id="{276D79ED-3FA7-4EF8-964B-EB8BCFAB02F8}" type="datetimeFigureOut">
               <a:rPr lang="en-US" smtClean="0"/>
-              <a:t>5/11/22</a:t>
+              <a:t>5/11/2022</a:t>
             </a:fld>
             <a:endParaRPr lang="en-US"/>
           </a:p>
@@ -1634,7 +1634,7 @@
           <a:p>
             <a:fld id="{276D79ED-3FA7-4EF8-964B-EB8BCFAB02F8}" type="datetimeFigureOut">
               <a:rPr lang="en-US" smtClean="0"/>
-              <a:t>5/11/22</a:t>
+              <a:t>5/11/2022</a:t>
             </a:fld>
             <a:endParaRPr lang="en-US"/>
           </a:p>
@@ -1910,7 +1910,7 @@
           <a:p>
             <a:fld id="{276D79ED-3FA7-4EF8-964B-EB8BCFAB02F8}" type="datetimeFigureOut">
               <a:rPr lang="en-US" smtClean="0"/>
-              <a:t>5/11/22</a:t>
+              <a:t>5/11/2022</a:t>
             </a:fld>
             <a:endParaRPr lang="en-US"/>
           </a:p>
@@ -2166,7 +2166,7 @@
           <a:p>
             <a:fld id="{276D79ED-3FA7-4EF8-964B-EB8BCFAB02F8}" type="datetimeFigureOut">
               <a:rPr lang="en-US" smtClean="0"/>
-              <a:t>5/11/22</a:t>
+              <a:t>5/11/2022</a:t>
             </a:fld>
             <a:endParaRPr lang="en-US"/>
           </a:p>
@@ -2390,7 +2390,7 @@
             <a:fld id="{276D79ED-3FA7-4EF8-964B-EB8BCFAB02F8}" type="datetimeFigureOut">
               <a:rPr lang="en-US" smtClean="0"/>
               <a:pPr/>
-              <a:t>5/11/22</a:t>
+              <a:t>5/11/2022</a:t>
             </a:fld>
             <a:endParaRPr lang="en-US"/>
           </a:p>
@@ -3355,7 +3355,7 @@
         </p:blipFill>
         <p:spPr>
           <a:xfrm>
-            <a:off x="332642" y="1035656"/>
+            <a:off x="296058" y="863219"/>
             <a:ext cx="6426654" cy="2906468"/>
           </a:xfrm>
           <a:prstGeom prst="rect">
@@ -3385,7 +3385,7 @@
         </p:blipFill>
         <p:spPr>
           <a:xfrm>
-            <a:off x="545718" y="4062309"/>
+            <a:off x="296058" y="3769687"/>
             <a:ext cx="6338408" cy="2795691"/>
           </a:xfrm>
           <a:prstGeom prst="rect">
@@ -3401,7 +3401,7 @@
         </p:nvSpPr>
         <p:spPr>
           <a:xfrm>
-            <a:off x="7235107" y="1568727"/>
+            <a:off x="7300421" y="802803"/>
             <a:ext cx="4624251" cy="3139321"/>
           </a:xfrm>
           <a:prstGeom prst="rect">
@@ -3426,8 +3426,12 @@
               <a:buChar char="•"/>
             </a:pPr>
             <a:r>
+              <a:rPr lang="en-US" dirty="0" smtClean="0"/>
+              <a:t>Compared </a:t>
+            </a:r>
+            <a:r>
               <a:rPr lang="en-US" dirty="0"/>
-              <a:t>Compare the results between the two quarters</a:t>
+              <a:t>the results between the two quarters</a:t>
             </a:r>
           </a:p>
           <a:p>
@@ -3481,10 +3485,120 @@
           </a:p>
         </p:txBody>
       </p:sp>
+      <p:sp>
+        <p:nvSpPr>
+          <p:cNvPr id="4" name="Rectangle 1"/>
+          <p:cNvSpPr>
+            <a:spLocks noChangeArrowheads="1"/>
+          </p:cNvSpPr>
+          <p:nvPr/>
+        </p:nvSpPr>
+        <p:spPr bwMode="auto">
+          <a:xfrm>
+            <a:off x="193555" y="6719513"/>
+            <a:ext cx="12192000" cy="0"/>
+          </a:xfrm>
+          <a:prstGeom prst="rect">
+            <a:avLst/>
+          </a:prstGeom>
+          <a:solidFill>
+            <a:srgbClr val="FFFFFF"/>
+          </a:solidFill>
+          <a:ln>
+            <a:noFill/>
+          </a:ln>
+          <a:effectLst/>
+          <a:extLst>
+            <a:ext uri="{91240B29-F687-4F45-9708-019B960494DF}">
+              <a14:hiddenLine xmlns:a14="http://schemas.microsoft.com/office/drawing/2010/main" w="9525">
+                <a:solidFill>
+                  <a:schemeClr val="tx1"/>
+                </a:solidFill>
+                <a:miter lim="800000"/>
+                <a:headEnd/>
+                <a:tailEnd/>
+              </a14:hiddenLine>
+            </a:ext>
+            <a:ext uri="{AF507438-7753-43E0-B8FC-AC1667EBCBE1}">
+              <a14:hiddenEffects xmlns:a14="http://schemas.microsoft.com/office/drawing/2010/main">
+                <a:effectLst>
+                  <a:outerShdw dist="35921" dir="2700000" algn="ctr" rotWithShape="0">
+                    <a:schemeClr val="bg2"/>
+                  </a:outerShdw>
+                </a:effectLst>
+              </a14:hiddenEffects>
+            </a:ext>
+          </a:extLst>
+        </p:spPr>
+        <p:txBody>
+          <a:bodyPr vert="horz" wrap="square" lIns="91440" tIns="45720" rIns="91440" bIns="45720" numCol="1" anchor="ctr" anchorCtr="0" compatLnSpc="1">
+            <a:prstTxWarp prst="textNoShape">
+              <a:avLst/>
+            </a:prstTxWarp>
+            <a:spAutoFit/>
+          </a:bodyPr>
+          <a:lstStyle/>
+          <a:p>
+            <a:pPr marL="0" marR="0" lvl="0" indent="0" algn="l" defTabSz="914400" rtl="0" eaLnBrk="0" fontAlgn="base" latinLnBrk="0" hangingPunct="0">
+              <a:lnSpc>
+                <a:spcPct val="100000"/>
+              </a:lnSpc>
+              <a:spcBef>
+                <a:spcPct val="0"/>
+              </a:spcBef>
+              <a:spcAft>
+                <a:spcPct val="0"/>
+              </a:spcAft>
+              <a:buClrTx/>
+              <a:buSzTx/>
+              <a:buFontTx/>
+              <a:buNone/>
+              <a:tabLst/>
+            </a:pPr>
+            <a:r>
+              <a:rPr kumimoji="0" lang="en-US" altLang="en-US" sz="1800" b="0" i="0" u="none" strike="noStrike" cap="none" normalizeH="0" baseline="0" smtClean="0">
+                <a:ln>
+                  <a:noFill/>
+                </a:ln>
+                <a:solidFill>
+                  <a:srgbClr val="1155CC"/>
+                </a:solidFill>
+                <a:effectLst/>
+                <a:latin typeface="Arial" panose="020B0604020202020204" pitchFamily="34" charset="0"/>
+                <a:cs typeface="Arial" panose="020B0604020202020204" pitchFamily="34" charset="0"/>
+                <a:hlinkClick r:id="rId4"/>
+              </a:rPr>
+              <a:t>https://www.kaggle.com/datasets/prasertk/netflix-daily-top-10-in-us</a:t>
+            </a:r>
+            <a:r>
+              <a:rPr kumimoji="0" lang="en-US" altLang="en-US" sz="1800" b="0" i="0" u="none" strike="noStrike" cap="none" normalizeH="0" baseline="0" smtClean="0">
+                <a:ln>
+                  <a:noFill/>
+                </a:ln>
+                <a:solidFill>
+                  <a:schemeClr val="tx1"/>
+                </a:solidFill>
+                <a:effectLst/>
+              </a:rPr>
+              <a:t> </a:t>
+            </a:r>
+            <a:endParaRPr kumimoji="0" lang="en-US" altLang="en-US" sz="1800" b="0" i="0" u="none" strike="noStrike" cap="none" normalizeH="0" baseline="0" smtClean="0">
+              <a:ln>
+                <a:noFill/>
+              </a:ln>
+              <a:solidFill>
+                <a:schemeClr val="tx1"/>
+              </a:solidFill>
+              <a:effectLst/>
+              <a:latin typeface="Arial" panose="020B0604020202020204" pitchFamily="34" charset="0"/>
+            </a:endParaRPr>
+          </a:p>
+        </p:txBody>
+      </p:sp>
     </p:spTree>
     <p:extLst>
       <p:ext uri="{BB962C8B-B14F-4D97-AF65-F5344CB8AC3E}">
-        <p14:creationId xmlns:p14="http://schemas.microsoft.com/office/powerpoint/2010/main" val="475535063"/>
+        <p14:creationId xmlns:p14="http://schemas.microsoft.com/office/powerpoint/2010/main" val="2871633748"/>
       </p:ext>
     </p:extLst>
   </p:cSld>
@@ -3533,7 +3647,7 @@
         </p:blipFill>
         <p:spPr>
           <a:xfrm>
-            <a:off x="103409" y="1007659"/>
+            <a:off x="62601" y="863219"/>
             <a:ext cx="6767655" cy="3030583"/>
           </a:xfrm>
           <a:prstGeom prst="rect">
@@ -3563,7 +3677,7 @@
         </p:blipFill>
         <p:spPr>
           <a:xfrm>
-            <a:off x="369507" y="4101738"/>
+            <a:off x="207812" y="3863212"/>
             <a:ext cx="6028637" cy="2756262"/>
           </a:xfrm>
           <a:prstGeom prst="rect">
@@ -3580,7 +3694,7 @@
         <p:spPr>
           <a:xfrm>
             <a:off x="7026047" y="509276"/>
-            <a:ext cx="4624251" cy="4801314"/>
+            <a:ext cx="4624251" cy="4524315"/>
           </a:xfrm>
           <a:prstGeom prst="rect">
             <a:avLst/>
@@ -3605,8 +3719,12 @@
               <a:buChar char="•"/>
             </a:pPr>
             <a:r>
+              <a:rPr lang="en-US" dirty="0" smtClean="0"/>
+              <a:t>Compared </a:t>
+            </a:r>
+            <a:r>
               <a:rPr lang="en-US" dirty="0"/>
-              <a:t>Compare the results between the two quarters.</a:t>
+              <a:t>the results between the two quarters.</a:t>
             </a:r>
           </a:p>
           <a:p>
@@ -3634,7 +3752,15 @@
             </a:pPr>
             <a:r>
               <a:rPr lang="en-US" dirty="0"/>
-              <a:t>We could see that Netflix Exclusive movies actually increased slightly over the same time period but the non-exclusive movies and TV shows remained around the same or decreased.</a:t>
+              <a:t>We could see that Netflix Exclusive movies </a:t>
+            </a:r>
+            <a:r>
+              <a:rPr lang="en-US" dirty="0" smtClean="0"/>
+              <a:t>increased </a:t>
+            </a:r>
+            <a:r>
+              <a:rPr lang="en-US" dirty="0"/>
+              <a:t>slightly over the same time period but the non-exclusive movies and TV shows remained around the same or decreased.</a:t>
             </a:r>
           </a:p>
           <a:p>
@@ -3644,7 +3770,15 @@
             </a:pPr>
             <a:r>
               <a:rPr lang="en-US" dirty="0"/>
-              <a:t>Throughout the timeframe, we could see a small number of comedy specials in the daily Top 10 that resulted no more than 1-2% per quarter.</a:t>
+              <a:t>Throughout </a:t>
+            </a:r>
+            <a:r>
+              <a:rPr lang="en-US" dirty="0" smtClean="0"/>
+              <a:t>the data, </a:t>
+            </a:r>
+            <a:r>
+              <a:rPr lang="en-US" dirty="0"/>
+              <a:t>we could see a small number of comedy specials in the daily Top 10 that resulted no more than 1-2% per quarter.</a:t>
             </a:r>
           </a:p>
         </p:txBody>
@@ -3678,10 +3812,120 @@
           </a:p>
         </p:txBody>
       </p:sp>
+      <p:sp>
+        <p:nvSpPr>
+          <p:cNvPr id="6" name="Rectangle 1"/>
+          <p:cNvSpPr>
+            <a:spLocks noChangeArrowheads="1"/>
+          </p:cNvSpPr>
+          <p:nvPr/>
+        </p:nvSpPr>
+        <p:spPr bwMode="auto">
+          <a:xfrm>
+            <a:off x="62601" y="6750102"/>
+            <a:ext cx="12192000" cy="0"/>
+          </a:xfrm>
+          <a:prstGeom prst="rect">
+            <a:avLst/>
+          </a:prstGeom>
+          <a:solidFill>
+            <a:srgbClr val="FFFFFF"/>
+          </a:solidFill>
+          <a:ln>
+            <a:noFill/>
+          </a:ln>
+          <a:effectLst/>
+          <a:extLst>
+            <a:ext uri="{91240B29-F687-4F45-9708-019B960494DF}">
+              <a14:hiddenLine xmlns:a14="http://schemas.microsoft.com/office/drawing/2010/main" w="9525">
+                <a:solidFill>
+                  <a:schemeClr val="tx1"/>
+                </a:solidFill>
+                <a:miter lim="800000"/>
+                <a:headEnd/>
+                <a:tailEnd/>
+              </a14:hiddenLine>
+            </a:ext>
+            <a:ext uri="{AF507438-7753-43E0-B8FC-AC1667EBCBE1}">
+              <a14:hiddenEffects xmlns:a14="http://schemas.microsoft.com/office/drawing/2010/main">
+                <a:effectLst>
+                  <a:outerShdw dist="35921" dir="2700000" algn="ctr" rotWithShape="0">
+                    <a:schemeClr val="bg2"/>
+                  </a:outerShdw>
+                </a:effectLst>
+              </a14:hiddenEffects>
+            </a:ext>
+          </a:extLst>
+        </p:spPr>
+        <p:txBody>
+          <a:bodyPr vert="horz" wrap="square" lIns="91440" tIns="45720" rIns="91440" bIns="45720" numCol="1" anchor="ctr" anchorCtr="0" compatLnSpc="1">
+            <a:prstTxWarp prst="textNoShape">
+              <a:avLst/>
+            </a:prstTxWarp>
+            <a:spAutoFit/>
+          </a:bodyPr>
+          <a:lstStyle/>
+          <a:p>
+            <a:pPr marL="0" marR="0" lvl="0" indent="0" algn="l" defTabSz="914400" rtl="0" eaLnBrk="0" fontAlgn="base" latinLnBrk="0" hangingPunct="0">
+              <a:lnSpc>
+                <a:spcPct val="100000"/>
+              </a:lnSpc>
+              <a:spcBef>
+                <a:spcPct val="0"/>
+              </a:spcBef>
+              <a:spcAft>
+                <a:spcPct val="0"/>
+              </a:spcAft>
+              <a:buClrTx/>
+              <a:buSzTx/>
+              <a:buFontTx/>
+              <a:buNone/>
+              <a:tabLst/>
+            </a:pPr>
+            <a:r>
+              <a:rPr kumimoji="0" lang="en-US" altLang="en-US" sz="1800" b="0" i="0" u="none" strike="noStrike" cap="none" normalizeH="0" baseline="0" dirty="0" smtClean="0">
+                <a:ln>
+                  <a:noFill/>
+                </a:ln>
+                <a:solidFill>
+                  <a:srgbClr val="1155CC"/>
+                </a:solidFill>
+                <a:effectLst/>
+                <a:latin typeface="Arial" panose="020B0604020202020204" pitchFamily="34" charset="0"/>
+                <a:cs typeface="Arial" panose="020B0604020202020204" pitchFamily="34" charset="0"/>
+                <a:hlinkClick r:id="rId4"/>
+              </a:rPr>
+              <a:t>https://www.kaggle.com/datasets/prasertk/netflix-daily-top-10-in-us</a:t>
+            </a:r>
+            <a:r>
+              <a:rPr kumimoji="0" lang="en-US" altLang="en-US" sz="1800" b="0" i="0" u="none" strike="noStrike" cap="none" normalizeH="0" baseline="0" dirty="0" smtClean="0">
+                <a:ln>
+                  <a:noFill/>
+                </a:ln>
+                <a:solidFill>
+                  <a:schemeClr val="tx1"/>
+                </a:solidFill>
+                <a:effectLst/>
+              </a:rPr>
+              <a:t> </a:t>
+            </a:r>
+            <a:endParaRPr kumimoji="0" lang="en-US" altLang="en-US" sz="1800" b="0" i="0" u="none" strike="noStrike" cap="none" normalizeH="0" baseline="0" dirty="0" smtClean="0">
+              <a:ln>
+                <a:noFill/>
+              </a:ln>
+              <a:solidFill>
+                <a:schemeClr val="tx1"/>
+              </a:solidFill>
+              <a:effectLst/>
+              <a:latin typeface="Arial" panose="020B0604020202020204" pitchFamily="34" charset="0"/>
+            </a:endParaRPr>
+          </a:p>
+        </p:txBody>
+      </p:sp>
     </p:spTree>
     <p:extLst>
       <p:ext uri="{BB962C8B-B14F-4D97-AF65-F5344CB8AC3E}">
-        <p14:creationId xmlns:p14="http://schemas.microsoft.com/office/powerpoint/2010/main" val="792271978"/>
+        <p14:creationId xmlns:p14="http://schemas.microsoft.com/office/powerpoint/2010/main" val="2859034399"/>
       </p:ext>
     </p:extLst>
   </p:cSld>
@@ -3717,7 +3961,7 @@
         <p:spPr>
           <a:xfrm>
             <a:off x="362439" y="1899649"/>
-            <a:ext cx="10659291" cy="2585323"/>
+            <a:ext cx="10659291" cy="2031325"/>
           </a:xfrm>
           <a:prstGeom prst="rect">
             <a:avLst/>
@@ -3735,29 +3979,34 @@
             </a:pPr>
             <a:r>
               <a:rPr lang="en-US" dirty="0"/>
-              <a:t>Based on the results from the pandemic, we can see that most people preferred to watch TV shows. This is likely to have been a result of the lockdowns and people had more time to watch TV shows. Also, the popularity of certain TV shows (example-Tiger King) resulted in more people watching specifically Netflix exclusive TV shows. We could see decreases amongst the Netflix exclusive TV shows over the course of the pandemic but the comparison between the 2</a:t>
-            </a:r>
-            <a:r>
-              <a:rPr lang="en-US" baseline="30000" dirty="0"/>
-              <a:t>nd</a:t>
+              <a:t>Based on the results from the pandemic, we can see that most people preferred to watch TV </a:t>
+            </a:r>
+            <a:r>
+              <a:rPr lang="en-US" dirty="0" smtClean="0"/>
+              <a:t>shows within the United States. </a:t>
             </a:r>
             <a:r>
               <a:rPr lang="en-US" dirty="0"/>
-              <a:t> quarter of 2020 and the 4</a:t>
-            </a:r>
-            <a:r>
-              <a:rPr lang="en-US" baseline="30000" dirty="0"/>
-              <a:t>th</a:t>
-            </a:r>
-            <a:r>
-              <a:rPr lang="en-US" dirty="0"/>
-              <a:t> quarter of 2021, we could see that there was little change to the popularity of Netflix exclusives.</a:t>
-            </a:r>
+              <a:t>This is likely to have been a result of the lockdowns and people had more time to watch TV shows. </a:t>
+            </a:r>
+            <a:endParaRPr lang="en-US" dirty="0" smtClean="0"/>
           </a:p>
           <a:p>
             <a:pPr marL="342900" indent="-342900">
               <a:buAutoNum type="arabicPeriod"/>
             </a:pPr>
+            <a:r>
+              <a:rPr lang="en-US" dirty="0" smtClean="0"/>
+              <a:t>The </a:t>
+            </a:r>
+            <a:r>
+              <a:rPr lang="en-US" dirty="0"/>
+              <a:t>popularity of certain TV shows (example-Tiger King) resulted in more people watching specifically Netflix exclusive TV shows</a:t>
+            </a:r>
+            <a:r>
+              <a:rPr lang="en-US" dirty="0" smtClean="0"/>
+              <a:t>.</a:t>
+            </a:r>
             <a:endParaRPr lang="en-US" dirty="0"/>
           </a:p>
           <a:p>
@@ -3766,8 +4015,21 @@
             </a:pPr>
             <a:r>
               <a:rPr lang="en-US" dirty="0"/>
-              <a:t>Netflix is likely capable of being able to produce TV shows at a faster rate than movies which is likely the reason why there are a lot of options for users to watch new TV shows.</a:t>
-            </a:r>
+              <a:t>Netflix is likely capable of being able to produce TV shows at a faster rate than </a:t>
+            </a:r>
+            <a:r>
+              <a:rPr lang="en-US" dirty="0" smtClean="0"/>
+              <a:t>movies. This is likely why they are more popular as there are more options </a:t>
+            </a:r>
+            <a:r>
+              <a:rPr lang="en-US" dirty="0"/>
+              <a:t>for </a:t>
+            </a:r>
+            <a:r>
+              <a:rPr lang="en-US" dirty="0" smtClean="0"/>
+              <a:t>users.</a:t>
+            </a:r>
+            <a:endParaRPr lang="en-US" dirty="0"/>
           </a:p>
         </p:txBody>
       </p:sp>
@@ -3981,10 +4243,289 @@
           </a:p>
         </p:txBody>
       </p:sp>
+      <p:sp>
+        <p:nvSpPr>
+          <p:cNvPr id="5" name="Rectangle 2"/>
+          <p:cNvSpPr>
+            <a:spLocks noChangeArrowheads="1"/>
+          </p:cNvSpPr>
+          <p:nvPr/>
+        </p:nvSpPr>
+        <p:spPr bwMode="auto">
+          <a:xfrm>
+            <a:off x="165315" y="6988629"/>
+            <a:ext cx="12192000" cy="0"/>
+          </a:xfrm>
+          <a:prstGeom prst="rect">
+            <a:avLst/>
+          </a:prstGeom>
+          <a:solidFill>
+            <a:srgbClr val="FFFFFF"/>
+          </a:solidFill>
+          <a:ln>
+            <a:noFill/>
+          </a:ln>
+          <a:effectLst/>
+          <a:extLst>
+            <a:ext uri="{91240B29-F687-4F45-9708-019B960494DF}">
+              <a14:hiddenLine xmlns:a14="http://schemas.microsoft.com/office/drawing/2010/main" w="9525">
+                <a:solidFill>
+                  <a:schemeClr val="tx1"/>
+                </a:solidFill>
+                <a:miter lim="800000"/>
+                <a:headEnd/>
+                <a:tailEnd/>
+              </a14:hiddenLine>
+            </a:ext>
+            <a:ext uri="{AF507438-7753-43E0-B8FC-AC1667EBCBE1}">
+              <a14:hiddenEffects xmlns:a14="http://schemas.microsoft.com/office/drawing/2010/main">
+                <a:effectLst>
+                  <a:outerShdw dist="35921" dir="2700000" algn="ctr" rotWithShape="0">
+                    <a:schemeClr val="bg2"/>
+                  </a:outerShdw>
+                </a:effectLst>
+              </a14:hiddenEffects>
+            </a:ext>
+          </a:extLst>
+        </p:spPr>
+        <p:txBody>
+          <a:bodyPr vert="horz" wrap="square" lIns="91440" tIns="45720" rIns="91440" bIns="45720" numCol="1" anchor="ctr" anchorCtr="0" compatLnSpc="1">
+            <a:prstTxWarp prst="textNoShape">
+              <a:avLst/>
+            </a:prstTxWarp>
+            <a:spAutoFit/>
+          </a:bodyPr>
+          <a:lstStyle>
+            <a:lvl1pPr eaLnBrk="0" fontAlgn="base" hangingPunct="0">
+              <a:spcBef>
+                <a:spcPct val="0"/>
+              </a:spcBef>
+              <a:spcAft>
+                <a:spcPct val="0"/>
+              </a:spcAft>
+              <a:defRPr>
+                <a:solidFill>
+                  <a:schemeClr val="tx1"/>
+                </a:solidFill>
+                <a:latin typeface="Arial" panose="020B0604020202020204" pitchFamily="34" charset="0"/>
+              </a:defRPr>
+            </a:lvl1pPr>
+            <a:lvl2pPr eaLnBrk="0" fontAlgn="base" hangingPunct="0">
+              <a:spcBef>
+                <a:spcPct val="0"/>
+              </a:spcBef>
+              <a:spcAft>
+                <a:spcPct val="0"/>
+              </a:spcAft>
+              <a:defRPr>
+                <a:solidFill>
+                  <a:schemeClr val="tx1"/>
+                </a:solidFill>
+                <a:latin typeface="Arial" panose="020B0604020202020204" pitchFamily="34" charset="0"/>
+              </a:defRPr>
+            </a:lvl2pPr>
+            <a:lvl3pPr eaLnBrk="0" fontAlgn="base" hangingPunct="0">
+              <a:spcBef>
+                <a:spcPct val="0"/>
+              </a:spcBef>
+              <a:spcAft>
+                <a:spcPct val="0"/>
+              </a:spcAft>
+              <a:defRPr>
+                <a:solidFill>
+                  <a:schemeClr val="tx1"/>
+                </a:solidFill>
+                <a:latin typeface="Arial" panose="020B0604020202020204" pitchFamily="34" charset="0"/>
+              </a:defRPr>
+            </a:lvl3pPr>
+            <a:lvl4pPr eaLnBrk="0" fontAlgn="base" hangingPunct="0">
+              <a:spcBef>
+                <a:spcPct val="0"/>
+              </a:spcBef>
+              <a:spcAft>
+                <a:spcPct val="0"/>
+              </a:spcAft>
+              <a:defRPr>
+                <a:solidFill>
+                  <a:schemeClr val="tx1"/>
+                </a:solidFill>
+                <a:latin typeface="Arial" panose="020B0604020202020204" pitchFamily="34" charset="0"/>
+              </a:defRPr>
+            </a:lvl4pPr>
+            <a:lvl5pPr eaLnBrk="0" fontAlgn="base" hangingPunct="0">
+              <a:spcBef>
+                <a:spcPct val="0"/>
+              </a:spcBef>
+              <a:spcAft>
+                <a:spcPct val="0"/>
+              </a:spcAft>
+              <a:defRPr>
+                <a:solidFill>
+                  <a:schemeClr val="tx1"/>
+                </a:solidFill>
+                <a:latin typeface="Arial" panose="020B0604020202020204" pitchFamily="34" charset="0"/>
+              </a:defRPr>
+            </a:lvl5pPr>
+            <a:lvl6pPr eaLnBrk="0" fontAlgn="base" hangingPunct="0">
+              <a:spcBef>
+                <a:spcPct val="0"/>
+              </a:spcBef>
+              <a:spcAft>
+                <a:spcPct val="0"/>
+              </a:spcAft>
+              <a:defRPr>
+                <a:solidFill>
+                  <a:schemeClr val="tx1"/>
+                </a:solidFill>
+                <a:latin typeface="Arial" panose="020B0604020202020204" pitchFamily="34" charset="0"/>
+              </a:defRPr>
+            </a:lvl6pPr>
+            <a:lvl7pPr eaLnBrk="0" fontAlgn="base" hangingPunct="0">
+              <a:spcBef>
+                <a:spcPct val="0"/>
+              </a:spcBef>
+              <a:spcAft>
+                <a:spcPct val="0"/>
+              </a:spcAft>
+              <a:defRPr>
+                <a:solidFill>
+                  <a:schemeClr val="tx1"/>
+                </a:solidFill>
+                <a:latin typeface="Arial" panose="020B0604020202020204" pitchFamily="34" charset="0"/>
+              </a:defRPr>
+            </a:lvl7pPr>
+            <a:lvl8pPr eaLnBrk="0" fontAlgn="base" hangingPunct="0">
+              <a:spcBef>
+                <a:spcPct val="0"/>
+              </a:spcBef>
+              <a:spcAft>
+                <a:spcPct val="0"/>
+              </a:spcAft>
+              <a:defRPr>
+                <a:solidFill>
+                  <a:schemeClr val="tx1"/>
+                </a:solidFill>
+                <a:latin typeface="Arial" panose="020B0604020202020204" pitchFamily="34" charset="0"/>
+              </a:defRPr>
+            </a:lvl8pPr>
+            <a:lvl9pPr eaLnBrk="0" fontAlgn="base" hangingPunct="0">
+              <a:spcBef>
+                <a:spcPct val="0"/>
+              </a:spcBef>
+              <a:spcAft>
+                <a:spcPct val="0"/>
+              </a:spcAft>
+              <a:defRPr>
+                <a:solidFill>
+                  <a:schemeClr val="tx1"/>
+                </a:solidFill>
+                <a:latin typeface="Arial" panose="020B0604020202020204" pitchFamily="34" charset="0"/>
+              </a:defRPr>
+            </a:lvl9pPr>
+          </a:lstStyle>
+          <a:p>
+            <a:pPr marL="0" marR="0" lvl="0" indent="0" algn="l" defTabSz="914400" rtl="0" eaLnBrk="0" fontAlgn="base" latinLnBrk="0" hangingPunct="0">
+              <a:lnSpc>
+                <a:spcPct val="100000"/>
+              </a:lnSpc>
+              <a:spcBef>
+                <a:spcPct val="0"/>
+              </a:spcBef>
+              <a:spcAft>
+                <a:spcPct val="0"/>
+              </a:spcAft>
+              <a:buClrTx/>
+              <a:buSzTx/>
+              <a:buFontTx/>
+              <a:buNone/>
+              <a:tabLst/>
+            </a:pPr>
+            <a:r>
+              <a:rPr kumimoji="0" lang="en-US" altLang="en-US" sz="1800" b="0" i="0" u="none" strike="noStrike" cap="none" normalizeH="0" baseline="0" smtClean="0">
+                <a:ln>
+                  <a:noFill/>
+                </a:ln>
+                <a:solidFill>
+                  <a:srgbClr val="1155CC"/>
+                </a:solidFill>
+                <a:effectLst/>
+                <a:latin typeface="Arial" panose="020B0604020202020204" pitchFamily="34" charset="0"/>
+                <a:cs typeface="Arial" panose="020B0604020202020204" pitchFamily="34" charset="0"/>
+                <a:hlinkClick r:id="rId3"/>
+              </a:rPr>
+              <a:t>https://www.kaggle.com/datasets/prasertk/netflix-daily-top-10-in-us</a:t>
+            </a:r>
+            <a:endParaRPr kumimoji="0" lang="en-US" altLang="en-US" sz="1800" b="0" i="0" u="none" strike="noStrike" cap="none" normalizeH="0" baseline="0" smtClean="0">
+              <a:ln>
+                <a:noFill/>
+              </a:ln>
+              <a:solidFill>
+                <a:schemeClr val="tx1"/>
+              </a:solidFill>
+              <a:effectLst/>
+            </a:endParaRPr>
+          </a:p>
+          <a:p>
+            <a:pPr marL="0" marR="0" lvl="0" indent="0" algn="l" defTabSz="914400" rtl="0" eaLnBrk="0" fontAlgn="base" latinLnBrk="0" hangingPunct="0">
+              <a:lnSpc>
+                <a:spcPct val="100000"/>
+              </a:lnSpc>
+              <a:spcBef>
+                <a:spcPct val="0"/>
+              </a:spcBef>
+              <a:spcAft>
+                <a:spcPct val="0"/>
+              </a:spcAft>
+              <a:buClrTx/>
+              <a:buSzTx/>
+              <a:buFontTx/>
+              <a:buNone/>
+              <a:tabLst/>
+            </a:pPr>
+            <a:r>
+              <a:rPr kumimoji="0" lang="en-US" altLang="en-US" sz="1800" b="0" i="0" u="none" strike="noStrike" cap="none" normalizeH="0" baseline="0" smtClean="0">
+                <a:ln>
+                  <a:noFill/>
+                </a:ln>
+                <a:solidFill>
+                  <a:srgbClr val="222222"/>
+                </a:solidFill>
+                <a:effectLst/>
+                <a:latin typeface="Arial" panose="020B0604020202020204" pitchFamily="34" charset="0"/>
+                <a:cs typeface="Arial" panose="020B0604020202020204" pitchFamily="34" charset="0"/>
+              </a:rPr>
+              <a:t/>
+            </a:r>
+            <a:br>
+              <a:rPr kumimoji="0" lang="en-US" altLang="en-US" sz="1800" b="0" i="0" u="none" strike="noStrike" cap="none" normalizeH="0" baseline="0" smtClean="0">
+                <a:ln>
+                  <a:noFill/>
+                </a:ln>
+                <a:solidFill>
+                  <a:srgbClr val="222222"/>
+                </a:solidFill>
+                <a:effectLst/>
+                <a:latin typeface="Arial" panose="020B0604020202020204" pitchFamily="34" charset="0"/>
+                <a:cs typeface="Arial" panose="020B0604020202020204" pitchFamily="34" charset="0"/>
+              </a:rPr>
+            </a:br>
+            <a:endParaRPr kumimoji="0" lang="en-US" altLang="en-US" sz="1800" b="0" i="0" u="none" strike="noStrike" cap="none" normalizeH="0" baseline="0" smtClean="0">
+              <a:ln>
+                <a:noFill/>
+              </a:ln>
+              <a:solidFill>
+                <a:schemeClr val="tx1"/>
+              </a:solidFill>
+              <a:effectLst/>
+              <a:latin typeface="Arial" panose="020B0604020202020204" pitchFamily="34" charset="0"/>
+            </a:endParaRPr>
+          </a:p>
+        </p:txBody>
+      </p:sp>
     </p:spTree>
     <p:extLst>
       <p:ext uri="{BB962C8B-B14F-4D97-AF65-F5344CB8AC3E}">
-        <p14:creationId xmlns:p14="http://schemas.microsoft.com/office/powerpoint/2010/main" val="2473088299"/>
+        <p14:creationId xmlns:p14="http://schemas.microsoft.com/office/powerpoint/2010/main" val="2316065344"/>
       </p:ext>
     </p:extLst>
   </p:cSld>
